--- a/Neha_Rawoof_LendingCaseStudy.pptx
+++ b/Neha_Rawoof_LendingCaseStudy.pptx
@@ -10,20 +10,28 @@
     <p:sldId id="262" r:id="rId4"/>
     <p:sldId id="263" r:id="rId5"/>
     <p:sldId id="264" r:id="rId6"/>
-    <p:sldId id="265" r:id="rId7"/>
-    <p:sldId id="267" r:id="rId8"/>
-    <p:sldId id="268" r:id="rId9"/>
-    <p:sldId id="269" r:id="rId10"/>
-    <p:sldId id="260" r:id="rId11"/>
-    <p:sldId id="261" r:id="rId12"/>
-    <p:sldId id="273" r:id="rId13"/>
-    <p:sldId id="276" r:id="rId14"/>
-    <p:sldId id="274" r:id="rId15"/>
+    <p:sldId id="279" r:id="rId7"/>
+    <p:sldId id="265" r:id="rId8"/>
+    <p:sldId id="280" r:id="rId9"/>
+    <p:sldId id="281" r:id="rId10"/>
+    <p:sldId id="282" r:id="rId11"/>
+    <p:sldId id="269" r:id="rId12"/>
+    <p:sldId id="260" r:id="rId13"/>
+    <p:sldId id="261" r:id="rId14"/>
+    <p:sldId id="283" r:id="rId15"/>
     <p:sldId id="270" r:id="rId16"/>
     <p:sldId id="271" r:id="rId17"/>
-    <p:sldId id="275" r:id="rId18"/>
-    <p:sldId id="278" r:id="rId19"/>
-    <p:sldId id="277" r:id="rId20"/>
+    <p:sldId id="284" r:id="rId18"/>
+    <p:sldId id="285" r:id="rId19"/>
+    <p:sldId id="286" r:id="rId20"/>
+    <p:sldId id="277" r:id="rId21"/>
+    <p:sldId id="268" r:id="rId22"/>
+    <p:sldId id="267" r:id="rId23"/>
+    <p:sldId id="275" r:id="rId24"/>
+    <p:sldId id="273" r:id="rId25"/>
+    <p:sldId id="276" r:id="rId26"/>
+    <p:sldId id="278" r:id="rId27"/>
+    <p:sldId id="274" r:id="rId28"/>
   </p:sldIdLst>
   <p:sldSz cx="12192000" cy="6858000"/>
   <p:notesSz cx="6858000" cy="9144000"/>
@@ -122,6 +130,11 @@
       </a:defRPr>
     </a:lvl9pPr>
   </p:defaultTextStyle>
+  <p:extLst>
+    <p:ext uri="{EFAFB233-063F-42B5-8137-9DF3F51BA10A}">
+      <p15:sldGuideLst xmlns:p15="http://schemas.microsoft.com/office/powerpoint/2012/main"/>
+    </p:ext>
+  </p:extLst>
 </p:presentation>
 </file>
 
@@ -350,7 +363,7 @@
             <a:fld id="{5586B75A-687E-405C-8A0B-8D00578BA2C3}" type="datetimeFigureOut">
               <a:rPr lang="en-US" dirty="0"/>
               <a:pPr/>
-              <a:t>7/22/2024</a:t>
+              <a:t>7/24/2024</a:t>
             </a:fld>
             <a:endParaRPr lang="en-US" dirty="0"/>
           </a:p>
@@ -517,7 +530,7 @@
             <a:fld id="{5586B75A-687E-405C-8A0B-8D00578BA2C3}" type="datetimeFigureOut">
               <a:rPr lang="en-US" dirty="0"/>
               <a:pPr/>
-              <a:t>7/22/2024</a:t>
+              <a:t>7/24/2024</a:t>
             </a:fld>
             <a:endParaRPr lang="en-US" dirty="0"/>
           </a:p>
@@ -694,7 +707,7 @@
             <a:fld id="{5586B75A-687E-405C-8A0B-8D00578BA2C3}" type="datetimeFigureOut">
               <a:rPr lang="en-US" dirty="0"/>
               <a:pPr/>
-              <a:t>7/22/2024</a:t>
+              <a:t>7/24/2024</a:t>
             </a:fld>
             <a:endParaRPr lang="en-US" dirty="0"/>
           </a:p>
@@ -861,7 +874,7 @@
             <a:fld id="{5586B75A-687E-405C-8A0B-8D00578BA2C3}" type="datetimeFigureOut">
               <a:rPr lang="en-US" dirty="0"/>
               <a:pPr/>
-              <a:t>7/22/2024</a:t>
+              <a:t>7/24/2024</a:t>
             </a:fld>
             <a:endParaRPr lang="en-US" dirty="0"/>
           </a:p>
@@ -1116,7 +1129,7 @@
             <a:fld id="{5586B75A-687E-405C-8A0B-8D00578BA2C3}" type="datetimeFigureOut">
               <a:rPr lang="en-US" dirty="0"/>
               <a:pPr/>
-              <a:t>7/22/2024</a:t>
+              <a:t>7/24/2024</a:t>
             </a:fld>
             <a:endParaRPr lang="en-US" dirty="0"/>
           </a:p>
@@ -1401,7 +1414,7 @@
             <a:fld id="{5586B75A-687E-405C-8A0B-8D00578BA2C3}" type="datetimeFigureOut">
               <a:rPr lang="en-US" dirty="0"/>
               <a:pPr/>
-              <a:t>7/22/2024</a:t>
+              <a:t>7/24/2024</a:t>
             </a:fld>
             <a:endParaRPr lang="en-US" dirty="0"/>
           </a:p>
@@ -1840,7 +1853,7 @@
             <a:fld id="{5586B75A-687E-405C-8A0B-8D00578BA2C3}" type="datetimeFigureOut">
               <a:rPr lang="en-US" dirty="0"/>
               <a:pPr/>
-              <a:t>7/22/2024</a:t>
+              <a:t>7/24/2024</a:t>
             </a:fld>
             <a:endParaRPr lang="en-US" dirty="0"/>
           </a:p>
@@ -1955,7 +1968,7 @@
             <a:fld id="{5586B75A-687E-405C-8A0B-8D00578BA2C3}" type="datetimeFigureOut">
               <a:rPr lang="en-US" dirty="0"/>
               <a:pPr/>
-              <a:t>7/22/2024</a:t>
+              <a:t>7/24/2024</a:t>
             </a:fld>
             <a:endParaRPr lang="en-US" dirty="0"/>
           </a:p>
@@ -2047,7 +2060,7 @@
             <a:fld id="{5586B75A-687E-405C-8A0B-8D00578BA2C3}" type="datetimeFigureOut">
               <a:rPr lang="en-US" dirty="0"/>
               <a:pPr/>
-              <a:t>7/22/2024</a:t>
+              <a:t>7/24/2024</a:t>
             </a:fld>
             <a:endParaRPr lang="en-US" dirty="0"/>
           </a:p>
@@ -2332,7 +2345,7 @@
             <a:fld id="{5586B75A-687E-405C-8A0B-8D00578BA2C3}" type="datetimeFigureOut">
               <a:rPr lang="en-US" dirty="0"/>
               <a:pPr/>
-              <a:t>7/22/2024</a:t>
+              <a:t>7/24/2024</a:t>
             </a:fld>
             <a:endParaRPr lang="en-US" dirty="0"/>
           </a:p>
@@ -2602,7 +2615,7 @@
             <a:fld id="{5586B75A-687E-405C-8A0B-8D00578BA2C3}" type="datetimeFigureOut">
               <a:rPr lang="en-US" dirty="0"/>
               <a:pPr/>
-              <a:t>7/22/2024</a:t>
+              <a:t>7/24/2024</a:t>
             </a:fld>
             <a:endParaRPr lang="en-US" dirty="0"/>
           </a:p>
@@ -2896,7 +2909,7 @@
             <a:fld id="{5586B75A-687E-405C-8A0B-8D00578BA2C3}" type="datetimeFigureOut">
               <a:rPr lang="en-US" dirty="0"/>
               <a:pPr/>
-              <a:t>7/22/2024</a:t>
+              <a:t>7/24/2024</a:t>
             </a:fld>
             <a:endParaRPr lang="en-US" dirty="0"/>
           </a:p>
@@ -3486,7 +3499,7 @@
           <p:cNvPr id="2" name="Title 1">
             <a:extLst>
               <a:ext uri="{FF2B5EF4-FFF2-40B4-BE49-F238E27FC236}">
-                <a16:creationId xmlns:a16="http://schemas.microsoft.com/office/drawing/2014/main" id="{47F8F022-54F2-EDCF-809E-B240A6DDDD3D}"/>
+                <a16:creationId xmlns:a16="http://schemas.microsoft.com/office/drawing/2014/main" id="{47810A15-3F2B-58B9-214D-E223B41D7352}"/>
               </a:ext>
             </a:extLst>
           </p:cNvPr>
@@ -3497,58 +3510,83 @@
             <p:ph type="title"/>
           </p:nvPr>
         </p:nvSpPr>
-        <p:spPr>
-          <a:xfrm>
-            <a:off x="252919" y="2092036"/>
-            <a:ext cx="2947482" cy="3632984"/>
-          </a:xfrm>
-        </p:spPr>
+        <p:spPr/>
         <p:txBody>
           <a:bodyPr>
-            <a:normAutofit fontScale="90000"/>
+            <a:normAutofit/>
           </a:bodyPr>
           <a:lstStyle/>
           <a:p>
             <a:r>
-              <a:rPr lang="en-US" dirty="0"/>
-              <a:t>Loan amount &amp; Installment</a:t>
+              <a:rPr lang="en-US" sz="3200" dirty="0">
+                <a:latin typeface="Arial" panose="020B0604020202020204" pitchFamily="34" charset="0"/>
+                <a:cs typeface="Arial" panose="020B0604020202020204" pitchFamily="34" charset="0"/>
+              </a:rPr>
+              <a:t>Distribution of loans by House ownership</a:t>
             </a:r>
             <a:br>
-              <a:rPr lang="en-US" dirty="0"/>
+              <a:rPr lang="en-US" sz="3200" dirty="0">
+                <a:latin typeface="Arial" panose="020B0604020202020204" pitchFamily="34" charset="0"/>
+                <a:cs typeface="Arial" panose="020B0604020202020204" pitchFamily="34" charset="0"/>
+              </a:rPr>
             </a:br>
             <a:br>
-              <a:rPr lang="en-US" dirty="0"/>
-            </a:br>
-            <a:r>
-              <a:rPr lang="en-US" sz="2200" dirty="0"/>
-              <a:t>- There is a very little difference in loan amount and installment among both fully paid and charged off loans.</a:t>
-            </a:r>
-            <a:br>
-              <a:rPr lang="en-US" sz="2200" dirty="0"/>
+              <a:rPr lang="en-US" sz="3200" dirty="0">
+                <a:latin typeface="Arial" panose="020B0604020202020204" pitchFamily="34" charset="0"/>
+                <a:cs typeface="Arial" panose="020B0604020202020204" pitchFamily="34" charset="0"/>
+              </a:rPr>
             </a:br>
             <a:br>
-              <a:rPr lang="en-US" sz="2200" dirty="0"/>
+              <a:rPr lang="en-US" sz="1600" dirty="0">
+                <a:latin typeface="Arial" panose="020B0604020202020204" pitchFamily="34" charset="0"/>
+                <a:cs typeface="Arial" panose="020B0604020202020204" pitchFamily="34" charset="0"/>
+              </a:rPr>
             </a:br>
             <a:r>
-              <a:rPr lang="en-US" sz="2200" dirty="0"/>
-              <a:t>- Funded amount and installments both seems to be little higher for charged off loans than that for fully paid loans.</a:t>
+              <a:rPr lang="en-US" sz="1600" dirty="0">
+                <a:latin typeface="Arial" panose="020B0604020202020204" pitchFamily="34" charset="0"/>
+                <a:cs typeface="Arial" panose="020B0604020202020204" pitchFamily="34" charset="0"/>
+              </a:rPr>
+              <a:t>More loans are taken by people who are on rent or mortgage and also have higher chances of defaulting.</a:t>
             </a:r>
             <a:br>
-              <a:rPr lang="en-US" dirty="0"/>
+              <a:rPr lang="en-US" sz="1600" dirty="0">
+                <a:latin typeface="Arial" panose="020B0604020202020204" pitchFamily="34" charset="0"/>
+                <a:cs typeface="Arial" panose="020B0604020202020204" pitchFamily="34" charset="0"/>
+              </a:rPr>
             </a:br>
             <a:br>
-              <a:rPr lang="en-US" dirty="0"/>
+              <a:rPr lang="en-US" sz="1600" dirty="0">
+                <a:latin typeface="Arial" panose="020B0604020202020204" pitchFamily="34" charset="0"/>
+                <a:cs typeface="Arial" panose="020B0604020202020204" pitchFamily="34" charset="0"/>
+              </a:rPr>
             </a:br>
-            <a:endParaRPr lang="en-US" dirty="0"/>
+            <a:r>
+              <a:rPr lang="en-US" sz="1600" dirty="0">
+                <a:latin typeface="Arial" panose="020B0604020202020204" pitchFamily="34" charset="0"/>
+                <a:cs typeface="Arial" panose="020B0604020202020204" pitchFamily="34" charset="0"/>
+              </a:rPr>
+              <a:t>However, there is no significant difference in distribution of paid loans vs charged off loans w.r.t home ownership.</a:t>
+            </a:r>
+            <a:br>
+              <a:rPr lang="en-US" sz="1600" dirty="0">
+                <a:latin typeface="Arial" panose="020B0604020202020204" pitchFamily="34" charset="0"/>
+                <a:cs typeface="Arial" panose="020B0604020202020204" pitchFamily="34" charset="0"/>
+              </a:rPr>
+            </a:br>
+            <a:endParaRPr lang="en-US" sz="1600" dirty="0">
+              <a:latin typeface="Arial" panose="020B0604020202020204" pitchFamily="34" charset="0"/>
+              <a:cs typeface="Arial" panose="020B0604020202020204" pitchFamily="34" charset="0"/>
+            </a:endParaRPr>
           </a:p>
         </p:txBody>
       </p:sp>
       <p:pic>
         <p:nvPicPr>
-          <p:cNvPr id="4" name="Picture 3">
-            <a:extLst>
-              <a:ext uri="{FF2B5EF4-FFF2-40B4-BE49-F238E27FC236}">
-                <a16:creationId xmlns:a16="http://schemas.microsoft.com/office/drawing/2014/main" id="{37246262-9009-046B-20F0-3F7C94823F4C}"/>
+          <p:cNvPr id="3" name="Picture 2">
+            <a:extLst>
+              <a:ext uri="{FF2B5EF4-FFF2-40B4-BE49-F238E27FC236}">
+                <a16:creationId xmlns:a16="http://schemas.microsoft.com/office/drawing/2014/main" id="{063A60D0-5C8A-CF46-BA8B-3958A2C35852}"/>
               </a:ext>
             </a:extLst>
           </p:cNvPr>
@@ -3565,8 +3603,38 @@
         </p:blipFill>
         <p:spPr>
           <a:xfrm>
-            <a:off x="3991893" y="674035"/>
-            <a:ext cx="7111536" cy="5469284"/>
+            <a:off x="3952875" y="1"/>
+            <a:ext cx="7258050" cy="3253124"/>
+          </a:xfrm>
+          <a:prstGeom prst="rect">
+            <a:avLst/>
+          </a:prstGeom>
+        </p:spPr>
+      </p:pic>
+      <p:pic>
+        <p:nvPicPr>
+          <p:cNvPr id="5" name="Picture 4">
+            <a:extLst>
+              <a:ext uri="{FF2B5EF4-FFF2-40B4-BE49-F238E27FC236}">
+                <a16:creationId xmlns:a16="http://schemas.microsoft.com/office/drawing/2014/main" id="{FD222980-DCB2-526E-15A4-0F95EEB30577}"/>
+              </a:ext>
+            </a:extLst>
+          </p:cNvPr>
+          <p:cNvPicPr>
+            <a:picLocks noChangeAspect="1"/>
+          </p:cNvPicPr>
+          <p:nvPr/>
+        </p:nvPicPr>
+        <p:blipFill>
+          <a:blip r:embed="rId3"/>
+          <a:stretch>
+            <a:fillRect/>
+          </a:stretch>
+        </p:blipFill>
+        <p:spPr>
+          <a:xfrm>
+            <a:off x="3886200" y="3253125"/>
+            <a:ext cx="7410450" cy="3424427"/>
           </a:xfrm>
           <a:prstGeom prst="rect">
             <a:avLst/>
@@ -3576,7 +3644,7 @@
     </p:spTree>
     <p:extLst>
       <p:ext uri="{BB962C8B-B14F-4D97-AF65-F5344CB8AC3E}">
-        <p14:creationId xmlns:p14="http://schemas.microsoft.com/office/powerpoint/2010/main" val="1932319213"/>
+        <p14:creationId xmlns:p14="http://schemas.microsoft.com/office/powerpoint/2010/main" val="2089730891"/>
       </p:ext>
     </p:extLst>
   </p:cSld>
@@ -3608,7 +3676,7 @@
           <p:cNvPr id="2" name="Title 1">
             <a:extLst>
               <a:ext uri="{FF2B5EF4-FFF2-40B4-BE49-F238E27FC236}">
-                <a16:creationId xmlns:a16="http://schemas.microsoft.com/office/drawing/2014/main" id="{A6A2A908-E607-09AD-4E45-38BF5E8B981C}"/>
+                <a16:creationId xmlns:a16="http://schemas.microsoft.com/office/drawing/2014/main" id="{6BBE853D-A09A-92CD-E47A-A570E48E512C}"/>
               </a:ext>
             </a:extLst>
           </p:cNvPr>
@@ -3619,12 +3687,7 @@
             <p:ph type="title"/>
           </p:nvPr>
         </p:nvSpPr>
-        <p:spPr>
-          <a:xfrm>
-            <a:off x="110836" y="720436"/>
-            <a:ext cx="3103419" cy="5320146"/>
-          </a:xfrm>
-        </p:spPr>
+        <p:spPr/>
         <p:txBody>
           <a:bodyPr>
             <a:normAutofit/>
@@ -3632,28 +3695,18 @@
           <a:lstStyle/>
           <a:p>
             <a:r>
-              <a:rPr lang="en-US" sz="2000" dirty="0"/>
-              <a:t>- Loans charged off typically had higher interest rates, signaling riskier loan terms that increase the likelihood of default.</a:t>
+              <a:rPr lang="en-US" dirty="0"/>
+              <a:t>Verification status</a:t>
             </a:r>
             <a:br>
-              <a:rPr lang="en-US" sz="2000" dirty="0"/>
+              <a:rPr lang="en-US" dirty="0"/>
             </a:br>
             <a:br>
+              <a:rPr lang="en-US" dirty="0"/>
+            </a:br>
+            <a:r>
               <a:rPr lang="en-US" sz="2000" dirty="0"/>
-            </a:br>
-            <a:r>
-              <a:rPr lang="en-US" sz="2000" dirty="0"/>
-              <a:t>- A higher proportion of loans with a 3-year (36-month) term were charged off compared to those with a 5-year (60-month) term.</a:t>
-            </a:r>
-            <a:br>
-              <a:rPr lang="en-US" sz="2000" dirty="0"/>
-            </a:br>
-            <a:br>
-              <a:rPr lang="en-US" sz="2000" dirty="0"/>
-            </a:br>
-            <a:r>
-              <a:rPr lang="en-US" sz="2000" dirty="0"/>
-              <a:t>- Shorter terms often mean higher monthly payments, which can impact borrower affordability and repayment ability.</a:t>
+              <a:t>- Most of the non-verified loans are paid off hence the nature of loan re-payment is not dependent upon the verification status.</a:t>
             </a:r>
           </a:p>
         </p:txBody>
@@ -3663,7 +3716,7 @@
           <p:cNvPr id="4" name="Picture 3">
             <a:extLst>
               <a:ext uri="{FF2B5EF4-FFF2-40B4-BE49-F238E27FC236}">
-                <a16:creationId xmlns:a16="http://schemas.microsoft.com/office/drawing/2014/main" id="{BA630B61-C356-07E1-7AB3-6D2A450EC327}"/>
+                <a16:creationId xmlns:a16="http://schemas.microsoft.com/office/drawing/2014/main" id="{AE5B42BD-C622-DC15-424F-0D072190FAAE}"/>
               </a:ext>
             </a:extLst>
           </p:cNvPr>
@@ -3680,58 +3733,18 @@
         </p:blipFill>
         <p:spPr>
           <a:xfrm>
-            <a:off x="4076701" y="587602"/>
-            <a:ext cx="6838042" cy="5685116"/>
+            <a:off x="3703183" y="697819"/>
+            <a:ext cx="7951788" cy="5431221"/>
           </a:xfrm>
           <a:prstGeom prst="rect">
             <a:avLst/>
           </a:prstGeom>
         </p:spPr>
       </p:pic>
-      <p:sp>
-        <p:nvSpPr>
-          <p:cNvPr id="5" name="TextBox 4">
-            <a:extLst>
-              <a:ext uri="{FF2B5EF4-FFF2-40B4-BE49-F238E27FC236}">
-                <a16:creationId xmlns:a16="http://schemas.microsoft.com/office/drawing/2014/main" id="{899A6BD5-141A-9043-B87C-6EA2C57F7AC2}"/>
-              </a:ext>
-            </a:extLst>
-          </p:cNvPr>
-          <p:cNvSpPr txBox="1"/>
-          <p:nvPr/>
-        </p:nvSpPr>
-        <p:spPr>
-          <a:xfrm>
-            <a:off x="3519055" y="235527"/>
-            <a:ext cx="4502727" cy="461665"/>
-          </a:xfrm>
-          <a:prstGeom prst="rect">
-            <a:avLst/>
-          </a:prstGeom>
-          <a:noFill/>
-        </p:spPr>
-        <p:txBody>
-          <a:bodyPr wrap="square" rtlCol="0">
-            <a:spAutoFit/>
-          </a:bodyPr>
-          <a:lstStyle/>
-          <a:p>
-            <a:pPr algn="ctr"/>
-            <a:r>
-              <a:rPr lang="en-US" sz="2400" b="1" dirty="0">
-                <a:solidFill>
-                  <a:schemeClr val="accent1"/>
-                </a:solidFill>
-              </a:rPr>
-              <a:t>Interest rate &amp; Term</a:t>
-            </a:r>
-          </a:p>
-        </p:txBody>
-      </p:sp>
     </p:spTree>
     <p:extLst>
       <p:ext uri="{BB962C8B-B14F-4D97-AF65-F5344CB8AC3E}">
-        <p14:creationId xmlns:p14="http://schemas.microsoft.com/office/powerpoint/2010/main" val="2246654679"/>
+        <p14:creationId xmlns:p14="http://schemas.microsoft.com/office/powerpoint/2010/main" val="3047783324"/>
       </p:ext>
     </p:extLst>
   </p:cSld>
@@ -3758,12 +3771,74 @@
           <a:chExt cx="0" cy="0"/>
         </a:xfrm>
       </p:grpSpPr>
+      <p:sp>
+        <p:nvSpPr>
+          <p:cNvPr id="2" name="Title 1">
+            <a:extLst>
+              <a:ext uri="{FF2B5EF4-FFF2-40B4-BE49-F238E27FC236}">
+                <a16:creationId xmlns:a16="http://schemas.microsoft.com/office/drawing/2014/main" id="{47F8F022-54F2-EDCF-809E-B240A6DDDD3D}"/>
+              </a:ext>
+            </a:extLst>
+          </p:cNvPr>
+          <p:cNvSpPr>
+            <a:spLocks noGrp="1"/>
+          </p:cNvSpPr>
+          <p:nvPr>
+            <p:ph type="title"/>
+          </p:nvPr>
+        </p:nvSpPr>
+        <p:spPr>
+          <a:xfrm>
+            <a:off x="252919" y="2092036"/>
+            <a:ext cx="2947482" cy="3632984"/>
+          </a:xfrm>
+        </p:spPr>
+        <p:txBody>
+          <a:bodyPr>
+            <a:normAutofit fontScale="90000"/>
+          </a:bodyPr>
+          <a:lstStyle/>
+          <a:p>
+            <a:r>
+              <a:rPr lang="en-US" dirty="0"/>
+              <a:t>Loan amount &amp; Installment</a:t>
+            </a:r>
+            <a:br>
+              <a:rPr lang="en-US" dirty="0"/>
+            </a:br>
+            <a:br>
+              <a:rPr lang="en-US" dirty="0"/>
+            </a:br>
+            <a:r>
+              <a:rPr lang="en-US" sz="2200" dirty="0"/>
+              <a:t>- There is a very little difference in loan amount and installment among both fully paid and charged off loans.</a:t>
+            </a:r>
+            <a:br>
+              <a:rPr lang="en-US" sz="2200" dirty="0"/>
+            </a:br>
+            <a:br>
+              <a:rPr lang="en-US" sz="2200" dirty="0"/>
+            </a:br>
+            <a:r>
+              <a:rPr lang="en-US" sz="2200" dirty="0"/>
+              <a:t>- Funded amount and installments both seems to be little higher for charged off loans than that for fully paid loans.</a:t>
+            </a:r>
+            <a:br>
+              <a:rPr lang="en-US" dirty="0"/>
+            </a:br>
+            <a:br>
+              <a:rPr lang="en-US" dirty="0"/>
+            </a:br>
+            <a:endParaRPr lang="en-US" dirty="0"/>
+          </a:p>
+        </p:txBody>
+      </p:sp>
       <p:pic>
         <p:nvPicPr>
-          <p:cNvPr id="3" name="Picture 2">
-            <a:extLst>
-              <a:ext uri="{FF2B5EF4-FFF2-40B4-BE49-F238E27FC236}">
-                <a16:creationId xmlns:a16="http://schemas.microsoft.com/office/drawing/2014/main" id="{2F957875-B7D1-688E-ED4D-048665DB2BF1}"/>
+          <p:cNvPr id="4" name="Picture 3">
+            <a:extLst>
+              <a:ext uri="{FF2B5EF4-FFF2-40B4-BE49-F238E27FC236}">
+                <a16:creationId xmlns:a16="http://schemas.microsoft.com/office/drawing/2014/main" id="{37246262-9009-046B-20F0-3F7C94823F4C}"/>
               </a:ext>
             </a:extLst>
           </p:cNvPr>
@@ -3780,113 +3855,18 @@
         </p:blipFill>
         <p:spPr>
           <a:xfrm>
-            <a:off x="678873" y="766465"/>
-            <a:ext cx="10652878" cy="4679617"/>
+            <a:off x="3991893" y="674035"/>
+            <a:ext cx="7111536" cy="5469284"/>
           </a:xfrm>
           <a:prstGeom prst="rect">
             <a:avLst/>
           </a:prstGeom>
         </p:spPr>
       </p:pic>
-      <p:sp>
-        <p:nvSpPr>
-          <p:cNvPr id="4" name="TextBox 3">
-            <a:extLst>
-              <a:ext uri="{FF2B5EF4-FFF2-40B4-BE49-F238E27FC236}">
-                <a16:creationId xmlns:a16="http://schemas.microsoft.com/office/drawing/2014/main" id="{D7A7E506-9634-9BEC-1C04-6AFD44290EA3}"/>
-              </a:ext>
-            </a:extLst>
-          </p:cNvPr>
-          <p:cNvSpPr txBox="1"/>
-          <p:nvPr/>
-        </p:nvSpPr>
-        <p:spPr>
-          <a:xfrm>
-            <a:off x="2220686" y="304800"/>
-            <a:ext cx="8548914" cy="461665"/>
-          </a:xfrm>
-          <a:prstGeom prst="rect">
-            <a:avLst/>
-          </a:prstGeom>
-          <a:noFill/>
-        </p:spPr>
-        <p:txBody>
-          <a:bodyPr wrap="square" rtlCol="0">
-            <a:spAutoFit/>
-          </a:bodyPr>
-          <a:lstStyle/>
-          <a:p>
-            <a:pPr algn="ctr"/>
-            <a:r>
-              <a:rPr lang="en-US" sz="2400" b="1" dirty="0"/>
-              <a:t>Analyzing Charged off loans and Fully paid loans in each state </a:t>
-            </a:r>
-          </a:p>
-        </p:txBody>
-      </p:sp>
-      <p:sp>
-        <p:nvSpPr>
-          <p:cNvPr id="5" name="TextBox 4">
-            <a:extLst>
-              <a:ext uri="{FF2B5EF4-FFF2-40B4-BE49-F238E27FC236}">
-                <a16:creationId xmlns:a16="http://schemas.microsoft.com/office/drawing/2014/main" id="{3719B6CA-1C40-3B2B-7F90-CD010D8D1D3A}"/>
-              </a:ext>
-            </a:extLst>
-          </p:cNvPr>
-          <p:cNvSpPr txBox="1"/>
-          <p:nvPr/>
-        </p:nvSpPr>
-        <p:spPr>
-          <a:xfrm>
-            <a:off x="561743" y="5400145"/>
-            <a:ext cx="11068513" cy="1200329"/>
-          </a:xfrm>
-          <a:prstGeom prst="rect">
-            <a:avLst/>
-          </a:prstGeom>
-          <a:noFill/>
-        </p:spPr>
-        <p:txBody>
-          <a:bodyPr wrap="square" rtlCol="0">
-            <a:spAutoFit/>
-          </a:bodyPr>
-          <a:lstStyle/>
-          <a:p>
-            <a:pPr marL="285750" indent="-285750">
-              <a:buFont typeface="Arial" panose="020B0604020202020204" pitchFamily="34" charset="0"/>
-              <a:buChar char="•"/>
-            </a:pPr>
-            <a:r>
-              <a:rPr lang="en-US" dirty="0"/>
-              <a:t>Higher number of defaulted loans belonged to states CA,FL and NY likely due to economic factors.</a:t>
-            </a:r>
-          </a:p>
-          <a:p>
-            <a:pPr marL="285750" indent="-285750">
-              <a:buFont typeface="Arial" panose="020B0604020202020204" pitchFamily="34" charset="0"/>
-              <a:buChar char="•"/>
-            </a:pPr>
-            <a:r>
-              <a:rPr lang="en-US" dirty="0"/>
-              <a:t>Conversely, states with no defaulters such as AK, DC, DE, MT, SD, VT, and WY, though having fewer loans, demonstrate stronger repayment behavior.</a:t>
-            </a:r>
-          </a:p>
-          <a:p>
-            <a:pPr marL="285750" indent="-285750">
-              <a:buFont typeface="Arial" panose="020B0604020202020204" pitchFamily="34" charset="0"/>
-              <a:buChar char="•"/>
-            </a:pPr>
-            <a:r>
-              <a:rPr lang="en-US" dirty="0"/>
-              <a:t>These insights highlight the importance of regional risk assessment in lending practices.</a:t>
-            </a:r>
-          </a:p>
-        </p:txBody>
-      </p:sp>
     </p:spTree>
     <p:extLst>
       <p:ext uri="{BB962C8B-B14F-4D97-AF65-F5344CB8AC3E}">
-        <p14:creationId xmlns:p14="http://schemas.microsoft.com/office/powerpoint/2010/main" val="758592832"/>
+        <p14:creationId xmlns:p14="http://schemas.microsoft.com/office/powerpoint/2010/main" val="1932319213"/>
       </p:ext>
     </p:extLst>
   </p:cSld>
@@ -3915,41 +3895,118 @@
       </p:grpSpPr>
       <p:sp>
         <p:nvSpPr>
-          <p:cNvPr id="2" name="TextBox 1">
-            <a:extLst>
-              <a:ext uri="{FF2B5EF4-FFF2-40B4-BE49-F238E27FC236}">
-                <a16:creationId xmlns:a16="http://schemas.microsoft.com/office/drawing/2014/main" id="{9A544858-AFBF-367D-70B0-56A6251C3B51}"/>
-              </a:ext>
-            </a:extLst>
-          </p:cNvPr>
-          <p:cNvSpPr txBox="1"/>
-          <p:nvPr/>
-        </p:nvSpPr>
-        <p:spPr>
-          <a:xfrm>
-            <a:off x="1868394" y="346364"/>
-            <a:ext cx="8548914" cy="461665"/>
-          </a:xfrm>
-          <a:prstGeom prst="rect">
-            <a:avLst/>
-          </a:prstGeom>
-          <a:noFill/>
-        </p:spPr>
-        <p:txBody>
-          <a:bodyPr wrap="square" rtlCol="0">
-            <a:spAutoFit/>
+          <p:cNvPr id="2" name="Title 1">
+            <a:extLst>
+              <a:ext uri="{FF2B5EF4-FFF2-40B4-BE49-F238E27FC236}">
+                <a16:creationId xmlns:a16="http://schemas.microsoft.com/office/drawing/2014/main" id="{A6A2A908-E607-09AD-4E45-38BF5E8B981C}"/>
+              </a:ext>
+            </a:extLst>
+          </p:cNvPr>
+          <p:cNvSpPr>
+            <a:spLocks noGrp="1"/>
+          </p:cNvSpPr>
+          <p:nvPr>
+            <p:ph type="title"/>
+          </p:nvPr>
+        </p:nvSpPr>
+        <p:spPr>
+          <a:xfrm>
+            <a:off x="110836" y="720436"/>
+            <a:ext cx="3103419" cy="5320146"/>
+          </a:xfrm>
+        </p:spPr>
+        <p:txBody>
+          <a:bodyPr>
+            <a:normAutofit/>
           </a:bodyPr>
           <a:lstStyle/>
           <a:p>
-            <a:pPr algn="ctr"/>
-            <a:r>
-              <a:rPr lang="en-US" sz="2400" b="1" dirty="0">
-                <a:solidFill>
-                  <a:schemeClr val="accent1"/>
-                </a:solidFill>
-              </a:rPr>
-              <a:t>Analyzing Annual income vs loan amount</a:t>
-            </a:r>
+            <a:r>
+              <a:rPr lang="en-US" sz="2800" dirty="0">
+                <a:latin typeface="Arial" panose="020B0604020202020204" pitchFamily="34" charset="0"/>
+                <a:cs typeface="Arial" panose="020B0604020202020204" pitchFamily="34" charset="0"/>
+              </a:rPr>
+              <a:t>Interest rate and Term</a:t>
+            </a:r>
+            <a:br>
+              <a:rPr lang="en-US" sz="1800" dirty="0">
+                <a:latin typeface="Arial" panose="020B0604020202020204" pitchFamily="34" charset="0"/>
+                <a:cs typeface="Arial" panose="020B0604020202020204" pitchFamily="34" charset="0"/>
+              </a:rPr>
+            </a:br>
+            <a:br>
+              <a:rPr lang="en-US" sz="1800" dirty="0">
+                <a:latin typeface="Arial" panose="020B0604020202020204" pitchFamily="34" charset="0"/>
+                <a:cs typeface="Arial" panose="020B0604020202020204" pitchFamily="34" charset="0"/>
+              </a:rPr>
+            </a:br>
+            <a:br>
+              <a:rPr lang="en-US" sz="1800" dirty="0">
+                <a:latin typeface="Arial" panose="020B0604020202020204" pitchFamily="34" charset="0"/>
+                <a:cs typeface="Arial" panose="020B0604020202020204" pitchFamily="34" charset="0"/>
+              </a:rPr>
+            </a:br>
+            <a:r>
+              <a:rPr lang="en-US" sz="1800" dirty="0">
+                <a:latin typeface="Arial" panose="020B0604020202020204" pitchFamily="34" charset="0"/>
+                <a:cs typeface="Arial" panose="020B0604020202020204" pitchFamily="34" charset="0"/>
+              </a:rPr>
+              <a:t>- Loans charged off typically had higher interest rates, signaling riskier loan terms that increase the likelihood of default.</a:t>
+            </a:r>
+            <a:br>
+              <a:rPr lang="en-US" sz="1800" dirty="0">
+                <a:latin typeface="Arial" panose="020B0604020202020204" pitchFamily="34" charset="0"/>
+                <a:cs typeface="Arial" panose="020B0604020202020204" pitchFamily="34" charset="0"/>
+              </a:rPr>
+            </a:br>
+            <a:br>
+              <a:rPr lang="en-US" sz="1800" dirty="0">
+                <a:latin typeface="Arial" panose="020B0604020202020204" pitchFamily="34" charset="0"/>
+                <a:cs typeface="Arial" panose="020B0604020202020204" pitchFamily="34" charset="0"/>
+              </a:rPr>
+            </a:br>
+            <a:r>
+              <a:rPr lang="en-US" sz="1800" dirty="0">
+                <a:latin typeface="Arial" panose="020B0604020202020204" pitchFamily="34" charset="0"/>
+                <a:cs typeface="Arial" panose="020B0604020202020204" pitchFamily="34" charset="0"/>
+              </a:rPr>
+              <a:t>- A higher proportion of loans with a 3-year (36-month) term were charged off compared to those with a 5-year (60-month) term.</a:t>
+            </a:r>
+            <a:br>
+              <a:rPr lang="en-US" sz="1800" dirty="0">
+                <a:latin typeface="Arial" panose="020B0604020202020204" pitchFamily="34" charset="0"/>
+                <a:cs typeface="Arial" panose="020B0604020202020204" pitchFamily="34" charset="0"/>
+              </a:rPr>
+            </a:br>
+            <a:br>
+              <a:rPr lang="en-US" sz="1800" dirty="0">
+                <a:latin typeface="Arial" panose="020B0604020202020204" pitchFamily="34" charset="0"/>
+                <a:cs typeface="Arial" panose="020B0604020202020204" pitchFamily="34" charset="0"/>
+              </a:rPr>
+            </a:br>
+            <a:r>
+              <a:rPr lang="en-US" sz="1800" dirty="0">
+                <a:latin typeface="Arial" panose="020B0604020202020204" pitchFamily="34" charset="0"/>
+                <a:cs typeface="Arial" panose="020B0604020202020204" pitchFamily="34" charset="0"/>
+              </a:rPr>
+              <a:t>- Also, 25% of loans with 60 months term were defaulted</a:t>
+            </a:r>
+            <a:br>
+              <a:rPr lang="en-US" sz="1800" dirty="0">
+                <a:latin typeface="Arial" panose="020B0604020202020204" pitchFamily="34" charset="0"/>
+                <a:cs typeface="Arial" panose="020B0604020202020204" pitchFamily="34" charset="0"/>
+              </a:rPr>
+            </a:br>
+            <a:br>
+              <a:rPr lang="en-US" sz="1800" dirty="0">
+                <a:latin typeface="Arial" panose="020B0604020202020204" pitchFamily="34" charset="0"/>
+                <a:cs typeface="Arial" panose="020B0604020202020204" pitchFamily="34" charset="0"/>
+              </a:rPr>
+            </a:br>
+            <a:endParaRPr lang="en-US" sz="1800" dirty="0">
+              <a:latin typeface="Arial" panose="020B0604020202020204" pitchFamily="34" charset="0"/>
+              <a:cs typeface="Arial" panose="020B0604020202020204" pitchFamily="34" charset="0"/>
+            </a:endParaRPr>
           </a:p>
         </p:txBody>
       </p:sp>
@@ -3958,7 +4015,7 @@
           <p:cNvPr id="4" name="Picture 3">
             <a:extLst>
               <a:ext uri="{FF2B5EF4-FFF2-40B4-BE49-F238E27FC236}">
-                <a16:creationId xmlns:a16="http://schemas.microsoft.com/office/drawing/2014/main" id="{B0CE0199-474E-7C8B-04BC-929E38E4530B}"/>
+                <a16:creationId xmlns:a16="http://schemas.microsoft.com/office/drawing/2014/main" id="{BA630B61-C356-07E1-7AB3-6D2A450EC327}"/>
               </a:ext>
             </a:extLst>
           </p:cNvPr>
@@ -3975,50 +4032,20 @@
         </p:blipFill>
         <p:spPr>
           <a:xfrm>
-            <a:off x="6142851" y="833437"/>
-            <a:ext cx="5885234" cy="4610100"/>
+            <a:off x="4076701" y="587602"/>
+            <a:ext cx="6838042" cy="5685116"/>
           </a:xfrm>
           <a:prstGeom prst="rect">
             <a:avLst/>
           </a:prstGeom>
         </p:spPr>
       </p:pic>
-      <p:pic>
-        <p:nvPicPr>
-          <p:cNvPr id="6" name="Picture 5">
-            <a:extLst>
-              <a:ext uri="{FF2B5EF4-FFF2-40B4-BE49-F238E27FC236}">
-                <a16:creationId xmlns:a16="http://schemas.microsoft.com/office/drawing/2014/main" id="{EAB5B147-83C7-60F9-42FB-39E44A431666}"/>
-              </a:ext>
-            </a:extLst>
-          </p:cNvPr>
-          <p:cNvPicPr>
-            <a:picLocks noChangeAspect="1"/>
-          </p:cNvPicPr>
-          <p:nvPr/>
-        </p:nvPicPr>
-        <p:blipFill>
-          <a:blip r:embed="rId3"/>
-          <a:stretch>
-            <a:fillRect/>
-          </a:stretch>
-        </p:blipFill>
-        <p:spPr>
-          <a:xfrm>
-            <a:off x="389751" y="833437"/>
-            <a:ext cx="5753100" cy="4610100"/>
-          </a:xfrm>
-          <a:prstGeom prst="rect">
-            <a:avLst/>
-          </a:prstGeom>
-        </p:spPr>
-      </p:pic>
-      <p:sp>
-        <p:nvSpPr>
-          <p:cNvPr id="7" name="TextBox 6">
-            <a:extLst>
-              <a:ext uri="{FF2B5EF4-FFF2-40B4-BE49-F238E27FC236}">
-                <a16:creationId xmlns:a16="http://schemas.microsoft.com/office/drawing/2014/main" id="{31E89087-F3CD-331A-06A7-C27B607DA2A2}"/>
+      <p:sp>
+        <p:nvSpPr>
+          <p:cNvPr id="5" name="TextBox 4">
+            <a:extLst>
+              <a:ext uri="{FF2B5EF4-FFF2-40B4-BE49-F238E27FC236}">
+                <a16:creationId xmlns:a16="http://schemas.microsoft.com/office/drawing/2014/main" id="{899A6BD5-141A-9043-B87C-6EA2C57F7AC2}"/>
               </a:ext>
             </a:extLst>
           </p:cNvPr>
@@ -4027,8 +4054,8 @@
         </p:nvSpPr>
         <p:spPr>
           <a:xfrm>
-            <a:off x="789709" y="5500255"/>
-            <a:ext cx="10706285" cy="369332"/>
+            <a:off x="3519055" y="235527"/>
+            <a:ext cx="4502727" cy="461665"/>
           </a:xfrm>
           <a:prstGeom prst="rect">
             <a:avLst/>
@@ -4041,13 +4068,14 @@
           </a:bodyPr>
           <a:lstStyle/>
           <a:p>
-            <a:pPr marL="285750" indent="-285750">
-              <a:buFont typeface="Arial" panose="020B0604020202020204" pitchFamily="34" charset="0"/>
-              <a:buChar char="•"/>
-            </a:pPr>
-            <a:r>
-              <a:rPr lang="en-US" dirty="0"/>
-              <a:t> Need to conclude</a:t>
+            <a:pPr algn="ctr"/>
+            <a:r>
+              <a:rPr lang="en-US" sz="2400" b="1" dirty="0">
+                <a:solidFill>
+                  <a:schemeClr val="accent1"/>
+                </a:solidFill>
+              </a:rPr>
+              <a:t>Interest rate &amp; Term</a:t>
             </a:r>
           </a:p>
         </p:txBody>
@@ -4055,7 +4083,7 @@
     </p:spTree>
     <p:extLst>
       <p:ext uri="{BB962C8B-B14F-4D97-AF65-F5344CB8AC3E}">
-        <p14:creationId xmlns:p14="http://schemas.microsoft.com/office/powerpoint/2010/main" val="9444913"/>
+        <p14:creationId xmlns:p14="http://schemas.microsoft.com/office/powerpoint/2010/main" val="2246654679"/>
       </p:ext>
     </p:extLst>
   </p:cSld>
@@ -4082,12 +4110,145 @@
           <a:chExt cx="0" cy="0"/>
         </a:xfrm>
       </p:grpSpPr>
+      <p:sp>
+        <p:nvSpPr>
+          <p:cNvPr id="2" name="Title 1">
+            <a:extLst>
+              <a:ext uri="{FF2B5EF4-FFF2-40B4-BE49-F238E27FC236}">
+                <a16:creationId xmlns:a16="http://schemas.microsoft.com/office/drawing/2014/main" id="{A6A2A908-E607-09AD-4E45-38BF5E8B981C}"/>
+              </a:ext>
+            </a:extLst>
+          </p:cNvPr>
+          <p:cNvSpPr>
+            <a:spLocks noGrp="1"/>
+          </p:cNvSpPr>
+          <p:nvPr>
+            <p:ph type="title"/>
+          </p:nvPr>
+        </p:nvSpPr>
+        <p:spPr>
+          <a:xfrm>
+            <a:off x="110836" y="720436"/>
+            <a:ext cx="3103419" cy="5320146"/>
+          </a:xfrm>
+        </p:spPr>
+        <p:txBody>
+          <a:bodyPr>
+            <a:normAutofit/>
+          </a:bodyPr>
+          <a:lstStyle/>
+          <a:p>
+            <a:r>
+              <a:rPr lang="en-US" sz="2800" dirty="0">
+                <a:latin typeface="Arial" panose="020B0604020202020204" pitchFamily="34" charset="0"/>
+                <a:cs typeface="Arial" panose="020B0604020202020204" pitchFamily="34" charset="0"/>
+              </a:rPr>
+              <a:t>Distribution of Loans by late fees</a:t>
+            </a:r>
+            <a:br>
+              <a:rPr lang="en-US" sz="1800" dirty="0">
+                <a:latin typeface="Arial" panose="020B0604020202020204" pitchFamily="34" charset="0"/>
+                <a:cs typeface="Arial" panose="020B0604020202020204" pitchFamily="34" charset="0"/>
+              </a:rPr>
+            </a:br>
+            <a:br>
+              <a:rPr lang="en-US" sz="1800" dirty="0">
+                <a:latin typeface="Arial" panose="020B0604020202020204" pitchFamily="34" charset="0"/>
+                <a:cs typeface="Arial" panose="020B0604020202020204" pitchFamily="34" charset="0"/>
+              </a:rPr>
+            </a:br>
+            <a:br>
+              <a:rPr lang="en-US" sz="1800" dirty="0">
+                <a:latin typeface="Arial" panose="020B0604020202020204" pitchFamily="34" charset="0"/>
+                <a:cs typeface="Arial" panose="020B0604020202020204" pitchFamily="34" charset="0"/>
+              </a:rPr>
+            </a:br>
+            <a:r>
+              <a:rPr lang="en-US" sz="1800" dirty="0">
+                <a:latin typeface="Arial" panose="020B0604020202020204" pitchFamily="34" charset="0"/>
+                <a:cs typeface="Arial" panose="020B0604020202020204" pitchFamily="34" charset="0"/>
+              </a:rPr>
+              <a:t>- Among the 1995 customers  who paid late fees, 863  of them defaulted.</a:t>
+            </a:r>
+            <a:br>
+              <a:rPr lang="en-US" sz="1050" dirty="0">
+                <a:latin typeface="Arial" panose="020B0604020202020204" pitchFamily="34" charset="0"/>
+                <a:cs typeface="Arial" panose="020B0604020202020204" pitchFamily="34" charset="0"/>
+              </a:rPr>
+            </a:br>
+            <a:br>
+              <a:rPr lang="en-US" sz="1800" dirty="0">
+                <a:latin typeface="Arial" panose="020B0604020202020204" pitchFamily="34" charset="0"/>
+                <a:cs typeface="Arial" panose="020B0604020202020204" pitchFamily="34" charset="0"/>
+              </a:rPr>
+            </a:br>
+            <a:r>
+              <a:rPr lang="en-US" sz="1800" dirty="0">
+                <a:latin typeface="Arial" panose="020B0604020202020204" pitchFamily="34" charset="0"/>
+                <a:cs typeface="Arial" panose="020B0604020202020204" pitchFamily="34" charset="0"/>
+              </a:rPr>
+              <a:t>- </a:t>
+            </a:r>
+            <a:r>
+              <a:rPr lang="en-US" sz="1800" dirty="0"/>
+              <a:t>Hence it can be concluded that , people with history of late fee payment will have 43% chance of becoming a defaulter.</a:t>
+            </a:r>
+            <a:br>
+              <a:rPr lang="en-US" sz="1800" dirty="0"/>
+            </a:br>
+            <a:endParaRPr lang="en-US" sz="1800" dirty="0">
+              <a:latin typeface="Arial" panose="020B0604020202020204" pitchFamily="34" charset="0"/>
+              <a:cs typeface="Arial" panose="020B0604020202020204" pitchFamily="34" charset="0"/>
+            </a:endParaRPr>
+          </a:p>
+        </p:txBody>
+      </p:sp>
+      <p:sp>
+        <p:nvSpPr>
+          <p:cNvPr id="5" name="TextBox 4">
+            <a:extLst>
+              <a:ext uri="{FF2B5EF4-FFF2-40B4-BE49-F238E27FC236}">
+                <a16:creationId xmlns:a16="http://schemas.microsoft.com/office/drawing/2014/main" id="{899A6BD5-141A-9043-B87C-6EA2C57F7AC2}"/>
+              </a:ext>
+            </a:extLst>
+          </p:cNvPr>
+          <p:cNvSpPr txBox="1"/>
+          <p:nvPr/>
+        </p:nvSpPr>
+        <p:spPr>
+          <a:xfrm>
+            <a:off x="3519055" y="235527"/>
+            <a:ext cx="6710795" cy="461665"/>
+          </a:xfrm>
+          <a:prstGeom prst="rect">
+            <a:avLst/>
+          </a:prstGeom>
+          <a:noFill/>
+        </p:spPr>
+        <p:txBody>
+          <a:bodyPr wrap="square" rtlCol="0">
+            <a:spAutoFit/>
+          </a:bodyPr>
+          <a:lstStyle/>
+          <a:p>
+            <a:pPr algn="ctr"/>
+            <a:r>
+              <a:rPr lang="en-US" sz="2400" b="1" dirty="0">
+                <a:solidFill>
+                  <a:schemeClr val="accent1"/>
+                </a:solidFill>
+              </a:rPr>
+              <a:t>Analyzing late fees factor against defaulters</a:t>
+            </a:r>
+          </a:p>
+        </p:txBody>
+      </p:sp>
       <p:pic>
         <p:nvPicPr>
           <p:cNvPr id="3" name="Picture 2">
             <a:extLst>
               <a:ext uri="{FF2B5EF4-FFF2-40B4-BE49-F238E27FC236}">
-                <a16:creationId xmlns:a16="http://schemas.microsoft.com/office/drawing/2014/main" id="{499C9696-DC36-D08D-2189-D333C7A10B53}"/>
+                <a16:creationId xmlns:a16="http://schemas.microsoft.com/office/drawing/2014/main" id="{403EE928-9E39-BB9A-6B14-0CC88A5274B9}"/>
               </a:ext>
             </a:extLst>
           </p:cNvPr>
@@ -4104,8 +4265,8 @@
         </p:blipFill>
         <p:spPr>
           <a:xfrm>
-            <a:off x="420914" y="1360489"/>
-            <a:ext cx="5152572" cy="3858617"/>
+            <a:off x="4154371" y="720436"/>
+            <a:ext cx="6075479" cy="2805084"/>
           </a:xfrm>
           <a:prstGeom prst="rect">
             <a:avLst/>
@@ -4114,10 +4275,10 @@
       </p:pic>
       <p:pic>
         <p:nvPicPr>
-          <p:cNvPr id="5" name="Picture 4">
-            <a:extLst>
-              <a:ext uri="{FF2B5EF4-FFF2-40B4-BE49-F238E27FC236}">
-                <a16:creationId xmlns:a16="http://schemas.microsoft.com/office/drawing/2014/main" id="{40D415A6-C8CB-DC2B-DDE8-6CCFACDE50A5}"/>
+          <p:cNvPr id="6" name="Picture 5">
+            <a:extLst>
+              <a:ext uri="{FF2B5EF4-FFF2-40B4-BE49-F238E27FC236}">
+                <a16:creationId xmlns:a16="http://schemas.microsoft.com/office/drawing/2014/main" id="{9ECD0581-A702-D4D6-999E-E032577EF95C}"/>
               </a:ext>
             </a:extLst>
           </p:cNvPr>
@@ -4134,97 +4295,18 @@
         </p:blipFill>
         <p:spPr>
           <a:xfrm>
-            <a:off x="6096000" y="1401139"/>
-            <a:ext cx="5399994" cy="3817967"/>
+            <a:off x="4154371" y="3633603"/>
+            <a:ext cx="6819469" cy="2805084"/>
           </a:xfrm>
           <a:prstGeom prst="rect">
             <a:avLst/>
           </a:prstGeom>
         </p:spPr>
       </p:pic>
-      <p:sp>
-        <p:nvSpPr>
-          <p:cNvPr id="6" name="TextBox 5">
-            <a:extLst>
-              <a:ext uri="{FF2B5EF4-FFF2-40B4-BE49-F238E27FC236}">
-                <a16:creationId xmlns:a16="http://schemas.microsoft.com/office/drawing/2014/main" id="{38EFBD9F-A458-7991-6B65-0B4402320738}"/>
-              </a:ext>
-            </a:extLst>
-          </p:cNvPr>
-          <p:cNvSpPr txBox="1"/>
-          <p:nvPr/>
-        </p:nvSpPr>
-        <p:spPr>
-          <a:xfrm>
-            <a:off x="1868394" y="346364"/>
-            <a:ext cx="8548914" cy="461665"/>
-          </a:xfrm>
-          <a:prstGeom prst="rect">
-            <a:avLst/>
-          </a:prstGeom>
-          <a:noFill/>
-        </p:spPr>
-        <p:txBody>
-          <a:bodyPr wrap="square" rtlCol="0">
-            <a:spAutoFit/>
-          </a:bodyPr>
-          <a:lstStyle/>
-          <a:p>
-            <a:pPr algn="ctr"/>
-            <a:r>
-              <a:rPr lang="en-US" sz="2400" b="1" dirty="0">
-                <a:solidFill>
-                  <a:schemeClr val="accent1"/>
-                </a:solidFill>
-              </a:rPr>
-              <a:t>Analyzing Monthly income vs Installment</a:t>
-            </a:r>
-          </a:p>
-        </p:txBody>
-      </p:sp>
-      <p:sp>
-        <p:nvSpPr>
-          <p:cNvPr id="7" name="TextBox 6">
-            <a:extLst>
-              <a:ext uri="{FF2B5EF4-FFF2-40B4-BE49-F238E27FC236}">
-                <a16:creationId xmlns:a16="http://schemas.microsoft.com/office/drawing/2014/main" id="{DB034931-3EB5-7A92-7F62-88C139E98DCF}"/>
-              </a:ext>
-            </a:extLst>
-          </p:cNvPr>
-          <p:cNvSpPr txBox="1"/>
-          <p:nvPr/>
-        </p:nvSpPr>
-        <p:spPr>
-          <a:xfrm>
-            <a:off x="789709" y="5500255"/>
-            <a:ext cx="10706285" cy="369332"/>
-          </a:xfrm>
-          <a:prstGeom prst="rect">
-            <a:avLst/>
-          </a:prstGeom>
-          <a:noFill/>
-        </p:spPr>
-        <p:txBody>
-          <a:bodyPr wrap="square" rtlCol="0">
-            <a:spAutoFit/>
-          </a:bodyPr>
-          <a:lstStyle/>
-          <a:p>
-            <a:pPr marL="285750" indent="-285750">
-              <a:buFont typeface="Arial" panose="020B0604020202020204" pitchFamily="34" charset="0"/>
-              <a:buChar char="•"/>
-            </a:pPr>
-            <a:r>
-              <a:rPr lang="en-US" dirty="0"/>
-              <a:t> Need to conclude</a:t>
-            </a:r>
-          </a:p>
-        </p:txBody>
-      </p:sp>
     </p:spTree>
     <p:extLst>
       <p:ext uri="{BB962C8B-B14F-4D97-AF65-F5344CB8AC3E}">
-        <p14:creationId xmlns:p14="http://schemas.microsoft.com/office/powerpoint/2010/main" val="2264019784"/>
+        <p14:creationId xmlns:p14="http://schemas.microsoft.com/office/powerpoint/2010/main" val="2002316589"/>
       </p:ext>
     </p:extLst>
   </p:cSld>
@@ -4275,23 +4357,54 @@
         </p:spPr>
         <p:txBody>
           <a:bodyPr>
-            <a:normAutofit/>
+            <a:normAutofit fontScale="90000"/>
           </a:bodyPr>
           <a:lstStyle/>
           <a:p>
             <a:r>
-              <a:rPr lang="en-US" dirty="0"/>
+              <a:rPr lang="en-US" sz="2600" dirty="0">
+                <a:latin typeface="Arial" panose="020B0604020202020204" pitchFamily="34" charset="0"/>
+                <a:cs typeface="Arial" panose="020B0604020202020204" pitchFamily="34" charset="0"/>
+              </a:rPr>
               <a:t>Analyzing employment length for charged off loans</a:t>
             </a:r>
             <a:br>
-              <a:rPr lang="en-US" dirty="0"/>
+              <a:rPr lang="en-US" sz="2600" dirty="0">
+                <a:latin typeface="Arial" panose="020B0604020202020204" pitchFamily="34" charset="0"/>
+                <a:cs typeface="Arial" panose="020B0604020202020204" pitchFamily="34" charset="0"/>
+              </a:rPr>
             </a:br>
             <a:br>
-              <a:rPr lang="en-US" dirty="0"/>
+              <a:rPr lang="en-US" dirty="0">
+                <a:latin typeface="Arial" panose="020B0604020202020204" pitchFamily="34" charset="0"/>
+                <a:cs typeface="Arial" panose="020B0604020202020204" pitchFamily="34" charset="0"/>
+              </a:rPr>
             </a:br>
             <a:r>
-              <a:rPr lang="en-US" sz="2000" dirty="0"/>
+              <a:rPr lang="en-US" sz="2000" dirty="0">
+                <a:latin typeface="Arial" panose="020B0604020202020204" pitchFamily="34" charset="0"/>
+                <a:cs typeface="Arial" panose="020B0604020202020204" pitchFamily="34" charset="0"/>
+              </a:rPr>
               <a:t>- Majority of charged off loans belonged to clients having 10+ years of experience .</a:t>
+            </a:r>
+            <a:br>
+              <a:rPr lang="en-US" sz="2000" dirty="0">
+                <a:latin typeface="Arial" panose="020B0604020202020204" pitchFamily="34" charset="0"/>
+                <a:cs typeface="Arial" panose="020B0604020202020204" pitchFamily="34" charset="0"/>
+              </a:rPr>
+            </a:br>
+            <a:br>
+              <a:rPr lang="en-US" sz="2000" dirty="0">
+                <a:latin typeface="Arial" panose="020B0604020202020204" pitchFamily="34" charset="0"/>
+                <a:cs typeface="Arial" panose="020B0604020202020204" pitchFamily="34" charset="0"/>
+              </a:rPr>
+            </a:br>
+            <a:r>
+              <a:rPr lang="en-US" sz="2000" dirty="0">
+                <a:latin typeface="Arial" panose="020B0604020202020204" pitchFamily="34" charset="0"/>
+                <a:cs typeface="Arial" panose="020B0604020202020204" pitchFamily="34" charset="0"/>
+              </a:rPr>
+              <a:t>However, percentage of loans defaulted by each employment length group is around 15% . So, nothing can be derived w.r.t employment length.</a:t>
             </a:r>
           </a:p>
         </p:txBody>
@@ -4319,7 +4432,37 @@
         <p:spPr>
           <a:xfrm>
             <a:off x="3673475" y="843153"/>
-            <a:ext cx="8032999" cy="5122218"/>
+            <a:ext cx="8032999" cy="3290697"/>
+          </a:xfrm>
+          <a:prstGeom prst="rect">
+            <a:avLst/>
+          </a:prstGeom>
+        </p:spPr>
+      </p:pic>
+      <p:pic>
+        <p:nvPicPr>
+          <p:cNvPr id="5" name="Picture 4" descr="A graph of blue bars&#10;&#10;Description automatically generated with medium confidence">
+            <a:extLst>
+              <a:ext uri="{FF2B5EF4-FFF2-40B4-BE49-F238E27FC236}">
+                <a16:creationId xmlns:a16="http://schemas.microsoft.com/office/drawing/2014/main" id="{AE1A40AF-0719-B4CB-D0D6-B70426E8160D}"/>
+              </a:ext>
+            </a:extLst>
+          </p:cNvPr>
+          <p:cNvPicPr>
+            <a:picLocks noChangeAspect="1"/>
+          </p:cNvPicPr>
+          <p:nvPr/>
+        </p:nvPicPr>
+        <p:blipFill>
+          <a:blip r:embed="rId3"/>
+          <a:stretch>
+            <a:fillRect/>
+          </a:stretch>
+        </p:blipFill>
+        <p:spPr>
+          <a:xfrm>
+            <a:off x="3768974" y="4133850"/>
+            <a:ext cx="8032999" cy="2781795"/>
           </a:xfrm>
           <a:prstGeom prst="rect">
             <a:avLst/>
@@ -4384,32 +4527,70 @@
           </a:bodyPr>
           <a:lstStyle/>
           <a:p>
+            <a:r>
+              <a:rPr lang="en-US" sz="2800" dirty="0">
+                <a:latin typeface="Arial" panose="020B0604020202020204" pitchFamily="34" charset="0"/>
+                <a:cs typeface="Arial" panose="020B0604020202020204" pitchFamily="34" charset="0"/>
+              </a:rPr>
+              <a:t>Analyzing public recorded bankruptcies for charged off loans</a:t>
+            </a:r>
             <a:br>
-              <a:rPr lang="en-US" dirty="0"/>
-            </a:br>
-            <a:r>
-              <a:rPr lang="en-US" sz="2000" dirty="0"/>
-              <a:t>- Large percentage of people had higher debt to income ratio.</a:t>
-            </a:r>
-            <a:br>
-              <a:rPr lang="en-US" sz="2000" dirty="0"/>
+              <a:rPr lang="en-US" sz="2800" dirty="0">
+                <a:latin typeface="Arial" panose="020B0604020202020204" pitchFamily="34" charset="0"/>
+                <a:cs typeface="Arial" panose="020B0604020202020204" pitchFamily="34" charset="0"/>
+              </a:rPr>
             </a:br>
             <a:br>
-              <a:rPr lang="en-US" sz="2000" dirty="0"/>
+              <a:rPr lang="en-US" sz="2800" dirty="0">
+                <a:latin typeface="Arial" panose="020B0604020202020204" pitchFamily="34" charset="0"/>
+                <a:cs typeface="Arial" panose="020B0604020202020204" pitchFamily="34" charset="0"/>
+              </a:rPr>
             </a:br>
             <a:r>
-              <a:rPr lang="en-US" sz="2000" dirty="0"/>
-              <a:t>- This imbalance indicates that borrowers may have struggled to manage loan repayments alongside existing financial obligations, potentially leading to default as their financial capacity became overstretched.</a:t>
-            </a:r>
+              <a:rPr lang="en-US" sz="1800" dirty="0">
+                <a:latin typeface="Arial" panose="020B0604020202020204" pitchFamily="34" charset="0"/>
+                <a:cs typeface="Arial" panose="020B0604020202020204" pitchFamily="34" charset="0"/>
+              </a:rPr>
+              <a:t>1274 customers had record of bankruptcies and 368 among them defaulted.</a:t>
+            </a:r>
+            <a:br>
+              <a:rPr lang="en-US" sz="1800" dirty="0">
+                <a:latin typeface="Arial" panose="020B0604020202020204" pitchFamily="34" charset="0"/>
+                <a:cs typeface="Arial" panose="020B0604020202020204" pitchFamily="34" charset="0"/>
+              </a:rPr>
+            </a:br>
+            <a:br>
+              <a:rPr lang="en-US" sz="1800" dirty="0">
+                <a:latin typeface="Arial" panose="020B0604020202020204" pitchFamily="34" charset="0"/>
+                <a:cs typeface="Arial" panose="020B0604020202020204" pitchFamily="34" charset="0"/>
+              </a:rPr>
+            </a:br>
+            <a:r>
+              <a:rPr lang="en-US" sz="1800" dirty="0">
+                <a:latin typeface="Arial" panose="020B0604020202020204" pitchFamily="34" charset="0"/>
+                <a:cs typeface="Arial" panose="020B0604020202020204" pitchFamily="34" charset="0"/>
+              </a:rPr>
+              <a:t>28% customers with public record of bankruptcies have defaulted.</a:t>
+            </a:r>
+            <a:br>
+              <a:rPr lang="en-US" dirty="0">
+                <a:latin typeface="Arial" panose="020B0604020202020204" pitchFamily="34" charset="0"/>
+                <a:cs typeface="Arial" panose="020B0604020202020204" pitchFamily="34" charset="0"/>
+              </a:rPr>
+            </a:br>
+            <a:endParaRPr lang="en-US" sz="2000" dirty="0">
+              <a:latin typeface="Arial" panose="020B0604020202020204" pitchFamily="34" charset="0"/>
+              <a:cs typeface="Arial" panose="020B0604020202020204" pitchFamily="34" charset="0"/>
+            </a:endParaRPr>
           </a:p>
         </p:txBody>
       </p:sp>
       <p:pic>
         <p:nvPicPr>
-          <p:cNvPr id="4" name="Picture 3">
-            <a:extLst>
-              <a:ext uri="{FF2B5EF4-FFF2-40B4-BE49-F238E27FC236}">
-                <a16:creationId xmlns:a16="http://schemas.microsoft.com/office/drawing/2014/main" id="{C9FD454A-283E-439A-85DF-FD7E6C7A8D89}"/>
+          <p:cNvPr id="6" name="Picture 5" descr="A white and orange rectangular object with a white background&#10;&#10;Description automatically generated with medium confidence">
+            <a:extLst>
+              <a:ext uri="{FF2B5EF4-FFF2-40B4-BE49-F238E27FC236}">
+                <a16:creationId xmlns:a16="http://schemas.microsoft.com/office/drawing/2014/main" id="{DECDD83F-B861-F1C1-5CA1-50082CA9B1E5}"/>
               </a:ext>
             </a:extLst>
           </p:cNvPr>
@@ -4426,54 +4607,44 @@
         </p:blipFill>
         <p:spPr>
           <a:xfrm>
-            <a:off x="3576184" y="876490"/>
-            <a:ext cx="8223930" cy="5219220"/>
+            <a:off x="3698240" y="655629"/>
+            <a:ext cx="7355840" cy="2951171"/>
           </a:xfrm>
           <a:prstGeom prst="rect">
             <a:avLst/>
           </a:prstGeom>
         </p:spPr>
       </p:pic>
-      <p:sp>
-        <p:nvSpPr>
-          <p:cNvPr id="5" name="TextBox 4">
-            <a:extLst>
-              <a:ext uri="{FF2B5EF4-FFF2-40B4-BE49-F238E27FC236}">
-                <a16:creationId xmlns:a16="http://schemas.microsoft.com/office/drawing/2014/main" id="{7446D200-1205-307E-C72D-B8B9AF21E37B}"/>
-              </a:ext>
-            </a:extLst>
-          </p:cNvPr>
-          <p:cNvSpPr txBox="1"/>
+      <p:pic>
+        <p:nvPicPr>
+          <p:cNvPr id="8" name="Picture 7" descr="A graph with blue squares&#10;&#10;Description automatically generated">
+            <a:extLst>
+              <a:ext uri="{FF2B5EF4-FFF2-40B4-BE49-F238E27FC236}">
+                <a16:creationId xmlns:a16="http://schemas.microsoft.com/office/drawing/2014/main" id="{3D5F75AD-2DCD-DB68-43E4-96B0BF453DE9}"/>
+              </a:ext>
+            </a:extLst>
+          </p:cNvPr>
+          <p:cNvPicPr>
+            <a:picLocks noChangeAspect="1"/>
+          </p:cNvPicPr>
           <p:nvPr/>
-        </p:nvSpPr>
-        <p:spPr>
-          <a:xfrm>
-            <a:off x="2244436" y="193964"/>
-            <a:ext cx="7703127" cy="461665"/>
+        </p:nvPicPr>
+        <p:blipFill>
+          <a:blip r:embed="rId3"/>
+          <a:stretch>
+            <a:fillRect/>
+          </a:stretch>
+        </p:blipFill>
+        <p:spPr>
+          <a:xfrm>
+            <a:off x="3698240" y="3688080"/>
+            <a:ext cx="7355840" cy="3169920"/>
           </a:xfrm>
           <a:prstGeom prst="rect">
             <a:avLst/>
           </a:prstGeom>
-          <a:noFill/>
-        </p:spPr>
-        <p:txBody>
-          <a:bodyPr wrap="square" rtlCol="0">
-            <a:spAutoFit/>
-          </a:bodyPr>
-          <a:lstStyle/>
-          <a:p>
-            <a:pPr algn="ctr"/>
-            <a:r>
-              <a:rPr lang="en-US" sz="2400" b="1" dirty="0">
-                <a:solidFill>
-                  <a:schemeClr val="accent1"/>
-                </a:solidFill>
-              </a:rPr>
-              <a:t>Analyzing DTI for charged off loans</a:t>
-            </a:r>
-          </a:p>
-        </p:txBody>
-      </p:sp>
+        </p:spPr>
+      </p:pic>
     </p:spTree>
     <p:extLst>
       <p:ext uri="{BB962C8B-B14F-4D97-AF65-F5344CB8AC3E}">
@@ -4506,50 +4677,111 @@
       </p:grpSpPr>
       <p:sp>
         <p:nvSpPr>
-          <p:cNvPr id="2" name="TextBox 1">
-            <a:extLst>
-              <a:ext uri="{FF2B5EF4-FFF2-40B4-BE49-F238E27FC236}">
-                <a16:creationId xmlns:a16="http://schemas.microsoft.com/office/drawing/2014/main" id="{04B46102-FB77-9439-BE0C-4B2DF86FAB97}"/>
-              </a:ext>
-            </a:extLst>
-          </p:cNvPr>
-          <p:cNvSpPr txBox="1"/>
-          <p:nvPr/>
-        </p:nvSpPr>
-        <p:spPr>
-          <a:xfrm>
-            <a:off x="2500745" y="221672"/>
-            <a:ext cx="7190509" cy="461665"/>
-          </a:xfrm>
-          <a:prstGeom prst="rect">
-            <a:avLst/>
-          </a:prstGeom>
-          <a:noFill/>
-        </p:spPr>
-        <p:txBody>
-          <a:bodyPr wrap="square" rtlCol="0">
-            <a:spAutoFit/>
+          <p:cNvPr id="2" name="Title 1">
+            <a:extLst>
+              <a:ext uri="{FF2B5EF4-FFF2-40B4-BE49-F238E27FC236}">
+                <a16:creationId xmlns:a16="http://schemas.microsoft.com/office/drawing/2014/main" id="{9CC1BD52-8B6A-14D6-C350-4854DA773BCE}"/>
+              </a:ext>
+            </a:extLst>
+          </p:cNvPr>
+          <p:cNvSpPr>
+            <a:spLocks noGrp="1"/>
+          </p:cNvSpPr>
+          <p:nvPr>
+            <p:ph type="title"/>
+          </p:nvPr>
+        </p:nvSpPr>
+        <p:spPr>
+          <a:xfrm>
+            <a:off x="252919" y="655629"/>
+            <a:ext cx="2947482" cy="5069391"/>
+          </a:xfrm>
+        </p:spPr>
+        <p:txBody>
+          <a:bodyPr>
+            <a:normAutofit/>
           </a:bodyPr>
           <a:lstStyle/>
           <a:p>
-            <a:pPr algn="ctr"/>
-            <a:r>
-              <a:rPr lang="en-US" sz="2400" b="1" dirty="0">
-                <a:solidFill>
-                  <a:schemeClr val="accent1"/>
-                </a:solidFill>
-              </a:rPr>
-              <a:t>Analyzing late fees factor against defaulters</a:t>
+            <a:br>
+              <a:rPr lang="en-US" dirty="0">
+                <a:latin typeface="Arial" panose="020B0604020202020204" pitchFamily="34" charset="0"/>
+                <a:cs typeface="Arial" panose="020B0604020202020204" pitchFamily="34" charset="0"/>
+              </a:rPr>
+            </a:br>
+            <a:r>
+              <a:rPr lang="en-US" sz="2000" b="1" dirty="0">
+                <a:latin typeface="Arial" panose="020B0604020202020204" pitchFamily="34" charset="0"/>
+                <a:cs typeface="Arial" panose="020B0604020202020204" pitchFamily="34" charset="0"/>
+              </a:rPr>
+              <a:t>Analyzing Charged off loans and Fully paid loans in each state </a:t>
+            </a:r>
+            <a:br>
+              <a:rPr lang="en-US" sz="2000" b="1" dirty="0">
+                <a:latin typeface="Arial" panose="020B0604020202020204" pitchFamily="34" charset="0"/>
+                <a:cs typeface="Arial" panose="020B0604020202020204" pitchFamily="34" charset="0"/>
+              </a:rPr>
+            </a:br>
+            <a:br>
+              <a:rPr lang="en-US" sz="2000" dirty="0">
+                <a:latin typeface="Arial" panose="020B0604020202020204" pitchFamily="34" charset="0"/>
+                <a:cs typeface="Arial" panose="020B0604020202020204" pitchFamily="34" charset="0"/>
+              </a:rPr>
+            </a:br>
+            <a:r>
+              <a:rPr lang="en-US" sz="1600" dirty="0">
+                <a:latin typeface="Arial" panose="020B0604020202020204" pitchFamily="34" charset="0"/>
+                <a:cs typeface="Arial" panose="020B0604020202020204" pitchFamily="34" charset="0"/>
+              </a:rPr>
+              <a:t>Higher number of defaulted loans belonged to states CA,FL and NY likely due to economic factors.</a:t>
+            </a:r>
+            <a:br>
+              <a:rPr lang="en-US" sz="1600" dirty="0">
+                <a:latin typeface="Arial" panose="020B0604020202020204" pitchFamily="34" charset="0"/>
+                <a:cs typeface="Arial" panose="020B0604020202020204" pitchFamily="34" charset="0"/>
+              </a:rPr>
+            </a:br>
+            <a:br>
+              <a:rPr lang="en-US" sz="1600" dirty="0">
+                <a:latin typeface="Arial" panose="020B0604020202020204" pitchFamily="34" charset="0"/>
+                <a:cs typeface="Arial" panose="020B0604020202020204" pitchFamily="34" charset="0"/>
+              </a:rPr>
+            </a:br>
+            <a:r>
+              <a:rPr lang="en-US" sz="1600" dirty="0">
+                <a:latin typeface="Arial" panose="020B0604020202020204" pitchFamily="34" charset="0"/>
+                <a:cs typeface="Arial" panose="020B0604020202020204" pitchFamily="34" charset="0"/>
+              </a:rPr>
+              <a:t>Conversely, states with no defaulters such as AK, DC, DE, MT, SD, VT, and WY, though having fewer loans, demonstrate stronger repayment behavior</a:t>
+            </a:r>
+            <a:br>
+              <a:rPr lang="en-US" sz="1600" dirty="0">
+                <a:latin typeface="Arial" panose="020B0604020202020204" pitchFamily="34" charset="0"/>
+                <a:cs typeface="Arial" panose="020B0604020202020204" pitchFamily="34" charset="0"/>
+              </a:rPr>
+            </a:br>
+            <a:br>
+              <a:rPr lang="en-US" sz="1600" dirty="0">
+                <a:latin typeface="Arial" panose="020B0604020202020204" pitchFamily="34" charset="0"/>
+                <a:cs typeface="Arial" panose="020B0604020202020204" pitchFamily="34" charset="0"/>
+              </a:rPr>
+            </a:br>
+            <a:r>
+              <a:rPr lang="en-US" sz="1600" dirty="0">
+                <a:latin typeface="Arial" panose="020B0604020202020204" pitchFamily="34" charset="0"/>
+                <a:cs typeface="Arial" panose="020B0604020202020204" pitchFamily="34" charset="0"/>
+              </a:rPr>
+              <a:t>These insights highlight the importance of regional risk assessment in lending practices.</a:t>
             </a:r>
           </a:p>
         </p:txBody>
       </p:sp>
       <p:pic>
         <p:nvPicPr>
-          <p:cNvPr id="4" name="Picture 3">
-            <a:extLst>
-              <a:ext uri="{FF2B5EF4-FFF2-40B4-BE49-F238E27FC236}">
-                <a16:creationId xmlns:a16="http://schemas.microsoft.com/office/drawing/2014/main" id="{87E934C5-C5F8-76C5-C9A5-8F8683EE1034}"/>
+          <p:cNvPr id="3" name="Picture 2">
+            <a:extLst>
+              <a:ext uri="{FF2B5EF4-FFF2-40B4-BE49-F238E27FC236}">
+                <a16:creationId xmlns:a16="http://schemas.microsoft.com/office/drawing/2014/main" id="{6F041BDC-C269-F5C2-61C2-F7BBC8006881}"/>
               </a:ext>
             </a:extLst>
           </p:cNvPr>
@@ -4566,107 +4798,18 @@
         </p:blipFill>
         <p:spPr>
           <a:xfrm>
-            <a:off x="218641" y="999260"/>
-            <a:ext cx="4935249" cy="3627940"/>
+            <a:off x="3486149" y="711047"/>
+            <a:ext cx="7845601" cy="5435906"/>
           </a:xfrm>
           <a:prstGeom prst="rect">
             <a:avLst/>
           </a:prstGeom>
         </p:spPr>
       </p:pic>
-      <p:pic>
-        <p:nvPicPr>
-          <p:cNvPr id="6" name="Picture 5">
-            <a:extLst>
-              <a:ext uri="{FF2B5EF4-FFF2-40B4-BE49-F238E27FC236}">
-                <a16:creationId xmlns:a16="http://schemas.microsoft.com/office/drawing/2014/main" id="{8F4DB210-9308-A55E-B171-7551D465B63B}"/>
-              </a:ext>
-            </a:extLst>
-          </p:cNvPr>
-          <p:cNvPicPr>
-            <a:picLocks noChangeAspect="1"/>
-          </p:cNvPicPr>
-          <p:nvPr/>
-        </p:nvPicPr>
-        <p:blipFill>
-          <a:blip r:embed="rId3"/>
-          <a:stretch>
-            <a:fillRect/>
-          </a:stretch>
-        </p:blipFill>
-        <p:spPr>
-          <a:xfrm>
-            <a:off x="5153889" y="999260"/>
-            <a:ext cx="6819469" cy="3674670"/>
-          </a:xfrm>
-          <a:prstGeom prst="rect">
-            <a:avLst/>
-          </a:prstGeom>
-        </p:spPr>
-      </p:pic>
-      <p:sp>
-        <p:nvSpPr>
-          <p:cNvPr id="7" name="TextBox 6">
-            <a:extLst>
-              <a:ext uri="{FF2B5EF4-FFF2-40B4-BE49-F238E27FC236}">
-                <a16:creationId xmlns:a16="http://schemas.microsoft.com/office/drawing/2014/main" id="{D7CB4AFD-6D0A-D002-49B0-854F9CD5D185}"/>
-              </a:ext>
-            </a:extLst>
-          </p:cNvPr>
-          <p:cNvSpPr txBox="1"/>
-          <p:nvPr/>
-        </p:nvSpPr>
-        <p:spPr>
-          <a:xfrm>
-            <a:off x="409343" y="4989853"/>
-            <a:ext cx="11068513" cy="1200329"/>
-          </a:xfrm>
-          <a:prstGeom prst="rect">
-            <a:avLst/>
-          </a:prstGeom>
-          <a:noFill/>
-        </p:spPr>
-        <p:txBody>
-          <a:bodyPr wrap="square" rtlCol="0">
-            <a:spAutoFit/>
-          </a:bodyPr>
-          <a:lstStyle/>
-          <a:p>
-            <a:pPr marL="285750" indent="-285750">
-              <a:buFont typeface="Arial" panose="020B0604020202020204" pitchFamily="34" charset="0"/>
-              <a:buChar char="•"/>
-            </a:pPr>
-            <a:r>
-              <a:rPr lang="en-US" dirty="0"/>
-              <a:t>Number of people who paid late fees and defaulted were 863 out of total defaulted people of count 5627</a:t>
-            </a:r>
-          </a:p>
-          <a:p>
-            <a:pPr marL="285750" indent="-285750">
-              <a:buFont typeface="Arial" panose="020B0604020202020204" pitchFamily="34" charset="0"/>
-              <a:buChar char="•"/>
-            </a:pPr>
-            <a:r>
-              <a:rPr lang="en-US" dirty="0"/>
-              <a:t>However , total no. of people who paid late fees where 1995 out of which 863 defaulted and 1132 paid the loan.</a:t>
-            </a:r>
-          </a:p>
-          <a:p>
-            <a:pPr marL="285750" indent="-285750">
-              <a:buFont typeface="Arial" panose="020B0604020202020204" pitchFamily="34" charset="0"/>
-              <a:buChar char="•"/>
-            </a:pPr>
-            <a:r>
-              <a:rPr lang="en-US" dirty="0"/>
-              <a:t>Hence it can be concluded that , people with history of late fee payment will have 43% chance of becoming a defaulter.</a:t>
-            </a:r>
-          </a:p>
-        </p:txBody>
-      </p:sp>
     </p:spTree>
     <p:extLst>
       <p:ext uri="{BB962C8B-B14F-4D97-AF65-F5344CB8AC3E}">
-        <p14:creationId xmlns:p14="http://schemas.microsoft.com/office/powerpoint/2010/main" val="2565849889"/>
+        <p14:creationId xmlns:p14="http://schemas.microsoft.com/office/powerpoint/2010/main" val="3125930859"/>
       </p:ext>
     </p:extLst>
   </p:cSld>
@@ -4698,7 +4841,7 @@
           <p:cNvPr id="2" name="Title 1">
             <a:extLst>
               <a:ext uri="{FF2B5EF4-FFF2-40B4-BE49-F238E27FC236}">
-                <a16:creationId xmlns:a16="http://schemas.microsoft.com/office/drawing/2014/main" id="{4ABAEFEA-19CA-6B0F-B728-B8B36CC13253}"/>
+                <a16:creationId xmlns:a16="http://schemas.microsoft.com/office/drawing/2014/main" id="{9CC1BD52-8B6A-14D6-C350-4854DA773BCE}"/>
               </a:ext>
             </a:extLst>
           </p:cNvPr>
@@ -4709,12 +4852,54 @@
             <p:ph type="title"/>
           </p:nvPr>
         </p:nvSpPr>
-        <p:spPr/>
-        <p:txBody>
-          <a:bodyPr/>
-          <a:lstStyle/>
-          <a:p>
-            <a:endParaRPr lang="en-US" dirty="0"/>
+        <p:spPr>
+          <a:xfrm>
+            <a:off x="252919" y="655629"/>
+            <a:ext cx="2947482" cy="5069391"/>
+          </a:xfrm>
+        </p:spPr>
+        <p:txBody>
+          <a:bodyPr>
+            <a:normAutofit/>
+          </a:bodyPr>
+          <a:lstStyle/>
+          <a:p>
+            <a:br>
+              <a:rPr lang="en-US" dirty="0">
+                <a:latin typeface="Arial" panose="020B0604020202020204" pitchFamily="34" charset="0"/>
+                <a:cs typeface="Arial" panose="020B0604020202020204" pitchFamily="34" charset="0"/>
+              </a:rPr>
+            </a:br>
+            <a:r>
+              <a:rPr lang="en-US" sz="2000" b="1" dirty="0">
+                <a:latin typeface="Arial" panose="020B0604020202020204" pitchFamily="34" charset="0"/>
+                <a:cs typeface="Arial" panose="020B0604020202020204" pitchFamily="34" charset="0"/>
+              </a:rPr>
+              <a:t>Analyzing annual income vs loan amount</a:t>
+            </a:r>
+            <a:br>
+              <a:rPr lang="en-US" sz="2000" b="1" dirty="0">
+                <a:latin typeface="Arial" panose="020B0604020202020204" pitchFamily="34" charset="0"/>
+                <a:cs typeface="Arial" panose="020B0604020202020204" pitchFamily="34" charset="0"/>
+              </a:rPr>
+            </a:br>
+            <a:br>
+              <a:rPr lang="en-US" sz="2000" dirty="0">
+                <a:latin typeface="Arial" panose="020B0604020202020204" pitchFamily="34" charset="0"/>
+                <a:cs typeface="Arial" panose="020B0604020202020204" pitchFamily="34" charset="0"/>
+              </a:rPr>
+            </a:br>
+            <a:r>
+              <a:rPr lang="en-US" sz="1800" dirty="0">
+                <a:latin typeface="Arial" panose="020B0604020202020204" pitchFamily="34" charset="0"/>
+                <a:cs typeface="Arial" panose="020B0604020202020204" pitchFamily="34" charset="0"/>
+              </a:rPr>
+              <a:t>when salary, loan is divided into categories of 20k, 5k increments  respectively, and we find the median of loans for defaulted vs paid customers, it is observed that defaulted customer have a higher median.</a:t>
+            </a:r>
+            <a:endParaRPr lang="en-US" sz="1600" dirty="0">
+              <a:latin typeface="Arial" panose="020B0604020202020204" pitchFamily="34" charset="0"/>
+              <a:cs typeface="Arial" panose="020B0604020202020204" pitchFamily="34" charset="0"/>
+            </a:endParaRPr>
           </a:p>
         </p:txBody>
       </p:sp>
@@ -4723,7 +4908,7 @@
           <p:cNvPr id="4" name="Picture 3">
             <a:extLst>
               <a:ext uri="{FF2B5EF4-FFF2-40B4-BE49-F238E27FC236}">
-                <a16:creationId xmlns:a16="http://schemas.microsoft.com/office/drawing/2014/main" id="{28EE25F3-12B1-4CEA-2CDF-197824A83AA2}"/>
+                <a16:creationId xmlns:a16="http://schemas.microsoft.com/office/drawing/2014/main" id="{B8B2D724-F556-5AC4-E04F-66DE298519DA}"/>
               </a:ext>
             </a:extLst>
           </p:cNvPr>
@@ -4740,8 +4925,38 @@
         </p:blipFill>
         <p:spPr>
           <a:xfrm>
-            <a:off x="3916939" y="757237"/>
-            <a:ext cx="7014297" cy="5712168"/>
+            <a:off x="3596640" y="3525837"/>
+            <a:ext cx="7559040" cy="3250883"/>
+          </a:xfrm>
+          <a:prstGeom prst="rect">
+            <a:avLst/>
+          </a:prstGeom>
+        </p:spPr>
+      </p:pic>
+      <p:pic>
+        <p:nvPicPr>
+          <p:cNvPr id="5" name="Picture 4">
+            <a:extLst>
+              <a:ext uri="{FF2B5EF4-FFF2-40B4-BE49-F238E27FC236}">
+                <a16:creationId xmlns:a16="http://schemas.microsoft.com/office/drawing/2014/main" id="{DB346CBF-CD32-F81A-8A9F-C859A88A85DC}"/>
+              </a:ext>
+            </a:extLst>
+          </p:cNvPr>
+          <p:cNvPicPr>
+            <a:picLocks noChangeAspect="1"/>
+          </p:cNvPicPr>
+          <p:nvPr/>
+        </p:nvPicPr>
+        <p:blipFill>
+          <a:blip r:embed="rId3"/>
+          <a:stretch>
+            <a:fillRect/>
+          </a:stretch>
+        </p:blipFill>
+        <p:spPr>
+          <a:xfrm>
+            <a:off x="3596640" y="428785"/>
+            <a:ext cx="7792719" cy="2903378"/>
           </a:xfrm>
           <a:prstGeom prst="rect">
             <a:avLst/>
@@ -4751,7 +4966,7 @@
     </p:spTree>
     <p:extLst>
       <p:ext uri="{BB962C8B-B14F-4D97-AF65-F5344CB8AC3E}">
-        <p14:creationId xmlns:p14="http://schemas.microsoft.com/office/powerpoint/2010/main" val="3130431307"/>
+        <p14:creationId xmlns:p14="http://schemas.microsoft.com/office/powerpoint/2010/main" val="4151450094"/>
       </p:ext>
     </p:extLst>
   </p:cSld>
@@ -4783,7 +4998,7 @@
           <p:cNvPr id="2" name="Title 1">
             <a:extLst>
               <a:ext uri="{FF2B5EF4-FFF2-40B4-BE49-F238E27FC236}">
-                <a16:creationId xmlns:a16="http://schemas.microsoft.com/office/drawing/2014/main" id="{F8ECFD7E-066C-4D7A-A507-027A18B1EE24}"/>
+                <a16:creationId xmlns:a16="http://schemas.microsoft.com/office/drawing/2014/main" id="{9CC1BD52-8B6A-14D6-C350-4854DA773BCE}"/>
               </a:ext>
             </a:extLst>
           </p:cNvPr>
@@ -4791,13 +5006,13 @@
             <a:spLocks noGrp="1"/>
           </p:cNvSpPr>
           <p:nvPr>
-            <p:ph type="ctrTitle"/>
-          </p:nvPr>
-        </p:nvSpPr>
-        <p:spPr>
-          <a:xfrm>
-            <a:off x="1069848" y="1298448"/>
-            <a:ext cx="7315200" cy="724316"/>
+            <p:ph type="title"/>
+          </p:nvPr>
+        </p:nvSpPr>
+        <p:spPr>
+          <a:xfrm>
+            <a:off x="252919" y="655629"/>
+            <a:ext cx="2947482" cy="5069391"/>
           </a:xfrm>
         </p:spPr>
         <p:txBody>
@@ -4806,47 +5021,126 @@
           </a:bodyPr>
           <a:lstStyle/>
           <a:p>
-            <a:r>
-              <a:rPr lang="en-US" dirty="0"/>
-              <a:t>Conclusion</a:t>
-            </a:r>
-          </a:p>
-        </p:txBody>
-      </p:sp>
-      <p:sp>
-        <p:nvSpPr>
-          <p:cNvPr id="3" name="Subtitle 2">
-            <a:extLst>
-              <a:ext uri="{FF2B5EF4-FFF2-40B4-BE49-F238E27FC236}">
-                <a16:creationId xmlns:a16="http://schemas.microsoft.com/office/drawing/2014/main" id="{70AB4496-A763-33A1-78F2-8686CA34CEBA}"/>
-              </a:ext>
-            </a:extLst>
-          </p:cNvPr>
-          <p:cNvSpPr>
-            <a:spLocks noGrp="1"/>
-          </p:cNvSpPr>
-          <p:nvPr>
-            <p:ph type="subTitle" idx="1"/>
-          </p:nvPr>
-        </p:nvSpPr>
-        <p:spPr>
-          <a:xfrm>
-            <a:off x="1100015" y="2022764"/>
-            <a:ext cx="7315200" cy="3561882"/>
-          </a:xfrm>
-        </p:spPr>
-        <p:txBody>
-          <a:bodyPr/>
-          <a:lstStyle/>
-          <a:p>
-            <a:endParaRPr lang="en-US" dirty="0"/>
-          </a:p>
-        </p:txBody>
-      </p:sp>
+            <a:br>
+              <a:rPr lang="en-US" dirty="0">
+                <a:latin typeface="Arial" panose="020B0604020202020204" pitchFamily="34" charset="0"/>
+                <a:cs typeface="Arial" panose="020B0604020202020204" pitchFamily="34" charset="0"/>
+              </a:rPr>
+            </a:br>
+            <a:r>
+              <a:rPr lang="en-US" sz="2000" b="1" dirty="0">
+                <a:latin typeface="Arial" panose="020B0604020202020204" pitchFamily="34" charset="0"/>
+                <a:cs typeface="Arial" panose="020B0604020202020204" pitchFamily="34" charset="0"/>
+              </a:rPr>
+              <a:t>Analyzing annual income vs loan amount</a:t>
+            </a:r>
+            <a:br>
+              <a:rPr lang="en-US" sz="2000" b="1" dirty="0">
+                <a:latin typeface="Arial" panose="020B0604020202020204" pitchFamily="34" charset="0"/>
+                <a:cs typeface="Arial" panose="020B0604020202020204" pitchFamily="34" charset="0"/>
+              </a:rPr>
+            </a:br>
+            <a:br>
+              <a:rPr lang="en-US" sz="1800" b="1" dirty="0">
+                <a:latin typeface="Arial" panose="020B0604020202020204" pitchFamily="34" charset="0"/>
+                <a:cs typeface="Arial" panose="020B0604020202020204" pitchFamily="34" charset="0"/>
+              </a:rPr>
+            </a:br>
+            <a:r>
+              <a:rPr lang="en-US" sz="1600" dirty="0">
+                <a:latin typeface="Arial" panose="020B0604020202020204" pitchFamily="34" charset="0"/>
+                <a:cs typeface="Arial" panose="020B0604020202020204" pitchFamily="34" charset="0"/>
+              </a:rPr>
+              <a:t>Figure shows the heat map of percentage of defaulted customers in each salary and loan category.</a:t>
+            </a:r>
+            <a:br>
+              <a:rPr lang="en-US" sz="1600" dirty="0">
+                <a:latin typeface="Arial" panose="020B0604020202020204" pitchFamily="34" charset="0"/>
+                <a:cs typeface="Arial" panose="020B0604020202020204" pitchFamily="34" charset="0"/>
+              </a:rPr>
+            </a:br>
+            <a:r>
+              <a:rPr lang="en-US" sz="1600" dirty="0">
+                <a:latin typeface="Arial" panose="020B0604020202020204" pitchFamily="34" charset="0"/>
+                <a:cs typeface="Arial" panose="020B0604020202020204" pitchFamily="34" charset="0"/>
+              </a:rPr>
+              <a:t>Here, salary and loan are divided into categories of 6500k, 1.5k increments  respectively (considering salary range 15k to 95k)</a:t>
+            </a:r>
+            <a:br>
+              <a:rPr lang="en-US" sz="1800" dirty="0">
+                <a:latin typeface="Arial" panose="020B0604020202020204" pitchFamily="34" charset="0"/>
+                <a:cs typeface="Arial" panose="020B0604020202020204" pitchFamily="34" charset="0"/>
+              </a:rPr>
+            </a:br>
+            <a:br>
+              <a:rPr lang="en-US" sz="1800" dirty="0">
+                <a:latin typeface="Arial" panose="020B0604020202020204" pitchFamily="34" charset="0"/>
+                <a:cs typeface="Arial" panose="020B0604020202020204" pitchFamily="34" charset="0"/>
+              </a:rPr>
+            </a:br>
+            <a:r>
+              <a:rPr lang="en-US" sz="1600" dirty="0">
+                <a:latin typeface="Arial" panose="020B0604020202020204" pitchFamily="34" charset="0"/>
+                <a:cs typeface="Arial" panose="020B0604020202020204" pitchFamily="34" charset="0"/>
+              </a:rPr>
+              <a:t>It can be observed that  defaulted percentage is maximum in highest loan category in each salary category. It indicates that customers who defaulted took highest loans w.r.t their salary category and could not pay back the loans.</a:t>
+            </a:r>
+            <a:br>
+              <a:rPr lang="en-US" sz="1600" dirty="0">
+                <a:latin typeface="Arial" panose="020B0604020202020204" pitchFamily="34" charset="0"/>
+                <a:cs typeface="Arial" panose="020B0604020202020204" pitchFamily="34" charset="0"/>
+              </a:rPr>
+            </a:br>
+            <a:br>
+              <a:rPr lang="en-US" sz="1600" dirty="0">
+                <a:latin typeface="Arial" panose="020B0604020202020204" pitchFamily="34" charset="0"/>
+                <a:cs typeface="Arial" panose="020B0604020202020204" pitchFamily="34" charset="0"/>
+              </a:rPr>
+            </a:br>
+            <a:r>
+              <a:rPr lang="en-US" sz="1600" dirty="0">
+                <a:latin typeface="Arial" panose="020B0604020202020204" pitchFamily="34" charset="0"/>
+                <a:cs typeface="Arial" panose="020B0604020202020204" pitchFamily="34" charset="0"/>
+              </a:rPr>
+              <a:t>Max loan to a customer needs to be reduced to avoid such scenarios.</a:t>
+            </a:r>
+          </a:p>
+        </p:txBody>
+      </p:sp>
+      <p:pic>
+        <p:nvPicPr>
+          <p:cNvPr id="3" name="Picture 2">
+            <a:extLst>
+              <a:ext uri="{FF2B5EF4-FFF2-40B4-BE49-F238E27FC236}">
+                <a16:creationId xmlns:a16="http://schemas.microsoft.com/office/drawing/2014/main" id="{A7DF5AB2-66E2-1F19-4A28-6CA927E0E5BD}"/>
+              </a:ext>
+            </a:extLst>
+          </p:cNvPr>
+          <p:cNvPicPr>
+            <a:picLocks noChangeAspect="1"/>
+          </p:cNvPicPr>
+          <p:nvPr/>
+        </p:nvPicPr>
+        <p:blipFill>
+          <a:blip r:embed="rId2"/>
+          <a:stretch>
+            <a:fillRect/>
+          </a:stretch>
+        </p:blipFill>
+        <p:spPr>
+          <a:xfrm>
+            <a:off x="3916939" y="757237"/>
+            <a:ext cx="7014297" cy="5712168"/>
+          </a:xfrm>
+          <a:prstGeom prst="rect">
+            <a:avLst/>
+          </a:prstGeom>
+        </p:spPr>
+      </p:pic>
     </p:spTree>
     <p:extLst>
       <p:ext uri="{BB962C8B-B14F-4D97-AF65-F5344CB8AC3E}">
-        <p14:creationId xmlns:p14="http://schemas.microsoft.com/office/powerpoint/2010/main" val="3195305034"/>
+        <p14:creationId xmlns:p14="http://schemas.microsoft.com/office/powerpoint/2010/main" val="1712664404"/>
       </p:ext>
     </p:extLst>
   </p:cSld>
@@ -4952,6 +5246,1344 @@
     <p:extLst>
       <p:ext uri="{BB962C8B-B14F-4D97-AF65-F5344CB8AC3E}">
         <p14:creationId xmlns:p14="http://schemas.microsoft.com/office/powerpoint/2010/main" val="3349575075"/>
+      </p:ext>
+    </p:extLst>
+  </p:cSld>
+  <p:clrMapOvr>
+    <a:masterClrMapping/>
+  </p:clrMapOvr>
+</p:sld>
+</file>
+
+<file path=ppt/slides/slide20.xml><?xml version="1.0" encoding="utf-8"?>
+<p:sld xmlns:a="http://schemas.openxmlformats.org/drawingml/2006/main" xmlns:r="http://schemas.openxmlformats.org/officeDocument/2006/relationships" xmlns:p="http://schemas.openxmlformats.org/presentationml/2006/main">
+  <p:cSld>
+    <p:spTree>
+      <p:nvGrpSpPr>
+        <p:cNvPr id="1" name=""/>
+        <p:cNvGrpSpPr/>
+        <p:nvPr/>
+      </p:nvGrpSpPr>
+      <p:grpSpPr>
+        <a:xfrm>
+          <a:off x="0" y="0"/>
+          <a:ext cx="0" cy="0"/>
+          <a:chOff x="0" y="0"/>
+          <a:chExt cx="0" cy="0"/>
+        </a:xfrm>
+      </p:grpSpPr>
+      <p:sp>
+        <p:nvSpPr>
+          <p:cNvPr id="2" name="Title 1">
+            <a:extLst>
+              <a:ext uri="{FF2B5EF4-FFF2-40B4-BE49-F238E27FC236}">
+                <a16:creationId xmlns:a16="http://schemas.microsoft.com/office/drawing/2014/main" id="{F8ECFD7E-066C-4D7A-A507-027A18B1EE24}"/>
+              </a:ext>
+            </a:extLst>
+          </p:cNvPr>
+          <p:cNvSpPr>
+            <a:spLocks noGrp="1"/>
+          </p:cNvSpPr>
+          <p:nvPr>
+            <p:ph type="ctrTitle"/>
+          </p:nvPr>
+        </p:nvSpPr>
+        <p:spPr>
+          <a:xfrm>
+            <a:off x="946023" y="841248"/>
+            <a:ext cx="7315200" cy="724316"/>
+          </a:xfrm>
+        </p:spPr>
+        <p:txBody>
+          <a:bodyPr>
+            <a:normAutofit/>
+          </a:bodyPr>
+          <a:lstStyle/>
+          <a:p>
+            <a:r>
+              <a:rPr lang="en-US" sz="4000" dirty="0">
+                <a:latin typeface="Arial" panose="020B0604020202020204" pitchFamily="34" charset="0"/>
+                <a:cs typeface="Arial" panose="020B0604020202020204" pitchFamily="34" charset="0"/>
+              </a:rPr>
+              <a:t>Conclusions</a:t>
+            </a:r>
+          </a:p>
+        </p:txBody>
+      </p:sp>
+      <p:sp>
+        <p:nvSpPr>
+          <p:cNvPr id="3" name="Subtitle 2">
+            <a:extLst>
+              <a:ext uri="{FF2B5EF4-FFF2-40B4-BE49-F238E27FC236}">
+                <a16:creationId xmlns:a16="http://schemas.microsoft.com/office/drawing/2014/main" id="{70AB4496-A763-33A1-78F2-8686CA34CEBA}"/>
+              </a:ext>
+            </a:extLst>
+          </p:cNvPr>
+          <p:cNvSpPr>
+            <a:spLocks noGrp="1"/>
+          </p:cNvSpPr>
+          <p:nvPr>
+            <p:ph type="subTitle" idx="1"/>
+          </p:nvPr>
+        </p:nvSpPr>
+        <p:spPr>
+          <a:xfrm>
+            <a:off x="633290" y="1648059"/>
+            <a:ext cx="8091610" cy="3561882"/>
+          </a:xfrm>
+        </p:spPr>
+        <p:txBody>
+          <a:bodyPr>
+            <a:normAutofit fontScale="77500" lnSpcReduction="20000"/>
+          </a:bodyPr>
+          <a:lstStyle/>
+          <a:p>
+            <a:r>
+              <a:rPr lang="en-US" dirty="0">
+                <a:latin typeface="Arial" panose="020B0604020202020204" pitchFamily="34" charset="0"/>
+                <a:cs typeface="Arial" panose="020B0604020202020204" pitchFamily="34" charset="0"/>
+              </a:rPr>
+              <a:t>Lender should be aware of below customer trends to avoid/reduce lending to loan defaulters,</a:t>
+            </a:r>
+          </a:p>
+          <a:p>
+            <a:pPr marL="457200" indent="-457200">
+              <a:buFont typeface="Wingdings" panose="05000000000000000000" pitchFamily="2" charset="2"/>
+              <a:buChar char="Ø"/>
+            </a:pPr>
+            <a:r>
+              <a:rPr lang="en-US" dirty="0">
+                <a:latin typeface="Arial" panose="020B0604020202020204" pitchFamily="34" charset="0"/>
+                <a:cs typeface="Arial" panose="020B0604020202020204" pitchFamily="34" charset="0"/>
+              </a:rPr>
+              <a:t>Customers with late fee payments have 43% of being a defaulter.</a:t>
+            </a:r>
+          </a:p>
+          <a:p>
+            <a:pPr marL="457200" indent="-457200">
+              <a:buFont typeface="Wingdings" panose="05000000000000000000" pitchFamily="2" charset="2"/>
+              <a:buChar char="Ø"/>
+            </a:pPr>
+            <a:r>
+              <a:rPr lang="en-US" dirty="0">
+                <a:latin typeface="Arial" panose="020B0604020202020204" pitchFamily="34" charset="0"/>
+                <a:cs typeface="Arial" panose="020B0604020202020204" pitchFamily="34" charset="0"/>
+              </a:rPr>
+              <a:t>Customers belonging to grade D,E,F default by more than  25%. Its 47%,42%,36%,35%,32%,30% for F5, G3, G2, F4, G1, F2 sub-grade customers, respectively.</a:t>
+            </a:r>
+          </a:p>
+          <a:p>
+            <a:pPr marL="457200" indent="-457200">
+              <a:buFont typeface="Wingdings" panose="05000000000000000000" pitchFamily="2" charset="2"/>
+              <a:buChar char="Ø"/>
+            </a:pPr>
+            <a:r>
+              <a:rPr lang="en-US" dirty="0">
+                <a:latin typeface="Arial" panose="020B0604020202020204" pitchFamily="34" charset="0"/>
+                <a:cs typeface="Arial" panose="020B0604020202020204" pitchFamily="34" charset="0"/>
+              </a:rPr>
+              <a:t>Loans given for the purpose of small business get defaulted by 25%</a:t>
+            </a:r>
+          </a:p>
+          <a:p>
+            <a:pPr marL="457200" indent="-457200">
+              <a:buFont typeface="Wingdings" panose="05000000000000000000" pitchFamily="2" charset="2"/>
+              <a:buChar char="Ø"/>
+            </a:pPr>
+            <a:r>
+              <a:rPr lang="en-US" dirty="0">
+                <a:latin typeface="Arial" panose="020B0604020202020204" pitchFamily="34" charset="0"/>
+                <a:cs typeface="Arial" panose="020B0604020202020204" pitchFamily="34" charset="0"/>
+              </a:rPr>
+              <a:t>Customer with public record of bankruptcies default by 29%.</a:t>
+            </a:r>
+          </a:p>
+          <a:p>
+            <a:pPr marL="457200" indent="-457200">
+              <a:buFont typeface="Wingdings" panose="05000000000000000000" pitchFamily="2" charset="2"/>
+              <a:buChar char="Ø"/>
+            </a:pPr>
+            <a:r>
+              <a:rPr lang="en-US" dirty="0">
+                <a:latin typeface="Arial" panose="020B0604020202020204" pitchFamily="34" charset="0"/>
+                <a:cs typeface="Arial" panose="020B0604020202020204" pitchFamily="34" charset="0"/>
+              </a:rPr>
+              <a:t>Customers who defaulted had higher DTI ratio and by categorizing of salary and loan it was observed that defaulters took high category loans compared to their annual income. Maximum loan provided for a given salary can be reduced further.</a:t>
+            </a:r>
+          </a:p>
+          <a:p>
+            <a:pPr marL="457200" indent="-457200">
+              <a:buFont typeface="Wingdings" panose="05000000000000000000" pitchFamily="2" charset="2"/>
+              <a:buChar char="Ø"/>
+            </a:pPr>
+            <a:r>
+              <a:rPr lang="en-US" dirty="0">
+                <a:latin typeface="Arial" panose="020B0604020202020204" pitchFamily="34" charset="0"/>
+                <a:cs typeface="Arial" panose="020B0604020202020204" pitchFamily="34" charset="0"/>
+              </a:rPr>
+              <a:t>Loans with 60 months term had 25% defaulters.</a:t>
+            </a:r>
+          </a:p>
+          <a:p>
+            <a:pPr marL="457200" indent="-457200">
+              <a:buFont typeface="Wingdings" panose="05000000000000000000" pitchFamily="2" charset="2"/>
+              <a:buChar char="Ø"/>
+            </a:pPr>
+            <a:endParaRPr lang="en-US" dirty="0">
+              <a:latin typeface="Arial" panose="020B0604020202020204" pitchFamily="34" charset="0"/>
+              <a:cs typeface="Arial" panose="020B0604020202020204" pitchFamily="34" charset="0"/>
+            </a:endParaRPr>
+          </a:p>
+          <a:p>
+            <a:pPr marL="457200" indent="-457200">
+              <a:buFont typeface="Wingdings" panose="05000000000000000000" pitchFamily="2" charset="2"/>
+              <a:buChar char="Ø"/>
+            </a:pPr>
+            <a:endParaRPr lang="en-US" dirty="0">
+              <a:latin typeface="Arial" panose="020B0604020202020204" pitchFamily="34" charset="0"/>
+              <a:cs typeface="Arial" panose="020B0604020202020204" pitchFamily="34" charset="0"/>
+            </a:endParaRPr>
+          </a:p>
+          <a:p>
+            <a:pPr marL="457200" indent="-457200">
+              <a:buAutoNum type="arabicPeriod"/>
+            </a:pPr>
+            <a:endParaRPr lang="en-US" dirty="0">
+              <a:latin typeface="Arial" panose="020B0604020202020204" pitchFamily="34" charset="0"/>
+              <a:cs typeface="Arial" panose="020B0604020202020204" pitchFamily="34" charset="0"/>
+            </a:endParaRPr>
+          </a:p>
+        </p:txBody>
+      </p:sp>
+    </p:spTree>
+    <p:extLst>
+      <p:ext uri="{BB962C8B-B14F-4D97-AF65-F5344CB8AC3E}">
+        <p14:creationId xmlns:p14="http://schemas.microsoft.com/office/powerpoint/2010/main" val="3195305034"/>
+      </p:ext>
+    </p:extLst>
+  </p:cSld>
+  <p:clrMapOvr>
+    <a:masterClrMapping/>
+  </p:clrMapOvr>
+</p:sld>
+</file>
+
+<file path=ppt/slides/slide21.xml><?xml version="1.0" encoding="utf-8"?>
+<p:sld xmlns:a="http://schemas.openxmlformats.org/drawingml/2006/main" xmlns:r="http://schemas.openxmlformats.org/officeDocument/2006/relationships" xmlns:p="http://schemas.openxmlformats.org/presentationml/2006/main">
+  <p:cSld>
+    <p:spTree>
+      <p:nvGrpSpPr>
+        <p:cNvPr id="1" name=""/>
+        <p:cNvGrpSpPr/>
+        <p:nvPr/>
+      </p:nvGrpSpPr>
+      <p:grpSpPr>
+        <a:xfrm>
+          <a:off x="0" y="0"/>
+          <a:ext cx="0" cy="0"/>
+          <a:chOff x="0" y="0"/>
+          <a:chExt cx="0" cy="0"/>
+        </a:xfrm>
+      </p:grpSpPr>
+      <p:sp>
+        <p:nvSpPr>
+          <p:cNvPr id="4" name="TextBox 3">
+            <a:extLst>
+              <a:ext uri="{FF2B5EF4-FFF2-40B4-BE49-F238E27FC236}">
+                <a16:creationId xmlns:a16="http://schemas.microsoft.com/office/drawing/2014/main" id="{10F05342-4447-FD6F-B234-E0C499BDDCC8}"/>
+              </a:ext>
+            </a:extLst>
+          </p:cNvPr>
+          <p:cNvSpPr txBox="1"/>
+          <p:nvPr/>
+        </p:nvSpPr>
+        <p:spPr>
+          <a:xfrm>
+            <a:off x="3222171" y="311242"/>
+            <a:ext cx="5568472" cy="461665"/>
+          </a:xfrm>
+          <a:prstGeom prst="rect">
+            <a:avLst/>
+          </a:prstGeom>
+          <a:noFill/>
+        </p:spPr>
+        <p:txBody>
+          <a:bodyPr wrap="square" rtlCol="0">
+            <a:spAutoFit/>
+          </a:bodyPr>
+          <a:lstStyle/>
+          <a:p>
+            <a:pPr algn="ctr"/>
+            <a:r>
+              <a:rPr lang="en-US" sz="2400" b="1" dirty="0">
+                <a:solidFill>
+                  <a:schemeClr val="accent1"/>
+                </a:solidFill>
+              </a:rPr>
+              <a:t>Distribution of loans by Purpose</a:t>
+            </a:r>
+          </a:p>
+        </p:txBody>
+      </p:sp>
+      <p:pic>
+        <p:nvPicPr>
+          <p:cNvPr id="6" name="Picture 5">
+            <a:extLst>
+              <a:ext uri="{FF2B5EF4-FFF2-40B4-BE49-F238E27FC236}">
+                <a16:creationId xmlns:a16="http://schemas.microsoft.com/office/drawing/2014/main" id="{58F22C9A-29AD-FE9D-2FBC-EF75A8686F77}"/>
+              </a:ext>
+            </a:extLst>
+          </p:cNvPr>
+          <p:cNvPicPr>
+            <a:picLocks noChangeAspect="1"/>
+          </p:cNvPicPr>
+          <p:nvPr/>
+        </p:nvPicPr>
+        <p:blipFill>
+          <a:blip r:embed="rId2"/>
+          <a:stretch>
+            <a:fillRect/>
+          </a:stretch>
+        </p:blipFill>
+        <p:spPr>
+          <a:xfrm>
+            <a:off x="248783" y="1109662"/>
+            <a:ext cx="5324703" cy="4029075"/>
+          </a:xfrm>
+          <a:prstGeom prst="rect">
+            <a:avLst/>
+          </a:prstGeom>
+        </p:spPr>
+      </p:pic>
+      <p:pic>
+        <p:nvPicPr>
+          <p:cNvPr id="8" name="Picture 7">
+            <a:extLst>
+              <a:ext uri="{FF2B5EF4-FFF2-40B4-BE49-F238E27FC236}">
+                <a16:creationId xmlns:a16="http://schemas.microsoft.com/office/drawing/2014/main" id="{F92D865E-FBEF-A8CC-F7E7-54614F77BC44}"/>
+              </a:ext>
+            </a:extLst>
+          </p:cNvPr>
+          <p:cNvPicPr>
+            <a:picLocks noChangeAspect="1"/>
+          </p:cNvPicPr>
+          <p:nvPr/>
+        </p:nvPicPr>
+        <p:blipFill>
+          <a:blip r:embed="rId3"/>
+          <a:stretch>
+            <a:fillRect/>
+          </a:stretch>
+        </p:blipFill>
+        <p:spPr>
+          <a:xfrm>
+            <a:off x="6096000" y="1090612"/>
+            <a:ext cx="5675086" cy="4048125"/>
+          </a:xfrm>
+          <a:prstGeom prst="rect">
+            <a:avLst/>
+          </a:prstGeom>
+        </p:spPr>
+      </p:pic>
+      <p:sp>
+        <p:nvSpPr>
+          <p:cNvPr id="10" name="TextBox 9">
+            <a:extLst>
+              <a:ext uri="{FF2B5EF4-FFF2-40B4-BE49-F238E27FC236}">
+                <a16:creationId xmlns:a16="http://schemas.microsoft.com/office/drawing/2014/main" id="{78E202B0-61BC-DF59-5E6A-81AA8354AC16}"/>
+              </a:ext>
+            </a:extLst>
+          </p:cNvPr>
+          <p:cNvSpPr txBox="1"/>
+          <p:nvPr/>
+        </p:nvSpPr>
+        <p:spPr>
+          <a:xfrm>
+            <a:off x="638629" y="5115596"/>
+            <a:ext cx="10735557" cy="1200329"/>
+          </a:xfrm>
+          <a:prstGeom prst="rect">
+            <a:avLst/>
+          </a:prstGeom>
+          <a:noFill/>
+        </p:spPr>
+        <p:txBody>
+          <a:bodyPr wrap="square" rtlCol="0">
+            <a:spAutoFit/>
+          </a:bodyPr>
+          <a:lstStyle/>
+          <a:p>
+            <a:pPr marL="285750" indent="-285750">
+              <a:buFont typeface="Arial" panose="020B0604020202020204" pitchFamily="34" charset="0"/>
+              <a:buChar char="•"/>
+            </a:pPr>
+            <a:r>
+              <a:rPr lang="en-US" dirty="0"/>
+              <a:t>More loans are taken by people for debt consolidations and repaying credit card bills</a:t>
+            </a:r>
+          </a:p>
+          <a:p>
+            <a:pPr marL="285750" indent="-285750">
+              <a:buFont typeface="Arial" panose="020B0604020202020204" pitchFamily="34" charset="0"/>
+              <a:buChar char="•"/>
+            </a:pPr>
+            <a:r>
+              <a:rPr lang="en-US" dirty="0"/>
+              <a:t>People often take out loans for debt consolidation to streamline payments and manage various debts like credit cards and medical bills. However, if their financial situation worsens or they misjudge their repayment capability, these consolidation loans can become challenging to handle, potentially resulting in defaults.</a:t>
+            </a:r>
+          </a:p>
+        </p:txBody>
+      </p:sp>
+    </p:spTree>
+    <p:extLst>
+      <p:ext uri="{BB962C8B-B14F-4D97-AF65-F5344CB8AC3E}">
+        <p14:creationId xmlns:p14="http://schemas.microsoft.com/office/powerpoint/2010/main" val="3547502142"/>
+      </p:ext>
+    </p:extLst>
+  </p:cSld>
+  <p:clrMapOvr>
+    <a:masterClrMapping/>
+  </p:clrMapOvr>
+</p:sld>
+</file>
+
+<file path=ppt/slides/slide22.xml><?xml version="1.0" encoding="utf-8"?>
+<p:sld xmlns:a="http://schemas.openxmlformats.org/drawingml/2006/main" xmlns:r="http://schemas.openxmlformats.org/officeDocument/2006/relationships" xmlns:p="http://schemas.openxmlformats.org/presentationml/2006/main">
+  <p:cSld>
+    <p:spTree>
+      <p:nvGrpSpPr>
+        <p:cNvPr id="1" name=""/>
+        <p:cNvGrpSpPr/>
+        <p:nvPr/>
+      </p:nvGrpSpPr>
+      <p:grpSpPr>
+        <a:xfrm>
+          <a:off x="0" y="0"/>
+          <a:ext cx="0" cy="0"/>
+          <a:chOff x="0" y="0"/>
+          <a:chExt cx="0" cy="0"/>
+        </a:xfrm>
+      </p:grpSpPr>
+      <p:pic>
+        <p:nvPicPr>
+          <p:cNvPr id="3" name="Picture 2">
+            <a:extLst>
+              <a:ext uri="{FF2B5EF4-FFF2-40B4-BE49-F238E27FC236}">
+                <a16:creationId xmlns:a16="http://schemas.microsoft.com/office/drawing/2014/main" id="{9F5F2157-30D5-0E28-6CD9-63E007FE15D7}"/>
+              </a:ext>
+            </a:extLst>
+          </p:cNvPr>
+          <p:cNvPicPr>
+            <a:picLocks noChangeAspect="1"/>
+          </p:cNvPicPr>
+          <p:nvPr/>
+        </p:nvPicPr>
+        <p:blipFill>
+          <a:blip r:embed="rId2"/>
+          <a:stretch>
+            <a:fillRect/>
+          </a:stretch>
+        </p:blipFill>
+        <p:spPr>
+          <a:xfrm>
+            <a:off x="186190" y="1003073"/>
+            <a:ext cx="5517924" cy="4112523"/>
+          </a:xfrm>
+          <a:prstGeom prst="rect">
+            <a:avLst/>
+          </a:prstGeom>
+        </p:spPr>
+      </p:pic>
+      <p:pic>
+        <p:nvPicPr>
+          <p:cNvPr id="5" name="Picture 4">
+            <a:extLst>
+              <a:ext uri="{FF2B5EF4-FFF2-40B4-BE49-F238E27FC236}">
+                <a16:creationId xmlns:a16="http://schemas.microsoft.com/office/drawing/2014/main" id="{1DC32168-651F-0A9B-7F60-6E98214F10B7}"/>
+              </a:ext>
+            </a:extLst>
+          </p:cNvPr>
+          <p:cNvPicPr>
+            <a:picLocks noChangeAspect="1"/>
+          </p:cNvPicPr>
+          <p:nvPr/>
+        </p:nvPicPr>
+        <p:blipFill>
+          <a:blip r:embed="rId3"/>
+          <a:stretch>
+            <a:fillRect/>
+          </a:stretch>
+        </p:blipFill>
+        <p:spPr>
+          <a:xfrm>
+            <a:off x="5805714" y="1083652"/>
+            <a:ext cx="5568472" cy="4031944"/>
+          </a:xfrm>
+          <a:prstGeom prst="rect">
+            <a:avLst/>
+          </a:prstGeom>
+        </p:spPr>
+      </p:pic>
+      <p:sp>
+        <p:nvSpPr>
+          <p:cNvPr id="6" name="TextBox 5">
+            <a:extLst>
+              <a:ext uri="{FF2B5EF4-FFF2-40B4-BE49-F238E27FC236}">
+                <a16:creationId xmlns:a16="http://schemas.microsoft.com/office/drawing/2014/main" id="{809F0903-6FC7-3B10-4724-E59713C41D5F}"/>
+              </a:ext>
+            </a:extLst>
+          </p:cNvPr>
+          <p:cNvSpPr txBox="1"/>
+          <p:nvPr/>
+        </p:nvSpPr>
+        <p:spPr>
+          <a:xfrm>
+            <a:off x="3222171" y="420255"/>
+            <a:ext cx="5568472" cy="461665"/>
+          </a:xfrm>
+          <a:prstGeom prst="rect">
+            <a:avLst/>
+          </a:prstGeom>
+          <a:noFill/>
+        </p:spPr>
+        <p:txBody>
+          <a:bodyPr wrap="square" rtlCol="0">
+            <a:spAutoFit/>
+          </a:bodyPr>
+          <a:lstStyle/>
+          <a:p>
+            <a:pPr algn="ctr"/>
+            <a:r>
+              <a:rPr lang="en-US" sz="2400" b="1" dirty="0">
+                <a:solidFill>
+                  <a:schemeClr val="accent1"/>
+                </a:solidFill>
+              </a:rPr>
+              <a:t>Distribution of loans by Home ownership</a:t>
+            </a:r>
+          </a:p>
+        </p:txBody>
+      </p:sp>
+      <p:sp>
+        <p:nvSpPr>
+          <p:cNvPr id="7" name="TextBox 6">
+            <a:extLst>
+              <a:ext uri="{FF2B5EF4-FFF2-40B4-BE49-F238E27FC236}">
+                <a16:creationId xmlns:a16="http://schemas.microsoft.com/office/drawing/2014/main" id="{636AC002-40DB-1C60-1610-552873244C5F}"/>
+              </a:ext>
+            </a:extLst>
+          </p:cNvPr>
+          <p:cNvSpPr txBox="1"/>
+          <p:nvPr/>
+        </p:nvSpPr>
+        <p:spPr>
+          <a:xfrm>
+            <a:off x="638629" y="5115596"/>
+            <a:ext cx="10735557" cy="1477328"/>
+          </a:xfrm>
+          <a:prstGeom prst="rect">
+            <a:avLst/>
+          </a:prstGeom>
+          <a:noFill/>
+        </p:spPr>
+        <p:txBody>
+          <a:bodyPr wrap="square" rtlCol="0">
+            <a:spAutoFit/>
+          </a:bodyPr>
+          <a:lstStyle/>
+          <a:p>
+            <a:pPr marL="285750" indent="-285750">
+              <a:buFont typeface="Arial" panose="020B0604020202020204" pitchFamily="34" charset="0"/>
+              <a:buChar char="•"/>
+            </a:pPr>
+            <a:r>
+              <a:rPr lang="en-US" dirty="0"/>
+              <a:t>More loans are taken by people who are on rent or mortgage and also have higher chances of defaulting.</a:t>
+            </a:r>
+          </a:p>
+          <a:p>
+            <a:pPr marL="285750" indent="-285750">
+              <a:buFont typeface="Arial" panose="020B0604020202020204" pitchFamily="34" charset="0"/>
+              <a:buChar char="•"/>
+            </a:pPr>
+            <a:r>
+              <a:rPr lang="en-US" dirty="0"/>
+              <a:t>Renters or homeowners with mortgages may already have significant monthly financial commitments, such as rent or mortgage payments, utilities, insurance, housing expenses, etc. Taking on additional loans can lead to a higher debt-to-income ratio, making it harder to manage repayments, especially if their income fluctuates or decreases.</a:t>
+            </a:r>
+          </a:p>
+        </p:txBody>
+      </p:sp>
+    </p:spTree>
+    <p:extLst>
+      <p:ext uri="{BB962C8B-B14F-4D97-AF65-F5344CB8AC3E}">
+        <p14:creationId xmlns:p14="http://schemas.microsoft.com/office/powerpoint/2010/main" val="585541858"/>
+      </p:ext>
+    </p:extLst>
+  </p:cSld>
+  <p:clrMapOvr>
+    <a:masterClrMapping/>
+  </p:clrMapOvr>
+</p:sld>
+</file>
+
+<file path=ppt/slides/slide23.xml><?xml version="1.0" encoding="utf-8"?>
+<p:sld xmlns:a="http://schemas.openxmlformats.org/drawingml/2006/main" xmlns:r="http://schemas.openxmlformats.org/officeDocument/2006/relationships" xmlns:p="http://schemas.openxmlformats.org/presentationml/2006/main">
+  <p:cSld>
+    <p:spTree>
+      <p:nvGrpSpPr>
+        <p:cNvPr id="1" name=""/>
+        <p:cNvGrpSpPr/>
+        <p:nvPr/>
+      </p:nvGrpSpPr>
+      <p:grpSpPr>
+        <a:xfrm>
+          <a:off x="0" y="0"/>
+          <a:ext cx="0" cy="0"/>
+          <a:chOff x="0" y="0"/>
+          <a:chExt cx="0" cy="0"/>
+        </a:xfrm>
+      </p:grpSpPr>
+      <p:sp>
+        <p:nvSpPr>
+          <p:cNvPr id="2" name="TextBox 1">
+            <a:extLst>
+              <a:ext uri="{FF2B5EF4-FFF2-40B4-BE49-F238E27FC236}">
+                <a16:creationId xmlns:a16="http://schemas.microsoft.com/office/drawing/2014/main" id="{04B46102-FB77-9439-BE0C-4B2DF86FAB97}"/>
+              </a:ext>
+            </a:extLst>
+          </p:cNvPr>
+          <p:cNvSpPr txBox="1"/>
+          <p:nvPr/>
+        </p:nvSpPr>
+        <p:spPr>
+          <a:xfrm>
+            <a:off x="2500745" y="221672"/>
+            <a:ext cx="7190509" cy="461665"/>
+          </a:xfrm>
+          <a:prstGeom prst="rect">
+            <a:avLst/>
+          </a:prstGeom>
+          <a:noFill/>
+        </p:spPr>
+        <p:txBody>
+          <a:bodyPr wrap="square" rtlCol="0">
+            <a:spAutoFit/>
+          </a:bodyPr>
+          <a:lstStyle/>
+          <a:p>
+            <a:pPr algn="ctr"/>
+            <a:r>
+              <a:rPr lang="en-US" sz="2400" b="1" dirty="0">
+                <a:solidFill>
+                  <a:schemeClr val="accent1"/>
+                </a:solidFill>
+              </a:rPr>
+              <a:t>Analyzing late fees factor against defaulters</a:t>
+            </a:r>
+          </a:p>
+        </p:txBody>
+      </p:sp>
+      <p:pic>
+        <p:nvPicPr>
+          <p:cNvPr id="4" name="Picture 3">
+            <a:extLst>
+              <a:ext uri="{FF2B5EF4-FFF2-40B4-BE49-F238E27FC236}">
+                <a16:creationId xmlns:a16="http://schemas.microsoft.com/office/drawing/2014/main" id="{87E934C5-C5F8-76C5-C9A5-8F8683EE1034}"/>
+              </a:ext>
+            </a:extLst>
+          </p:cNvPr>
+          <p:cNvPicPr>
+            <a:picLocks noChangeAspect="1"/>
+          </p:cNvPicPr>
+          <p:nvPr/>
+        </p:nvPicPr>
+        <p:blipFill>
+          <a:blip r:embed="rId2"/>
+          <a:stretch>
+            <a:fillRect/>
+          </a:stretch>
+        </p:blipFill>
+        <p:spPr>
+          <a:xfrm>
+            <a:off x="218641" y="999260"/>
+            <a:ext cx="4935249" cy="3627940"/>
+          </a:xfrm>
+          <a:prstGeom prst="rect">
+            <a:avLst/>
+          </a:prstGeom>
+        </p:spPr>
+      </p:pic>
+      <p:pic>
+        <p:nvPicPr>
+          <p:cNvPr id="6" name="Picture 5">
+            <a:extLst>
+              <a:ext uri="{FF2B5EF4-FFF2-40B4-BE49-F238E27FC236}">
+                <a16:creationId xmlns:a16="http://schemas.microsoft.com/office/drawing/2014/main" id="{8F4DB210-9308-A55E-B171-7551D465B63B}"/>
+              </a:ext>
+            </a:extLst>
+          </p:cNvPr>
+          <p:cNvPicPr>
+            <a:picLocks noChangeAspect="1"/>
+          </p:cNvPicPr>
+          <p:nvPr/>
+        </p:nvPicPr>
+        <p:blipFill>
+          <a:blip r:embed="rId3"/>
+          <a:stretch>
+            <a:fillRect/>
+          </a:stretch>
+        </p:blipFill>
+        <p:spPr>
+          <a:xfrm>
+            <a:off x="5153890" y="999260"/>
+            <a:ext cx="6819469" cy="3674670"/>
+          </a:xfrm>
+          <a:prstGeom prst="rect">
+            <a:avLst/>
+          </a:prstGeom>
+        </p:spPr>
+      </p:pic>
+      <p:sp>
+        <p:nvSpPr>
+          <p:cNvPr id="7" name="TextBox 6">
+            <a:extLst>
+              <a:ext uri="{FF2B5EF4-FFF2-40B4-BE49-F238E27FC236}">
+                <a16:creationId xmlns:a16="http://schemas.microsoft.com/office/drawing/2014/main" id="{D7CB4AFD-6D0A-D002-49B0-854F9CD5D185}"/>
+              </a:ext>
+            </a:extLst>
+          </p:cNvPr>
+          <p:cNvSpPr txBox="1"/>
+          <p:nvPr/>
+        </p:nvSpPr>
+        <p:spPr>
+          <a:xfrm>
+            <a:off x="409343" y="4989853"/>
+            <a:ext cx="11068513" cy="1200329"/>
+          </a:xfrm>
+          <a:prstGeom prst="rect">
+            <a:avLst/>
+          </a:prstGeom>
+          <a:noFill/>
+        </p:spPr>
+        <p:txBody>
+          <a:bodyPr wrap="square" rtlCol="0">
+            <a:spAutoFit/>
+          </a:bodyPr>
+          <a:lstStyle/>
+          <a:p>
+            <a:pPr marL="285750" indent="-285750">
+              <a:buFont typeface="Arial" panose="020B0604020202020204" pitchFamily="34" charset="0"/>
+              <a:buChar char="•"/>
+            </a:pPr>
+            <a:r>
+              <a:rPr lang="en-US" dirty="0"/>
+              <a:t>Number of people who paid late fees and defaulted were 863 out of total defaulted people of count 5627</a:t>
+            </a:r>
+          </a:p>
+          <a:p>
+            <a:pPr marL="285750" indent="-285750">
+              <a:buFont typeface="Arial" panose="020B0604020202020204" pitchFamily="34" charset="0"/>
+              <a:buChar char="•"/>
+            </a:pPr>
+            <a:r>
+              <a:rPr lang="en-US" dirty="0"/>
+              <a:t>However , total no. of people who paid late fees where 1995 out of which 863 defaulted and 1132 paid the loan.</a:t>
+            </a:r>
+          </a:p>
+          <a:p>
+            <a:pPr marL="285750" indent="-285750">
+              <a:buFont typeface="Arial" panose="020B0604020202020204" pitchFamily="34" charset="0"/>
+              <a:buChar char="•"/>
+            </a:pPr>
+            <a:r>
+              <a:rPr lang="en-US" dirty="0"/>
+              <a:t>Hence it can be concluded that , people with history of late fee payment will have 43% chance of becoming a defaulter.</a:t>
+            </a:r>
+          </a:p>
+        </p:txBody>
+      </p:sp>
+    </p:spTree>
+    <p:extLst>
+      <p:ext uri="{BB962C8B-B14F-4D97-AF65-F5344CB8AC3E}">
+        <p14:creationId xmlns:p14="http://schemas.microsoft.com/office/powerpoint/2010/main" val="2565849889"/>
+      </p:ext>
+    </p:extLst>
+  </p:cSld>
+  <p:clrMapOvr>
+    <a:masterClrMapping/>
+  </p:clrMapOvr>
+</p:sld>
+</file>
+
+<file path=ppt/slides/slide24.xml><?xml version="1.0" encoding="utf-8"?>
+<p:sld xmlns:a="http://schemas.openxmlformats.org/drawingml/2006/main" xmlns:r="http://schemas.openxmlformats.org/officeDocument/2006/relationships" xmlns:p="http://schemas.openxmlformats.org/presentationml/2006/main">
+  <p:cSld>
+    <p:spTree>
+      <p:nvGrpSpPr>
+        <p:cNvPr id="1" name=""/>
+        <p:cNvGrpSpPr/>
+        <p:nvPr/>
+      </p:nvGrpSpPr>
+      <p:grpSpPr>
+        <a:xfrm>
+          <a:off x="0" y="0"/>
+          <a:ext cx="0" cy="0"/>
+          <a:chOff x="0" y="0"/>
+          <a:chExt cx="0" cy="0"/>
+        </a:xfrm>
+      </p:grpSpPr>
+      <p:pic>
+        <p:nvPicPr>
+          <p:cNvPr id="3" name="Picture 2">
+            <a:extLst>
+              <a:ext uri="{FF2B5EF4-FFF2-40B4-BE49-F238E27FC236}">
+                <a16:creationId xmlns:a16="http://schemas.microsoft.com/office/drawing/2014/main" id="{2F957875-B7D1-688E-ED4D-048665DB2BF1}"/>
+              </a:ext>
+            </a:extLst>
+          </p:cNvPr>
+          <p:cNvPicPr>
+            <a:picLocks noChangeAspect="1"/>
+          </p:cNvPicPr>
+          <p:nvPr/>
+        </p:nvPicPr>
+        <p:blipFill>
+          <a:blip r:embed="rId2"/>
+          <a:stretch>
+            <a:fillRect/>
+          </a:stretch>
+        </p:blipFill>
+        <p:spPr>
+          <a:xfrm>
+            <a:off x="678873" y="766465"/>
+            <a:ext cx="10652878" cy="4679617"/>
+          </a:xfrm>
+          <a:prstGeom prst="rect">
+            <a:avLst/>
+          </a:prstGeom>
+        </p:spPr>
+      </p:pic>
+      <p:sp>
+        <p:nvSpPr>
+          <p:cNvPr id="4" name="TextBox 3">
+            <a:extLst>
+              <a:ext uri="{FF2B5EF4-FFF2-40B4-BE49-F238E27FC236}">
+                <a16:creationId xmlns:a16="http://schemas.microsoft.com/office/drawing/2014/main" id="{D7A7E506-9634-9BEC-1C04-6AFD44290EA3}"/>
+              </a:ext>
+            </a:extLst>
+          </p:cNvPr>
+          <p:cNvSpPr txBox="1"/>
+          <p:nvPr/>
+        </p:nvSpPr>
+        <p:spPr>
+          <a:xfrm>
+            <a:off x="2220686" y="304800"/>
+            <a:ext cx="8548914" cy="461665"/>
+          </a:xfrm>
+          <a:prstGeom prst="rect">
+            <a:avLst/>
+          </a:prstGeom>
+          <a:noFill/>
+        </p:spPr>
+        <p:txBody>
+          <a:bodyPr wrap="square" rtlCol="0">
+            <a:spAutoFit/>
+          </a:bodyPr>
+          <a:lstStyle/>
+          <a:p>
+            <a:pPr algn="ctr"/>
+            <a:r>
+              <a:rPr lang="en-US" sz="2400" b="1" dirty="0"/>
+              <a:t>Analyzing Charged off loans and Fully paid loans in each state </a:t>
+            </a:r>
+          </a:p>
+        </p:txBody>
+      </p:sp>
+      <p:sp>
+        <p:nvSpPr>
+          <p:cNvPr id="5" name="TextBox 4">
+            <a:extLst>
+              <a:ext uri="{FF2B5EF4-FFF2-40B4-BE49-F238E27FC236}">
+                <a16:creationId xmlns:a16="http://schemas.microsoft.com/office/drawing/2014/main" id="{3719B6CA-1C40-3B2B-7F90-CD010D8D1D3A}"/>
+              </a:ext>
+            </a:extLst>
+          </p:cNvPr>
+          <p:cNvSpPr txBox="1"/>
+          <p:nvPr/>
+        </p:nvSpPr>
+        <p:spPr>
+          <a:xfrm>
+            <a:off x="561743" y="5400145"/>
+            <a:ext cx="11068513" cy="1200329"/>
+          </a:xfrm>
+          <a:prstGeom prst="rect">
+            <a:avLst/>
+          </a:prstGeom>
+          <a:noFill/>
+        </p:spPr>
+        <p:txBody>
+          <a:bodyPr wrap="square" rtlCol="0">
+            <a:spAutoFit/>
+          </a:bodyPr>
+          <a:lstStyle/>
+          <a:p>
+            <a:pPr marL="285750" indent="-285750">
+              <a:buFont typeface="Arial" panose="020B0604020202020204" pitchFamily="34" charset="0"/>
+              <a:buChar char="•"/>
+            </a:pPr>
+            <a:r>
+              <a:rPr lang="en-US" dirty="0"/>
+              <a:t>Higher number of defaulted loans belonged to states CA,FL and NY likely due to economic factors.</a:t>
+            </a:r>
+          </a:p>
+          <a:p>
+            <a:pPr marL="285750" indent="-285750">
+              <a:buFont typeface="Arial" panose="020B0604020202020204" pitchFamily="34" charset="0"/>
+              <a:buChar char="•"/>
+            </a:pPr>
+            <a:r>
+              <a:rPr lang="en-US" dirty="0"/>
+              <a:t>Conversely, states with no defaulters such as AK, DC, DE, MT, SD, VT, and WY, though having fewer loans, demonstrate stronger repayment behavior.</a:t>
+            </a:r>
+          </a:p>
+          <a:p>
+            <a:pPr marL="285750" indent="-285750">
+              <a:buFont typeface="Arial" panose="020B0604020202020204" pitchFamily="34" charset="0"/>
+              <a:buChar char="•"/>
+            </a:pPr>
+            <a:r>
+              <a:rPr lang="en-US" dirty="0"/>
+              <a:t>These insights highlight the importance of regional risk assessment in lending practices.</a:t>
+            </a:r>
+          </a:p>
+        </p:txBody>
+      </p:sp>
+    </p:spTree>
+    <p:extLst>
+      <p:ext uri="{BB962C8B-B14F-4D97-AF65-F5344CB8AC3E}">
+        <p14:creationId xmlns:p14="http://schemas.microsoft.com/office/powerpoint/2010/main" val="758592832"/>
+      </p:ext>
+    </p:extLst>
+  </p:cSld>
+  <p:clrMapOvr>
+    <a:masterClrMapping/>
+  </p:clrMapOvr>
+</p:sld>
+</file>
+
+<file path=ppt/slides/slide25.xml><?xml version="1.0" encoding="utf-8"?>
+<p:sld xmlns:a="http://schemas.openxmlformats.org/drawingml/2006/main" xmlns:r="http://schemas.openxmlformats.org/officeDocument/2006/relationships" xmlns:p="http://schemas.openxmlformats.org/presentationml/2006/main">
+  <p:cSld>
+    <p:spTree>
+      <p:nvGrpSpPr>
+        <p:cNvPr id="1" name=""/>
+        <p:cNvGrpSpPr/>
+        <p:nvPr/>
+      </p:nvGrpSpPr>
+      <p:grpSpPr>
+        <a:xfrm>
+          <a:off x="0" y="0"/>
+          <a:ext cx="0" cy="0"/>
+          <a:chOff x="0" y="0"/>
+          <a:chExt cx="0" cy="0"/>
+        </a:xfrm>
+      </p:grpSpPr>
+      <p:sp>
+        <p:nvSpPr>
+          <p:cNvPr id="2" name="TextBox 1">
+            <a:extLst>
+              <a:ext uri="{FF2B5EF4-FFF2-40B4-BE49-F238E27FC236}">
+                <a16:creationId xmlns:a16="http://schemas.microsoft.com/office/drawing/2014/main" id="{9A544858-AFBF-367D-70B0-56A6251C3B51}"/>
+              </a:ext>
+            </a:extLst>
+          </p:cNvPr>
+          <p:cNvSpPr txBox="1"/>
+          <p:nvPr/>
+        </p:nvSpPr>
+        <p:spPr>
+          <a:xfrm>
+            <a:off x="1868394" y="346364"/>
+            <a:ext cx="8548914" cy="461665"/>
+          </a:xfrm>
+          <a:prstGeom prst="rect">
+            <a:avLst/>
+          </a:prstGeom>
+          <a:noFill/>
+        </p:spPr>
+        <p:txBody>
+          <a:bodyPr wrap="square" rtlCol="0">
+            <a:spAutoFit/>
+          </a:bodyPr>
+          <a:lstStyle/>
+          <a:p>
+            <a:pPr algn="ctr"/>
+            <a:r>
+              <a:rPr lang="en-US" sz="2400" b="1" dirty="0">
+                <a:solidFill>
+                  <a:schemeClr val="accent1"/>
+                </a:solidFill>
+              </a:rPr>
+              <a:t>Analyzing Annual income vs loan amount</a:t>
+            </a:r>
+          </a:p>
+        </p:txBody>
+      </p:sp>
+      <p:pic>
+        <p:nvPicPr>
+          <p:cNvPr id="4" name="Picture 3">
+            <a:extLst>
+              <a:ext uri="{FF2B5EF4-FFF2-40B4-BE49-F238E27FC236}">
+                <a16:creationId xmlns:a16="http://schemas.microsoft.com/office/drawing/2014/main" id="{B0CE0199-474E-7C8B-04BC-929E38E4530B}"/>
+              </a:ext>
+            </a:extLst>
+          </p:cNvPr>
+          <p:cNvPicPr>
+            <a:picLocks noChangeAspect="1"/>
+          </p:cNvPicPr>
+          <p:nvPr/>
+        </p:nvPicPr>
+        <p:blipFill>
+          <a:blip r:embed="rId2"/>
+          <a:stretch>
+            <a:fillRect/>
+          </a:stretch>
+        </p:blipFill>
+        <p:spPr>
+          <a:xfrm>
+            <a:off x="6142851" y="833437"/>
+            <a:ext cx="5885234" cy="4610100"/>
+          </a:xfrm>
+          <a:prstGeom prst="rect">
+            <a:avLst/>
+          </a:prstGeom>
+        </p:spPr>
+      </p:pic>
+      <p:pic>
+        <p:nvPicPr>
+          <p:cNvPr id="6" name="Picture 5">
+            <a:extLst>
+              <a:ext uri="{FF2B5EF4-FFF2-40B4-BE49-F238E27FC236}">
+                <a16:creationId xmlns:a16="http://schemas.microsoft.com/office/drawing/2014/main" id="{EAB5B147-83C7-60F9-42FB-39E44A431666}"/>
+              </a:ext>
+            </a:extLst>
+          </p:cNvPr>
+          <p:cNvPicPr>
+            <a:picLocks noChangeAspect="1"/>
+          </p:cNvPicPr>
+          <p:nvPr/>
+        </p:nvPicPr>
+        <p:blipFill>
+          <a:blip r:embed="rId3"/>
+          <a:stretch>
+            <a:fillRect/>
+          </a:stretch>
+        </p:blipFill>
+        <p:spPr>
+          <a:xfrm>
+            <a:off x="389751" y="833437"/>
+            <a:ext cx="5753100" cy="4610100"/>
+          </a:xfrm>
+          <a:prstGeom prst="rect">
+            <a:avLst/>
+          </a:prstGeom>
+        </p:spPr>
+      </p:pic>
+      <p:sp>
+        <p:nvSpPr>
+          <p:cNvPr id="7" name="TextBox 6">
+            <a:extLst>
+              <a:ext uri="{FF2B5EF4-FFF2-40B4-BE49-F238E27FC236}">
+                <a16:creationId xmlns:a16="http://schemas.microsoft.com/office/drawing/2014/main" id="{31E89087-F3CD-331A-06A7-C27B607DA2A2}"/>
+              </a:ext>
+            </a:extLst>
+          </p:cNvPr>
+          <p:cNvSpPr txBox="1"/>
+          <p:nvPr/>
+        </p:nvSpPr>
+        <p:spPr>
+          <a:xfrm>
+            <a:off x="789709" y="5500255"/>
+            <a:ext cx="10706285" cy="369332"/>
+          </a:xfrm>
+          <a:prstGeom prst="rect">
+            <a:avLst/>
+          </a:prstGeom>
+          <a:noFill/>
+        </p:spPr>
+        <p:txBody>
+          <a:bodyPr wrap="square" rtlCol="0">
+            <a:spAutoFit/>
+          </a:bodyPr>
+          <a:lstStyle/>
+          <a:p>
+            <a:pPr marL="285750" indent="-285750">
+              <a:buFont typeface="Arial" panose="020B0604020202020204" pitchFamily="34" charset="0"/>
+              <a:buChar char="•"/>
+            </a:pPr>
+            <a:r>
+              <a:rPr lang="en-US" dirty="0"/>
+              <a:t> Need to conclude</a:t>
+            </a:r>
+          </a:p>
+        </p:txBody>
+      </p:sp>
+    </p:spTree>
+    <p:extLst>
+      <p:ext uri="{BB962C8B-B14F-4D97-AF65-F5344CB8AC3E}">
+        <p14:creationId xmlns:p14="http://schemas.microsoft.com/office/powerpoint/2010/main" val="9444913"/>
+      </p:ext>
+    </p:extLst>
+  </p:cSld>
+  <p:clrMapOvr>
+    <a:masterClrMapping/>
+  </p:clrMapOvr>
+</p:sld>
+</file>
+
+<file path=ppt/slides/slide26.xml><?xml version="1.0" encoding="utf-8"?>
+<p:sld xmlns:a="http://schemas.openxmlformats.org/drawingml/2006/main" xmlns:r="http://schemas.openxmlformats.org/officeDocument/2006/relationships" xmlns:p="http://schemas.openxmlformats.org/presentationml/2006/main">
+  <p:cSld>
+    <p:spTree>
+      <p:nvGrpSpPr>
+        <p:cNvPr id="1" name=""/>
+        <p:cNvGrpSpPr/>
+        <p:nvPr/>
+      </p:nvGrpSpPr>
+      <p:grpSpPr>
+        <a:xfrm>
+          <a:off x="0" y="0"/>
+          <a:ext cx="0" cy="0"/>
+          <a:chOff x="0" y="0"/>
+          <a:chExt cx="0" cy="0"/>
+        </a:xfrm>
+      </p:grpSpPr>
+      <p:sp>
+        <p:nvSpPr>
+          <p:cNvPr id="2" name="Title 1">
+            <a:extLst>
+              <a:ext uri="{FF2B5EF4-FFF2-40B4-BE49-F238E27FC236}">
+                <a16:creationId xmlns:a16="http://schemas.microsoft.com/office/drawing/2014/main" id="{4ABAEFEA-19CA-6B0F-B728-B8B36CC13253}"/>
+              </a:ext>
+            </a:extLst>
+          </p:cNvPr>
+          <p:cNvSpPr>
+            <a:spLocks noGrp="1"/>
+          </p:cNvSpPr>
+          <p:nvPr>
+            <p:ph type="title"/>
+          </p:nvPr>
+        </p:nvSpPr>
+        <p:spPr/>
+        <p:txBody>
+          <a:bodyPr/>
+          <a:lstStyle/>
+          <a:p>
+            <a:endParaRPr lang="en-US" dirty="0"/>
+          </a:p>
+        </p:txBody>
+      </p:sp>
+      <p:pic>
+        <p:nvPicPr>
+          <p:cNvPr id="4" name="Picture 3">
+            <a:extLst>
+              <a:ext uri="{FF2B5EF4-FFF2-40B4-BE49-F238E27FC236}">
+                <a16:creationId xmlns:a16="http://schemas.microsoft.com/office/drawing/2014/main" id="{28EE25F3-12B1-4CEA-2CDF-197824A83AA2}"/>
+              </a:ext>
+            </a:extLst>
+          </p:cNvPr>
+          <p:cNvPicPr>
+            <a:picLocks noChangeAspect="1"/>
+          </p:cNvPicPr>
+          <p:nvPr/>
+        </p:nvPicPr>
+        <p:blipFill>
+          <a:blip r:embed="rId2"/>
+          <a:stretch>
+            <a:fillRect/>
+          </a:stretch>
+        </p:blipFill>
+        <p:spPr>
+          <a:xfrm>
+            <a:off x="3916939" y="757237"/>
+            <a:ext cx="7014297" cy="5712168"/>
+          </a:xfrm>
+          <a:prstGeom prst="rect">
+            <a:avLst/>
+          </a:prstGeom>
+        </p:spPr>
+      </p:pic>
+    </p:spTree>
+    <p:extLst>
+      <p:ext uri="{BB962C8B-B14F-4D97-AF65-F5344CB8AC3E}">
+        <p14:creationId xmlns:p14="http://schemas.microsoft.com/office/powerpoint/2010/main" val="3130431307"/>
+      </p:ext>
+    </p:extLst>
+  </p:cSld>
+  <p:clrMapOvr>
+    <a:masterClrMapping/>
+  </p:clrMapOvr>
+</p:sld>
+</file>
+
+<file path=ppt/slides/slide27.xml><?xml version="1.0" encoding="utf-8"?>
+<p:sld xmlns:a="http://schemas.openxmlformats.org/drawingml/2006/main" xmlns:r="http://schemas.openxmlformats.org/officeDocument/2006/relationships" xmlns:p="http://schemas.openxmlformats.org/presentationml/2006/main">
+  <p:cSld>
+    <p:spTree>
+      <p:nvGrpSpPr>
+        <p:cNvPr id="1" name=""/>
+        <p:cNvGrpSpPr/>
+        <p:nvPr/>
+      </p:nvGrpSpPr>
+      <p:grpSpPr>
+        <a:xfrm>
+          <a:off x="0" y="0"/>
+          <a:ext cx="0" cy="0"/>
+          <a:chOff x="0" y="0"/>
+          <a:chExt cx="0" cy="0"/>
+        </a:xfrm>
+      </p:grpSpPr>
+      <p:pic>
+        <p:nvPicPr>
+          <p:cNvPr id="3" name="Picture 2">
+            <a:extLst>
+              <a:ext uri="{FF2B5EF4-FFF2-40B4-BE49-F238E27FC236}">
+                <a16:creationId xmlns:a16="http://schemas.microsoft.com/office/drawing/2014/main" id="{499C9696-DC36-D08D-2189-D333C7A10B53}"/>
+              </a:ext>
+            </a:extLst>
+          </p:cNvPr>
+          <p:cNvPicPr>
+            <a:picLocks noChangeAspect="1"/>
+          </p:cNvPicPr>
+          <p:nvPr/>
+        </p:nvPicPr>
+        <p:blipFill>
+          <a:blip r:embed="rId2"/>
+          <a:stretch>
+            <a:fillRect/>
+          </a:stretch>
+        </p:blipFill>
+        <p:spPr>
+          <a:xfrm>
+            <a:off x="420914" y="1360489"/>
+            <a:ext cx="5152572" cy="3858617"/>
+          </a:xfrm>
+          <a:prstGeom prst="rect">
+            <a:avLst/>
+          </a:prstGeom>
+        </p:spPr>
+      </p:pic>
+      <p:pic>
+        <p:nvPicPr>
+          <p:cNvPr id="5" name="Picture 4">
+            <a:extLst>
+              <a:ext uri="{FF2B5EF4-FFF2-40B4-BE49-F238E27FC236}">
+                <a16:creationId xmlns:a16="http://schemas.microsoft.com/office/drawing/2014/main" id="{40D415A6-C8CB-DC2B-DDE8-6CCFACDE50A5}"/>
+              </a:ext>
+            </a:extLst>
+          </p:cNvPr>
+          <p:cNvPicPr>
+            <a:picLocks noChangeAspect="1"/>
+          </p:cNvPicPr>
+          <p:nvPr/>
+        </p:nvPicPr>
+        <p:blipFill>
+          <a:blip r:embed="rId3"/>
+          <a:stretch>
+            <a:fillRect/>
+          </a:stretch>
+        </p:blipFill>
+        <p:spPr>
+          <a:xfrm>
+            <a:off x="6096000" y="1401139"/>
+            <a:ext cx="5399994" cy="3817967"/>
+          </a:xfrm>
+          <a:prstGeom prst="rect">
+            <a:avLst/>
+          </a:prstGeom>
+        </p:spPr>
+      </p:pic>
+      <p:sp>
+        <p:nvSpPr>
+          <p:cNvPr id="6" name="TextBox 5">
+            <a:extLst>
+              <a:ext uri="{FF2B5EF4-FFF2-40B4-BE49-F238E27FC236}">
+                <a16:creationId xmlns:a16="http://schemas.microsoft.com/office/drawing/2014/main" id="{38EFBD9F-A458-7991-6B65-0B4402320738}"/>
+              </a:ext>
+            </a:extLst>
+          </p:cNvPr>
+          <p:cNvSpPr txBox="1"/>
+          <p:nvPr/>
+        </p:nvSpPr>
+        <p:spPr>
+          <a:xfrm>
+            <a:off x="1868394" y="346364"/>
+            <a:ext cx="8548914" cy="461665"/>
+          </a:xfrm>
+          <a:prstGeom prst="rect">
+            <a:avLst/>
+          </a:prstGeom>
+          <a:noFill/>
+        </p:spPr>
+        <p:txBody>
+          <a:bodyPr wrap="square" rtlCol="0">
+            <a:spAutoFit/>
+          </a:bodyPr>
+          <a:lstStyle/>
+          <a:p>
+            <a:pPr algn="ctr"/>
+            <a:r>
+              <a:rPr lang="en-US" sz="2400" b="1" dirty="0">
+                <a:solidFill>
+                  <a:schemeClr val="accent1"/>
+                </a:solidFill>
+              </a:rPr>
+              <a:t>Analyzing Monthly income vs Installment</a:t>
+            </a:r>
+          </a:p>
+        </p:txBody>
+      </p:sp>
+      <p:sp>
+        <p:nvSpPr>
+          <p:cNvPr id="7" name="TextBox 6">
+            <a:extLst>
+              <a:ext uri="{FF2B5EF4-FFF2-40B4-BE49-F238E27FC236}">
+                <a16:creationId xmlns:a16="http://schemas.microsoft.com/office/drawing/2014/main" id="{DB034931-3EB5-7A92-7F62-88C139E98DCF}"/>
+              </a:ext>
+            </a:extLst>
+          </p:cNvPr>
+          <p:cNvSpPr txBox="1"/>
+          <p:nvPr/>
+        </p:nvSpPr>
+        <p:spPr>
+          <a:xfrm>
+            <a:off x="789709" y="5500255"/>
+            <a:ext cx="10706285" cy="369332"/>
+          </a:xfrm>
+          <a:prstGeom prst="rect">
+            <a:avLst/>
+          </a:prstGeom>
+          <a:noFill/>
+        </p:spPr>
+        <p:txBody>
+          <a:bodyPr wrap="square" rtlCol="0">
+            <a:spAutoFit/>
+          </a:bodyPr>
+          <a:lstStyle/>
+          <a:p>
+            <a:pPr marL="285750" indent="-285750">
+              <a:buFont typeface="Arial" panose="020B0604020202020204" pitchFamily="34" charset="0"/>
+              <a:buChar char="•"/>
+            </a:pPr>
+            <a:r>
+              <a:rPr lang="en-US" dirty="0"/>
+              <a:t> Need to conclude</a:t>
+            </a:r>
+          </a:p>
+        </p:txBody>
+      </p:sp>
+    </p:spTree>
+    <p:extLst>
+      <p:ext uri="{BB962C8B-B14F-4D97-AF65-F5344CB8AC3E}">
+        <p14:creationId xmlns:p14="http://schemas.microsoft.com/office/powerpoint/2010/main" val="2264019784"/>
       </p:ext>
     </p:extLst>
   </p:cSld>
@@ -5798,8 +7430,8 @@
         </p:nvSpPr>
         <p:spPr>
           <a:xfrm>
-            <a:off x="252919" y="2447778"/>
-            <a:ext cx="2947482" cy="3277242"/>
+            <a:off x="252919" y="1972638"/>
+            <a:ext cx="2947482" cy="3752382"/>
           </a:xfrm>
         </p:spPr>
         <p:txBody>
@@ -5820,7 +7452,7 @@
             </a:br>
             <a:r>
               <a:rPr lang="en-US" sz="2200" dirty="0"/>
-              <a:t>- The no. of charged off loans is very less as compared to loans that were fully paid.</a:t>
+              <a:t>- Among the 39717 loans given by the lender, 32950 loans are fully paid and 5627 loans  are charged off and remaining  1140 loans are in current running state.</a:t>
             </a:r>
             <a:br>
               <a:rPr lang="en-US" sz="2200" dirty="0"/>
@@ -5830,11 +7462,8 @@
             </a:br>
             <a:r>
               <a:rPr lang="en-US" sz="2200" dirty="0"/>
-              <a:t>- Almost 82.97%  of total loans were fully paid , 14.18% were charged off and remaining are the ongoing loans.</a:t>
-            </a:r>
-            <a:br>
-              <a:rPr lang="en-US" sz="2200" dirty="0"/>
-            </a:br>
+              <a:t>- Considering loans which are not in progress, 14.58% of loans were charged off causing loss to the lenders.</a:t>
+            </a:r>
             <a:br>
               <a:rPr lang="en-US" dirty="0"/>
             </a:br>
@@ -5870,7 +7499,7 @@
         </p:blipFill>
         <p:spPr>
           <a:xfrm>
-            <a:off x="4195599" y="776485"/>
+            <a:off x="4246192" y="715447"/>
             <a:ext cx="5996151" cy="5427105"/>
           </a:xfrm>
           <a:prstGeom prst="rect">
@@ -5878,6 +7507,90 @@
           </a:prstGeom>
         </p:spPr>
       </p:pic>
+      <p:sp>
+        <p:nvSpPr>
+          <p:cNvPr id="3" name="TextBox 2">
+            <a:extLst>
+              <a:ext uri="{FF2B5EF4-FFF2-40B4-BE49-F238E27FC236}">
+                <a16:creationId xmlns:a16="http://schemas.microsoft.com/office/drawing/2014/main" id="{AD9DCDFC-CB50-FFB4-5B2A-A53E230E6264}"/>
+              </a:ext>
+            </a:extLst>
+          </p:cNvPr>
+          <p:cNvSpPr txBox="1"/>
+          <p:nvPr/>
+        </p:nvSpPr>
+        <p:spPr>
+          <a:xfrm>
+            <a:off x="8424808" y="5078689"/>
+            <a:ext cx="1089061" cy="369332"/>
+          </a:xfrm>
+          <a:prstGeom prst="rect">
+            <a:avLst/>
+          </a:prstGeom>
+          <a:noFill/>
+        </p:spPr>
+        <p:txBody>
+          <a:bodyPr wrap="square" rtlCol="0">
+            <a:spAutoFit/>
+          </a:bodyPr>
+          <a:lstStyle/>
+          <a:p>
+            <a:r>
+              <a:rPr lang="en-US" dirty="0">
+                <a:latin typeface="Arial" panose="020B0604020202020204" pitchFamily="34" charset="0"/>
+                <a:cs typeface="Arial" panose="020B0604020202020204" pitchFamily="34" charset="0"/>
+              </a:rPr>
+              <a:t>14.58</a:t>
+            </a:r>
+            <a:r>
+              <a:rPr lang="en-US" dirty="0"/>
+              <a:t>%</a:t>
+            </a:r>
+          </a:p>
+        </p:txBody>
+      </p:sp>
+      <p:sp>
+        <p:nvSpPr>
+          <p:cNvPr id="5" name="TextBox 4">
+            <a:extLst>
+              <a:ext uri="{FF2B5EF4-FFF2-40B4-BE49-F238E27FC236}">
+                <a16:creationId xmlns:a16="http://schemas.microsoft.com/office/drawing/2014/main" id="{26423CF7-DA35-351E-4031-9AD6B901C3F4}"/>
+              </a:ext>
+            </a:extLst>
+          </p:cNvPr>
+          <p:cNvSpPr txBox="1"/>
+          <p:nvPr/>
+        </p:nvSpPr>
+        <p:spPr>
+          <a:xfrm>
+            <a:off x="5864831" y="2916148"/>
+            <a:ext cx="1152418" cy="369332"/>
+          </a:xfrm>
+          <a:prstGeom prst="rect">
+            <a:avLst/>
+          </a:prstGeom>
+          <a:noFill/>
+        </p:spPr>
+        <p:txBody>
+          <a:bodyPr wrap="square" rtlCol="0">
+            <a:spAutoFit/>
+          </a:bodyPr>
+          <a:lstStyle/>
+          <a:p>
+            <a:r>
+              <a:rPr lang="en-US" dirty="0">
+                <a:latin typeface="Arial" panose="020B0604020202020204" pitchFamily="34" charset="0"/>
+                <a:cs typeface="Arial" panose="020B0604020202020204" pitchFamily="34" charset="0"/>
+              </a:rPr>
+              <a:t>85.42</a:t>
+            </a:r>
+            <a:r>
+              <a:rPr lang="en-US" dirty="0"/>
+              <a:t>%</a:t>
+            </a:r>
+          </a:p>
+        </p:txBody>
+      </p:sp>
     </p:spTree>
     <p:extLst>
       <p:ext uri="{BB962C8B-B14F-4D97-AF65-F5344CB8AC3E}">
@@ -5953,7 +7666,7 @@
             </a:br>
             <a:r>
               <a:rPr lang="en-US" sz="2200" dirty="0"/>
-              <a:t>- Out of which, more charged off loans belongs to grades B and C.</a:t>
+              <a:t>- Out of which, maximum number of charged off loans belongs to grades B and C.</a:t>
             </a:r>
             <a:br>
               <a:rPr lang="en-US" b="0" dirty="0">
@@ -5999,7 +7712,7 @@
         </p:blipFill>
         <p:spPr>
           <a:xfrm>
-            <a:off x="4174671" y="695753"/>
+            <a:off x="4174671" y="691181"/>
             <a:ext cx="6348187" cy="5466494"/>
           </a:xfrm>
           <a:prstGeom prst="rect">
@@ -6042,7 +7755,7 @@
           <p:cNvPr id="2" name="Title 1">
             <a:extLst>
               <a:ext uri="{FF2B5EF4-FFF2-40B4-BE49-F238E27FC236}">
-                <a16:creationId xmlns:a16="http://schemas.microsoft.com/office/drawing/2014/main" id="{184893F5-F804-A02F-6D4E-302F600391DC}"/>
+                <a16:creationId xmlns:a16="http://schemas.microsoft.com/office/drawing/2014/main" id="{47810A15-3F2B-58B9-214D-E223B41D7352}"/>
               </a:ext>
             </a:extLst>
           </p:cNvPr>
@@ -6061,18 +7774,8 @@
           <a:lstStyle/>
           <a:p>
             <a:r>
-              <a:rPr lang="en-US" dirty="0"/>
-              <a:t>Distribution of loans by Sub-grades</a:t>
-            </a:r>
-            <a:br>
-              <a:rPr lang="en-US" dirty="0"/>
-            </a:br>
-            <a:br>
-              <a:rPr lang="en-US" sz="2200" dirty="0"/>
-            </a:br>
-            <a:r>
-              <a:rPr lang="en-US" sz="2000" dirty="0"/>
-              <a:t>- Out of which, more charged off loans belongs to sub-grades B5,B3,B4 followed by C1 and C2.</a:t>
+              <a:rPr lang="en-US" sz="3200" dirty="0"/>
+              <a:t>Distribution of loans by Grades</a:t>
             </a:r>
             <a:br>
               <a:rPr lang="en-US" dirty="0"/>
@@ -6080,16 +7783,30 @@
             <a:br>
               <a:rPr lang="en-US" dirty="0"/>
             </a:br>
-            <a:endParaRPr lang="en-US" dirty="0"/>
+            <a:r>
+              <a:rPr lang="en-US" sz="2200" dirty="0"/>
+              <a:t>It can be observed from the plots that though a greater number of defaulters where from group B and C, percentage of defaulters is above </a:t>
+            </a:r>
+            <a:r>
+              <a:rPr lang="en-US" sz="2200" dirty="0">
+                <a:latin typeface="Arial" panose="020B0604020202020204" pitchFamily="34" charset="0"/>
+                <a:cs typeface="Arial" panose="020B0604020202020204" pitchFamily="34" charset="0"/>
+              </a:rPr>
+              <a:t>20% </a:t>
+            </a:r>
+            <a:r>
+              <a:rPr lang="en-US" sz="2200" dirty="0"/>
+              <a:t>in grades D, E, F and G</a:t>
+            </a:r>
           </a:p>
         </p:txBody>
       </p:sp>
       <p:pic>
         <p:nvPicPr>
-          <p:cNvPr id="4" name="Picture 3">
-            <a:extLst>
-              <a:ext uri="{FF2B5EF4-FFF2-40B4-BE49-F238E27FC236}">
-                <a16:creationId xmlns:a16="http://schemas.microsoft.com/office/drawing/2014/main" id="{E7731B43-1412-6865-0FC8-817DA1FF208D}"/>
+          <p:cNvPr id="4" name="Picture 3" descr="A graph of a graph showing the amount of loan defaulted and paid">
+            <a:extLst>
+              <a:ext uri="{FF2B5EF4-FFF2-40B4-BE49-F238E27FC236}">
+                <a16:creationId xmlns:a16="http://schemas.microsoft.com/office/drawing/2014/main" id="{3551EF35-1FA4-B5C6-ACD4-B274704BCCE1}"/>
               </a:ext>
             </a:extLst>
           </p:cNvPr>
@@ -6106,8 +7823,38 @@
         </p:blipFill>
         <p:spPr>
           <a:xfrm>
-            <a:off x="4217308" y="686400"/>
-            <a:ext cx="6203950" cy="5485200"/>
+            <a:off x="3588247" y="-147145"/>
+            <a:ext cx="8075756" cy="3415997"/>
+          </a:xfrm>
+          <a:prstGeom prst="rect">
+            <a:avLst/>
+          </a:prstGeom>
+        </p:spPr>
+      </p:pic>
+      <p:pic>
+        <p:nvPicPr>
+          <p:cNvPr id="6" name="Picture 5" descr="A graph of a long line&#10;&#10;Description automatically generated with medium confidence">
+            <a:extLst>
+              <a:ext uri="{FF2B5EF4-FFF2-40B4-BE49-F238E27FC236}">
+                <a16:creationId xmlns:a16="http://schemas.microsoft.com/office/drawing/2014/main" id="{34F931F9-965E-7CEC-602A-65262748C55F}"/>
+              </a:ext>
+            </a:extLst>
+          </p:cNvPr>
+          <p:cNvPicPr>
+            <a:picLocks noChangeAspect="1"/>
+          </p:cNvPicPr>
+          <p:nvPr/>
+        </p:nvPicPr>
+        <p:blipFill>
+          <a:blip r:embed="rId3"/>
+          <a:stretch>
+            <a:fillRect/>
+          </a:stretch>
+        </p:blipFill>
+        <p:spPr>
+          <a:xfrm>
+            <a:off x="4048454" y="3424428"/>
+            <a:ext cx="6630057" cy="3358433"/>
           </a:xfrm>
           <a:prstGeom prst="rect">
             <a:avLst/>
@@ -6117,7 +7864,7 @@
     </p:spTree>
     <p:extLst>
       <p:ext uri="{BB962C8B-B14F-4D97-AF65-F5344CB8AC3E}">
-        <p14:creationId xmlns:p14="http://schemas.microsoft.com/office/powerpoint/2010/main" val="1717684740"/>
+        <p14:creationId xmlns:p14="http://schemas.microsoft.com/office/powerpoint/2010/main" val="2455612045"/>
       </p:ext>
     </p:extLst>
   </p:cSld>
@@ -6144,12 +7891,59 @@
           <a:chExt cx="0" cy="0"/>
         </a:xfrm>
       </p:grpSpPr>
+      <p:sp>
+        <p:nvSpPr>
+          <p:cNvPr id="2" name="Title 1">
+            <a:extLst>
+              <a:ext uri="{FF2B5EF4-FFF2-40B4-BE49-F238E27FC236}">
+                <a16:creationId xmlns:a16="http://schemas.microsoft.com/office/drawing/2014/main" id="{184893F5-F804-A02F-6D4E-302F600391DC}"/>
+              </a:ext>
+            </a:extLst>
+          </p:cNvPr>
+          <p:cNvSpPr>
+            <a:spLocks noGrp="1"/>
+          </p:cNvSpPr>
+          <p:nvPr>
+            <p:ph type="title"/>
+          </p:nvPr>
+        </p:nvSpPr>
+        <p:spPr/>
+        <p:txBody>
+          <a:bodyPr>
+            <a:normAutofit/>
+          </a:bodyPr>
+          <a:lstStyle/>
+          <a:p>
+            <a:r>
+              <a:rPr lang="en-US" dirty="0"/>
+              <a:t>Distribution of loans by Sub-grades</a:t>
+            </a:r>
+            <a:br>
+              <a:rPr lang="en-US" dirty="0"/>
+            </a:br>
+            <a:br>
+              <a:rPr lang="en-US" sz="2200" dirty="0"/>
+            </a:br>
+            <a:r>
+              <a:rPr lang="en-US" sz="2000" dirty="0"/>
+              <a:t>- Out of which, a greater number of charged off loans belongs to sub-grades B5,B3,B4 followed by C1 and C2.</a:t>
+            </a:r>
+            <a:br>
+              <a:rPr lang="en-US" dirty="0"/>
+            </a:br>
+            <a:br>
+              <a:rPr lang="en-US" dirty="0"/>
+            </a:br>
+            <a:endParaRPr lang="en-US" dirty="0"/>
+          </a:p>
+        </p:txBody>
+      </p:sp>
       <p:pic>
         <p:nvPicPr>
-          <p:cNvPr id="3" name="Picture 2">
-            <a:extLst>
-              <a:ext uri="{FF2B5EF4-FFF2-40B4-BE49-F238E27FC236}">
-                <a16:creationId xmlns:a16="http://schemas.microsoft.com/office/drawing/2014/main" id="{9F5F2157-30D5-0E28-6CD9-63E007FE15D7}"/>
+          <p:cNvPr id="4" name="Picture 3">
+            <a:extLst>
+              <a:ext uri="{FF2B5EF4-FFF2-40B4-BE49-F238E27FC236}">
+                <a16:creationId xmlns:a16="http://schemas.microsoft.com/office/drawing/2014/main" id="{E7731B43-1412-6865-0FC8-817DA1FF208D}"/>
               </a:ext>
             </a:extLst>
           </p:cNvPr>
@@ -6166,137 +7960,18 @@
         </p:blipFill>
         <p:spPr>
           <a:xfrm>
-            <a:off x="186190" y="1003073"/>
-            <a:ext cx="5517924" cy="4112523"/>
+            <a:off x="4217308" y="686400"/>
+            <a:ext cx="6203950" cy="5485200"/>
           </a:xfrm>
           <a:prstGeom prst="rect">
             <a:avLst/>
           </a:prstGeom>
         </p:spPr>
       </p:pic>
-      <p:pic>
-        <p:nvPicPr>
-          <p:cNvPr id="5" name="Picture 4">
-            <a:extLst>
-              <a:ext uri="{FF2B5EF4-FFF2-40B4-BE49-F238E27FC236}">
-                <a16:creationId xmlns:a16="http://schemas.microsoft.com/office/drawing/2014/main" id="{1DC32168-651F-0A9B-7F60-6E98214F10B7}"/>
-              </a:ext>
-            </a:extLst>
-          </p:cNvPr>
-          <p:cNvPicPr>
-            <a:picLocks noChangeAspect="1"/>
-          </p:cNvPicPr>
-          <p:nvPr/>
-        </p:nvPicPr>
-        <p:blipFill>
-          <a:blip r:embed="rId3"/>
-          <a:stretch>
-            <a:fillRect/>
-          </a:stretch>
-        </p:blipFill>
-        <p:spPr>
-          <a:xfrm>
-            <a:off x="5805714" y="1083652"/>
-            <a:ext cx="5568472" cy="4031944"/>
-          </a:xfrm>
-          <a:prstGeom prst="rect">
-            <a:avLst/>
-          </a:prstGeom>
-        </p:spPr>
-      </p:pic>
-      <p:sp>
-        <p:nvSpPr>
-          <p:cNvPr id="6" name="TextBox 5">
-            <a:extLst>
-              <a:ext uri="{FF2B5EF4-FFF2-40B4-BE49-F238E27FC236}">
-                <a16:creationId xmlns:a16="http://schemas.microsoft.com/office/drawing/2014/main" id="{809F0903-6FC7-3B10-4724-E59713C41D5F}"/>
-              </a:ext>
-            </a:extLst>
-          </p:cNvPr>
-          <p:cNvSpPr txBox="1"/>
-          <p:nvPr/>
-        </p:nvSpPr>
-        <p:spPr>
-          <a:xfrm>
-            <a:off x="3222171" y="420255"/>
-            <a:ext cx="5568472" cy="461665"/>
-          </a:xfrm>
-          <a:prstGeom prst="rect">
-            <a:avLst/>
-          </a:prstGeom>
-          <a:noFill/>
-        </p:spPr>
-        <p:txBody>
-          <a:bodyPr wrap="square" rtlCol="0">
-            <a:spAutoFit/>
-          </a:bodyPr>
-          <a:lstStyle/>
-          <a:p>
-            <a:pPr algn="ctr"/>
-            <a:r>
-              <a:rPr lang="en-US" sz="2400" b="1" dirty="0">
-                <a:solidFill>
-                  <a:schemeClr val="accent1"/>
-                </a:solidFill>
-              </a:rPr>
-              <a:t>Distribution of loans by Home ownership</a:t>
-            </a:r>
-          </a:p>
-        </p:txBody>
-      </p:sp>
-      <p:sp>
-        <p:nvSpPr>
-          <p:cNvPr id="7" name="TextBox 6">
-            <a:extLst>
-              <a:ext uri="{FF2B5EF4-FFF2-40B4-BE49-F238E27FC236}">
-                <a16:creationId xmlns:a16="http://schemas.microsoft.com/office/drawing/2014/main" id="{636AC002-40DB-1C60-1610-552873244C5F}"/>
-              </a:ext>
-            </a:extLst>
-          </p:cNvPr>
-          <p:cNvSpPr txBox="1"/>
-          <p:nvPr/>
-        </p:nvSpPr>
-        <p:spPr>
-          <a:xfrm>
-            <a:off x="638629" y="5115596"/>
-            <a:ext cx="10735557" cy="1477328"/>
-          </a:xfrm>
-          <a:prstGeom prst="rect">
-            <a:avLst/>
-          </a:prstGeom>
-          <a:noFill/>
-        </p:spPr>
-        <p:txBody>
-          <a:bodyPr wrap="square" rtlCol="0">
-            <a:spAutoFit/>
-          </a:bodyPr>
-          <a:lstStyle/>
-          <a:p>
-            <a:pPr marL="285750" indent="-285750">
-              <a:buFont typeface="Arial" panose="020B0604020202020204" pitchFamily="34" charset="0"/>
-              <a:buChar char="•"/>
-            </a:pPr>
-            <a:r>
-              <a:rPr lang="en-US" dirty="0"/>
-              <a:t>More loans are taken by people are on rent or mortgage and also have higher chances of defaulting.</a:t>
-            </a:r>
-          </a:p>
-          <a:p>
-            <a:pPr marL="285750" indent="-285750">
-              <a:buFont typeface="Arial" panose="020B0604020202020204" pitchFamily="34" charset="0"/>
-              <a:buChar char="•"/>
-            </a:pPr>
-            <a:r>
-              <a:rPr lang="en-US" dirty="0"/>
-              <a:t>Renters or homeowners with mortgages may already have significant monthly financial commitments, such as rent or mortgage payments, utilities, insurance, housing expenses, etc. Taking on additional loans can lead to a higher debt-to-income ratio, making it harder to manage repayments, especially if their income fluctuates or decreases.</a:t>
-            </a:r>
-          </a:p>
-        </p:txBody>
-      </p:sp>
     </p:spTree>
     <p:extLst>
       <p:ext uri="{BB962C8B-B14F-4D97-AF65-F5344CB8AC3E}">
-        <p14:creationId xmlns:p14="http://schemas.microsoft.com/office/powerpoint/2010/main" val="585541858"/>
+        <p14:creationId xmlns:p14="http://schemas.microsoft.com/office/powerpoint/2010/main" val="1717684740"/>
       </p:ext>
     </p:extLst>
   </p:cSld>
@@ -6325,50 +8000,62 @@
       </p:grpSpPr>
       <p:sp>
         <p:nvSpPr>
-          <p:cNvPr id="4" name="TextBox 3">
-            <a:extLst>
-              <a:ext uri="{FF2B5EF4-FFF2-40B4-BE49-F238E27FC236}">
-                <a16:creationId xmlns:a16="http://schemas.microsoft.com/office/drawing/2014/main" id="{10F05342-4447-FD6F-B234-E0C499BDDCC8}"/>
-              </a:ext>
-            </a:extLst>
-          </p:cNvPr>
-          <p:cNvSpPr txBox="1"/>
-          <p:nvPr/>
-        </p:nvSpPr>
-        <p:spPr>
-          <a:xfrm>
-            <a:off x="3222171" y="311242"/>
-            <a:ext cx="5568472" cy="461665"/>
-          </a:xfrm>
-          <a:prstGeom prst="rect">
-            <a:avLst/>
-          </a:prstGeom>
-          <a:noFill/>
-        </p:spPr>
-        <p:txBody>
-          <a:bodyPr wrap="square" rtlCol="0">
-            <a:spAutoFit/>
+          <p:cNvPr id="2" name="Title 1">
+            <a:extLst>
+              <a:ext uri="{FF2B5EF4-FFF2-40B4-BE49-F238E27FC236}">
+                <a16:creationId xmlns:a16="http://schemas.microsoft.com/office/drawing/2014/main" id="{47810A15-3F2B-58B9-214D-E223B41D7352}"/>
+              </a:ext>
+            </a:extLst>
+          </p:cNvPr>
+          <p:cNvSpPr>
+            <a:spLocks noGrp="1"/>
+          </p:cNvSpPr>
+          <p:nvPr>
+            <p:ph type="title"/>
+          </p:nvPr>
+        </p:nvSpPr>
+        <p:spPr/>
+        <p:txBody>
+          <a:bodyPr>
+            <a:normAutofit fontScale="90000"/>
           </a:bodyPr>
           <a:lstStyle/>
           <a:p>
-            <a:pPr algn="ctr"/>
-            <a:r>
-              <a:rPr lang="en-US" sz="2400" b="1" dirty="0">
-                <a:solidFill>
-                  <a:schemeClr val="accent1"/>
-                </a:solidFill>
-              </a:rPr>
-              <a:t>Distribution of loans by Purpose</a:t>
+            <a:r>
+              <a:rPr lang="en-US" sz="3200" dirty="0">
+                <a:latin typeface="Arial" panose="020B0604020202020204" pitchFamily="34" charset="0"/>
+                <a:cs typeface="Arial" panose="020B0604020202020204" pitchFamily="34" charset="0"/>
+              </a:rPr>
+              <a:t>Distribution of loans by Sub-grades</a:t>
+            </a:r>
+            <a:br>
+              <a:rPr lang="en-US" dirty="0">
+                <a:latin typeface="Arial" panose="020B0604020202020204" pitchFamily="34" charset="0"/>
+                <a:cs typeface="Arial" panose="020B0604020202020204" pitchFamily="34" charset="0"/>
+              </a:rPr>
+            </a:br>
+            <a:br>
+              <a:rPr lang="en-US" dirty="0">
+                <a:latin typeface="Arial" panose="020B0604020202020204" pitchFamily="34" charset="0"/>
+                <a:cs typeface="Arial" panose="020B0604020202020204" pitchFamily="34" charset="0"/>
+              </a:rPr>
+            </a:br>
+            <a:r>
+              <a:rPr lang="en-US" sz="2200" dirty="0">
+                <a:latin typeface="Arial" panose="020B0604020202020204" pitchFamily="34" charset="0"/>
+                <a:cs typeface="Arial" panose="020B0604020202020204" pitchFamily="34" charset="0"/>
+              </a:rPr>
+              <a:t>It can be observed from the plots that though a greater number of defaulters where from sub grades A4, A5, B3, B5, percentage of defaulters is above 20% from sub-grades D2 to G and highest in F5.</a:t>
             </a:r>
           </a:p>
         </p:txBody>
       </p:sp>
       <p:pic>
         <p:nvPicPr>
-          <p:cNvPr id="6" name="Picture 5">
-            <a:extLst>
-              <a:ext uri="{FF2B5EF4-FFF2-40B4-BE49-F238E27FC236}">
-                <a16:creationId xmlns:a16="http://schemas.microsoft.com/office/drawing/2014/main" id="{58F22C9A-29AD-FE9D-2FBC-EF75A8686F77}"/>
+          <p:cNvPr id="5" name="Picture 4" descr="A graph of a graph showing the amount of paid loans&#10;&#10;Description automatically generated">
+            <a:extLst>
+              <a:ext uri="{FF2B5EF4-FFF2-40B4-BE49-F238E27FC236}">
+                <a16:creationId xmlns:a16="http://schemas.microsoft.com/office/drawing/2014/main" id="{C1903CAA-5386-BF9D-A40A-EDB84E936DCB}"/>
               </a:ext>
             </a:extLst>
           </p:cNvPr>
@@ -6385,8 +8072,8 @@
         </p:blipFill>
         <p:spPr>
           <a:xfrm>
-            <a:off x="248783" y="1109662"/>
-            <a:ext cx="5324703" cy="4029075"/>
+            <a:off x="3573516" y="75139"/>
+            <a:ext cx="8156029" cy="3349289"/>
           </a:xfrm>
           <a:prstGeom prst="rect">
             <a:avLst/>
@@ -6395,10 +8082,10 @@
       </p:pic>
       <p:pic>
         <p:nvPicPr>
-          <p:cNvPr id="8" name="Picture 7">
-            <a:extLst>
-              <a:ext uri="{FF2B5EF4-FFF2-40B4-BE49-F238E27FC236}">
-                <a16:creationId xmlns:a16="http://schemas.microsoft.com/office/drawing/2014/main" id="{F92D865E-FBEF-A8CC-F7E7-54614F77BC44}"/>
+          <p:cNvPr id="8" name="Picture 7" descr="A graph of blue bars">
+            <a:extLst>
+              <a:ext uri="{FF2B5EF4-FFF2-40B4-BE49-F238E27FC236}">
+                <a16:creationId xmlns:a16="http://schemas.microsoft.com/office/drawing/2014/main" id="{FAB6A893-4A0F-0C96-B95F-7F1B133F3440}"/>
               </a:ext>
             </a:extLst>
           </p:cNvPr>
@@ -6415,67 +8102,18 @@
         </p:blipFill>
         <p:spPr>
           <a:xfrm>
-            <a:off x="6096000" y="1090612"/>
-            <a:ext cx="5675086" cy="4048125"/>
+            <a:off x="3573516" y="3285328"/>
+            <a:ext cx="8156029" cy="3497533"/>
           </a:xfrm>
           <a:prstGeom prst="rect">
             <a:avLst/>
           </a:prstGeom>
         </p:spPr>
       </p:pic>
-      <p:sp>
-        <p:nvSpPr>
-          <p:cNvPr id="10" name="TextBox 9">
-            <a:extLst>
-              <a:ext uri="{FF2B5EF4-FFF2-40B4-BE49-F238E27FC236}">
-                <a16:creationId xmlns:a16="http://schemas.microsoft.com/office/drawing/2014/main" id="{78E202B0-61BC-DF59-5E6A-81AA8354AC16}"/>
-              </a:ext>
-            </a:extLst>
-          </p:cNvPr>
-          <p:cNvSpPr txBox="1"/>
-          <p:nvPr/>
-        </p:nvSpPr>
-        <p:spPr>
-          <a:xfrm>
-            <a:off x="638629" y="5115596"/>
-            <a:ext cx="10735557" cy="1200329"/>
-          </a:xfrm>
-          <a:prstGeom prst="rect">
-            <a:avLst/>
-          </a:prstGeom>
-          <a:noFill/>
-        </p:spPr>
-        <p:txBody>
-          <a:bodyPr wrap="square" rtlCol="0">
-            <a:spAutoFit/>
-          </a:bodyPr>
-          <a:lstStyle/>
-          <a:p>
-            <a:pPr marL="285750" indent="-285750">
-              <a:buFont typeface="Arial" panose="020B0604020202020204" pitchFamily="34" charset="0"/>
-              <a:buChar char="•"/>
-            </a:pPr>
-            <a:r>
-              <a:rPr lang="en-US" dirty="0"/>
-              <a:t>More loans are taken by people for debt consolidations and repaying credit card bills</a:t>
-            </a:r>
-          </a:p>
-          <a:p>
-            <a:pPr marL="285750" indent="-285750">
-              <a:buFont typeface="Arial" panose="020B0604020202020204" pitchFamily="34" charset="0"/>
-              <a:buChar char="•"/>
-            </a:pPr>
-            <a:r>
-              <a:rPr lang="en-US" dirty="0"/>
-              <a:t>People often take out loans for debt consolidation to streamline payments and manage various debts like credit cards and medical bills. However, if their financial situation worsens or they misjudge their repayment capability, these consolidation loans can become challenging to handle, potentially resulting in defaults.</a:t>
-            </a:r>
-          </a:p>
-        </p:txBody>
-      </p:sp>
     </p:spTree>
     <p:extLst>
       <p:ext uri="{BB962C8B-B14F-4D97-AF65-F5344CB8AC3E}">
-        <p14:creationId xmlns:p14="http://schemas.microsoft.com/office/powerpoint/2010/main" val="3547502142"/>
+        <p14:creationId xmlns:p14="http://schemas.microsoft.com/office/powerpoint/2010/main" val="782691381"/>
       </p:ext>
     </p:extLst>
   </p:cSld>
@@ -6507,7 +8145,7 @@
           <p:cNvPr id="2" name="Title 1">
             <a:extLst>
               <a:ext uri="{FF2B5EF4-FFF2-40B4-BE49-F238E27FC236}">
-                <a16:creationId xmlns:a16="http://schemas.microsoft.com/office/drawing/2014/main" id="{6BBE853D-A09A-92CD-E47A-A570E48E512C}"/>
+                <a16:creationId xmlns:a16="http://schemas.microsoft.com/office/drawing/2014/main" id="{47810A15-3F2B-58B9-214D-E223B41D7352}"/>
               </a:ext>
             </a:extLst>
           </p:cNvPr>
@@ -6526,28 +8164,69 @@
           <a:lstStyle/>
           <a:p>
             <a:r>
-              <a:rPr lang="en-US" dirty="0"/>
-              <a:t>Verification status</a:t>
+              <a:rPr lang="en-US" sz="3200" dirty="0">
+                <a:latin typeface="Arial" panose="020B0604020202020204" pitchFamily="34" charset="0"/>
+                <a:cs typeface="Arial" panose="020B0604020202020204" pitchFamily="34" charset="0"/>
+              </a:rPr>
+              <a:t>Distribution of loans by Purpose</a:t>
             </a:r>
             <a:br>
-              <a:rPr lang="en-US" dirty="0"/>
+              <a:rPr lang="en-US" dirty="0">
+                <a:latin typeface="Arial" panose="020B0604020202020204" pitchFamily="34" charset="0"/>
+                <a:cs typeface="Arial" panose="020B0604020202020204" pitchFamily="34" charset="0"/>
+              </a:rPr>
             </a:br>
             <a:br>
-              <a:rPr lang="en-US" dirty="0"/>
+              <a:rPr lang="en-US" dirty="0">
+                <a:latin typeface="Arial" panose="020B0604020202020204" pitchFamily="34" charset="0"/>
+                <a:cs typeface="Arial" panose="020B0604020202020204" pitchFamily="34" charset="0"/>
+              </a:rPr>
             </a:br>
             <a:r>
-              <a:rPr lang="en-US" sz="2000" dirty="0"/>
-              <a:t>- Most of the non-verified loans are paid off hence the nature of loan re-payment is not dependent upon the verification status.</a:t>
-            </a:r>
+              <a:rPr lang="en-US" sz="1600" dirty="0">
+                <a:latin typeface="Arial" panose="020B0604020202020204" pitchFamily="34" charset="0"/>
+                <a:cs typeface="Arial" panose="020B0604020202020204" pitchFamily="34" charset="0"/>
+              </a:rPr>
+              <a:t>More loans are taken by people for debt consolidations and repaying credit card bills.</a:t>
+            </a:r>
+            <a:br>
+              <a:rPr lang="en-US" sz="1600" dirty="0">
+                <a:latin typeface="Arial" panose="020B0604020202020204" pitchFamily="34" charset="0"/>
+                <a:cs typeface="Arial" panose="020B0604020202020204" pitchFamily="34" charset="0"/>
+              </a:rPr>
+            </a:br>
+            <a:br>
+              <a:rPr lang="en-US" sz="1600" dirty="0">
+                <a:latin typeface="Arial" panose="020B0604020202020204" pitchFamily="34" charset="0"/>
+                <a:cs typeface="Arial" panose="020B0604020202020204" pitchFamily="34" charset="0"/>
+              </a:rPr>
+            </a:br>
+            <a:r>
+              <a:rPr lang="en-US" sz="1600" dirty="0">
+                <a:latin typeface="Arial" panose="020B0604020202020204" pitchFamily="34" charset="0"/>
+                <a:cs typeface="Arial" panose="020B0604020202020204" pitchFamily="34" charset="0"/>
+              </a:rPr>
+              <a:t>It can be deduced from the below plots that more than 25% of small business customers default loans.  </a:t>
+            </a:r>
+            <a:br>
+              <a:rPr lang="en-US" sz="1600" dirty="0">
+                <a:latin typeface="Arial" panose="020B0604020202020204" pitchFamily="34" charset="0"/>
+                <a:cs typeface="Arial" panose="020B0604020202020204" pitchFamily="34" charset="0"/>
+              </a:rPr>
+            </a:br>
+            <a:endParaRPr lang="en-US" sz="1600" dirty="0">
+              <a:latin typeface="Arial" panose="020B0604020202020204" pitchFamily="34" charset="0"/>
+              <a:cs typeface="Arial" panose="020B0604020202020204" pitchFamily="34" charset="0"/>
+            </a:endParaRPr>
           </a:p>
         </p:txBody>
       </p:sp>
       <p:pic>
         <p:nvPicPr>
-          <p:cNvPr id="4" name="Picture 3">
-            <a:extLst>
-              <a:ext uri="{FF2B5EF4-FFF2-40B4-BE49-F238E27FC236}">
-                <a16:creationId xmlns:a16="http://schemas.microsoft.com/office/drawing/2014/main" id="{AE5B42BD-C622-DC15-424F-0D072190FAAE}"/>
+          <p:cNvPr id="4" name="Picture 3" descr="A graph of different colored bars&#10;&#10;Description automatically generated">
+            <a:extLst>
+              <a:ext uri="{FF2B5EF4-FFF2-40B4-BE49-F238E27FC236}">
+                <a16:creationId xmlns:a16="http://schemas.microsoft.com/office/drawing/2014/main" id="{DB30AF1A-7609-F04E-D454-2F372B1A207B}"/>
               </a:ext>
             </a:extLst>
           </p:cNvPr>
@@ -6564,8 +8243,38 @@
         </p:blipFill>
         <p:spPr>
           <a:xfrm>
-            <a:off x="3703183" y="697819"/>
-            <a:ext cx="7951788" cy="5431221"/>
+            <a:off x="3573516" y="154863"/>
+            <a:ext cx="8156029" cy="3130465"/>
+          </a:xfrm>
+          <a:prstGeom prst="rect">
+            <a:avLst/>
+          </a:prstGeom>
+        </p:spPr>
+      </p:pic>
+      <p:pic>
+        <p:nvPicPr>
+          <p:cNvPr id="7" name="Picture 6" descr="A graph of blue bars with white text">
+            <a:extLst>
+              <a:ext uri="{FF2B5EF4-FFF2-40B4-BE49-F238E27FC236}">
+                <a16:creationId xmlns:a16="http://schemas.microsoft.com/office/drawing/2014/main" id="{FC069149-D5CD-DA01-0AAE-8F39D55B05BD}"/>
+              </a:ext>
+            </a:extLst>
+          </p:cNvPr>
+          <p:cNvPicPr>
+            <a:picLocks noChangeAspect="1"/>
+          </p:cNvPicPr>
+          <p:nvPr/>
+        </p:nvPicPr>
+        <p:blipFill>
+          <a:blip r:embed="rId3"/>
+          <a:stretch>
+            <a:fillRect/>
+          </a:stretch>
+        </p:blipFill>
+        <p:spPr>
+          <a:xfrm>
+            <a:off x="3576145" y="3285328"/>
+            <a:ext cx="8153400" cy="3253124"/>
           </a:xfrm>
           <a:prstGeom prst="rect">
             <a:avLst/>
@@ -6575,7 +8284,7 @@
     </p:spTree>
     <p:extLst>
       <p:ext uri="{BB962C8B-B14F-4D97-AF65-F5344CB8AC3E}">
-        <p14:creationId xmlns:p14="http://schemas.microsoft.com/office/powerpoint/2010/main" val="3047783324"/>
+        <p14:creationId xmlns:p14="http://schemas.microsoft.com/office/powerpoint/2010/main" val="980354686"/>
       </p:ext>
     </p:extLst>
   </p:cSld>

--- a/Neha_Rawoof_LendingCaseStudy.pptx
+++ b/Neha_Rawoof_LendingCaseStudy.pptx
@@ -9,29 +9,21 @@
     <p:sldId id="257" r:id="rId3"/>
     <p:sldId id="262" r:id="rId4"/>
     <p:sldId id="263" r:id="rId5"/>
-    <p:sldId id="264" r:id="rId6"/>
-    <p:sldId id="279" r:id="rId7"/>
-    <p:sldId id="265" r:id="rId8"/>
-    <p:sldId id="280" r:id="rId9"/>
-    <p:sldId id="281" r:id="rId10"/>
-    <p:sldId id="282" r:id="rId11"/>
-    <p:sldId id="269" r:id="rId12"/>
-    <p:sldId id="260" r:id="rId13"/>
-    <p:sldId id="261" r:id="rId14"/>
-    <p:sldId id="283" r:id="rId15"/>
-    <p:sldId id="270" r:id="rId16"/>
-    <p:sldId id="271" r:id="rId17"/>
-    <p:sldId id="284" r:id="rId18"/>
-    <p:sldId id="285" r:id="rId19"/>
-    <p:sldId id="286" r:id="rId20"/>
-    <p:sldId id="277" r:id="rId21"/>
-    <p:sldId id="268" r:id="rId22"/>
-    <p:sldId id="267" r:id="rId23"/>
-    <p:sldId id="275" r:id="rId24"/>
-    <p:sldId id="273" r:id="rId25"/>
-    <p:sldId id="276" r:id="rId26"/>
-    <p:sldId id="278" r:id="rId27"/>
-    <p:sldId id="274" r:id="rId28"/>
+    <p:sldId id="279" r:id="rId6"/>
+    <p:sldId id="280" r:id="rId7"/>
+    <p:sldId id="281" r:id="rId8"/>
+    <p:sldId id="269" r:id="rId9"/>
+    <p:sldId id="260" r:id="rId10"/>
+    <p:sldId id="261" r:id="rId11"/>
+    <p:sldId id="287" r:id="rId12"/>
+    <p:sldId id="267" r:id="rId13"/>
+    <p:sldId id="275" r:id="rId14"/>
+    <p:sldId id="273" r:id="rId15"/>
+    <p:sldId id="276" r:id="rId16"/>
+    <p:sldId id="290" r:id="rId17"/>
+    <p:sldId id="288" r:id="rId18"/>
+    <p:sldId id="289" r:id="rId19"/>
+    <p:sldId id="277" r:id="rId20"/>
   </p:sldIdLst>
   <p:sldSz cx="12192000" cy="6858000"/>
   <p:notesSz cx="6858000" cy="9144000"/>
@@ -3412,12 +3404,15 @@
         </p:spPr>
         <p:txBody>
           <a:bodyPr>
-            <a:normAutofit/>
+            <a:normAutofit fontScale="90000"/>
           </a:bodyPr>
           <a:lstStyle/>
           <a:p>
             <a:r>
-              <a:rPr lang="en-US" sz="5400" dirty="0"/>
+              <a:rPr lang="en-US" sz="5400" dirty="0">
+                <a:latin typeface="Arial" panose="020B0604020202020204" pitchFamily="34" charset="0"/>
+                <a:cs typeface="Arial" panose="020B0604020202020204" pitchFamily="34" charset="0"/>
+              </a:rPr>
               <a:t>Lending Club Case Study</a:t>
             </a:r>
           </a:p>
@@ -3441,8 +3436,8 @@
         </p:nvSpPr>
         <p:spPr>
           <a:xfrm>
-            <a:off x="4165600" y="5439503"/>
-            <a:ext cx="5120471" cy="914400"/>
+            <a:off x="2933148" y="4657624"/>
+            <a:ext cx="6104835" cy="914400"/>
           </a:xfrm>
         </p:spPr>
         <p:txBody>
@@ -3450,15 +3445,24 @@
           <a:lstStyle/>
           <a:p>
             <a:r>
-              <a:rPr lang="en-US" dirty="0"/>
+              <a:rPr lang="en-US" dirty="0">
+                <a:latin typeface="Arial" panose="020B0604020202020204" pitchFamily="34" charset="0"/>
+                <a:cs typeface="Arial" panose="020B0604020202020204" pitchFamily="34" charset="0"/>
+              </a:rPr>
               <a:t>- Neha Sharma and </a:t>
             </a:r>
             <a:r>
-              <a:rPr lang="en-US" dirty="0" err="1"/>
+              <a:rPr lang="en-US" dirty="0" err="1">
+                <a:latin typeface="Arial" panose="020B0604020202020204" pitchFamily="34" charset="0"/>
+                <a:cs typeface="Arial" panose="020B0604020202020204" pitchFamily="34" charset="0"/>
+              </a:rPr>
               <a:t>Rawoof</a:t>
             </a:r>
             <a:r>
-              <a:rPr lang="en-US" dirty="0"/>
+              <a:rPr lang="en-US" dirty="0">
+                <a:latin typeface="Arial" panose="020B0604020202020204" pitchFamily="34" charset="0"/>
+                <a:cs typeface="Arial" panose="020B0604020202020204" pitchFamily="34" charset="0"/>
+              </a:rPr>
               <a:t> Mohammad</a:t>
             </a:r>
           </a:p>
@@ -3499,7 +3503,7 @@
           <p:cNvPr id="2" name="Title 1">
             <a:extLst>
               <a:ext uri="{FF2B5EF4-FFF2-40B4-BE49-F238E27FC236}">
-                <a16:creationId xmlns:a16="http://schemas.microsoft.com/office/drawing/2014/main" id="{47810A15-3F2B-58B9-214D-E223B41D7352}"/>
+                <a16:creationId xmlns:a16="http://schemas.microsoft.com/office/drawing/2014/main" id="{A6A2A908-E607-09AD-4E45-38BF5E8B981C}"/>
               </a:ext>
             </a:extLst>
           </p:cNvPr>
@@ -3510,71 +3514,88 @@
             <p:ph type="title"/>
           </p:nvPr>
         </p:nvSpPr>
-        <p:spPr/>
+        <p:spPr>
+          <a:xfrm>
+            <a:off x="110836" y="720436"/>
+            <a:ext cx="3103419" cy="5320146"/>
+          </a:xfrm>
+        </p:spPr>
         <p:txBody>
           <a:bodyPr>
-            <a:normAutofit/>
+            <a:normAutofit fontScale="90000"/>
           </a:bodyPr>
           <a:lstStyle/>
           <a:p>
-            <a:r>
-              <a:rPr lang="en-US" sz="3200" dirty="0">
-                <a:latin typeface="Arial" panose="020B0604020202020204" pitchFamily="34" charset="0"/>
-                <a:cs typeface="Arial" panose="020B0604020202020204" pitchFamily="34" charset="0"/>
-              </a:rPr>
-              <a:t>Distribution of loans by House ownership</a:t>
+            <a:pPr>
+              <a:lnSpc>
+                <a:spcPct val="100000"/>
+              </a:lnSpc>
+            </a:pPr>
+            <a:r>
+              <a:rPr lang="en-US" sz="2800" dirty="0">
+                <a:latin typeface="Arial" panose="020B0604020202020204" pitchFamily="34" charset="0"/>
+                <a:cs typeface="Arial" panose="020B0604020202020204" pitchFamily="34" charset="0"/>
+              </a:rPr>
+              <a:t>Interest rate and Term</a:t>
             </a:r>
             <a:br>
-              <a:rPr lang="en-US" sz="3200" dirty="0">
+              <a:rPr lang="en-US" sz="1800" dirty="0">
                 <a:latin typeface="Arial" panose="020B0604020202020204" pitchFamily="34" charset="0"/>
                 <a:cs typeface="Arial" panose="020B0604020202020204" pitchFamily="34" charset="0"/>
               </a:rPr>
             </a:br>
             <a:br>
-              <a:rPr lang="en-US" sz="3200" dirty="0">
+              <a:rPr lang="en-US" sz="1800" dirty="0">
+                <a:latin typeface="Arial" panose="020B0604020202020204" pitchFamily="34" charset="0"/>
+                <a:cs typeface="Arial" panose="020B0604020202020204" pitchFamily="34" charset="0"/>
+              </a:rPr>
+            </a:br>
+            <a:r>
+              <a:rPr lang="en-US" sz="2000" dirty="0">
+                <a:latin typeface="Arial" panose="020B0604020202020204" pitchFamily="34" charset="0"/>
+                <a:cs typeface="Arial" panose="020B0604020202020204" pitchFamily="34" charset="0"/>
+              </a:rPr>
+              <a:t>- Loans charged off typically had higher interest rates, signaling riskier loan terms that increase the likelihood of default.</a:t>
+            </a:r>
+            <a:br>
+              <a:rPr lang="en-US" sz="2000" dirty="0">
                 <a:latin typeface="Arial" panose="020B0604020202020204" pitchFamily="34" charset="0"/>
                 <a:cs typeface="Arial" panose="020B0604020202020204" pitchFamily="34" charset="0"/>
               </a:rPr>
             </a:br>
             <a:br>
-              <a:rPr lang="en-US" sz="1600" dirty="0">
+              <a:rPr lang="en-US" sz="2000" dirty="0">
                 <a:latin typeface="Arial" panose="020B0604020202020204" pitchFamily="34" charset="0"/>
                 <a:cs typeface="Arial" panose="020B0604020202020204" pitchFamily="34" charset="0"/>
               </a:rPr>
             </a:br>
             <a:r>
-              <a:rPr lang="en-US" sz="1600" dirty="0">
-                <a:latin typeface="Arial" panose="020B0604020202020204" pitchFamily="34" charset="0"/>
-                <a:cs typeface="Arial" panose="020B0604020202020204" pitchFamily="34" charset="0"/>
-              </a:rPr>
-              <a:t>More loans are taken by people who are on rent or mortgage and also have higher chances of defaulting.</a:t>
+              <a:rPr lang="en-US" sz="2000" dirty="0">
+                <a:latin typeface="Arial" panose="020B0604020202020204" pitchFamily="34" charset="0"/>
+                <a:cs typeface="Arial" panose="020B0604020202020204" pitchFamily="34" charset="0"/>
+              </a:rPr>
+              <a:t>- A higher proportion of loans with a 3-year (36-month) term were charged off compared to those with a 5-year (60-month) term.</a:t>
             </a:r>
             <a:br>
-              <a:rPr lang="en-US" sz="1600" dirty="0">
+              <a:rPr lang="en-US" sz="2000" dirty="0">
                 <a:latin typeface="Arial" panose="020B0604020202020204" pitchFamily="34" charset="0"/>
                 <a:cs typeface="Arial" panose="020B0604020202020204" pitchFamily="34" charset="0"/>
               </a:rPr>
             </a:br>
             <a:br>
-              <a:rPr lang="en-US" sz="1600" dirty="0">
+              <a:rPr lang="en-US" sz="2000" dirty="0">
                 <a:latin typeface="Arial" panose="020B0604020202020204" pitchFamily="34" charset="0"/>
                 <a:cs typeface="Arial" panose="020B0604020202020204" pitchFamily="34" charset="0"/>
               </a:rPr>
             </a:br>
             <a:r>
-              <a:rPr lang="en-US" sz="1600" dirty="0">
-                <a:latin typeface="Arial" panose="020B0604020202020204" pitchFamily="34" charset="0"/>
-                <a:cs typeface="Arial" panose="020B0604020202020204" pitchFamily="34" charset="0"/>
-              </a:rPr>
-              <a:t>However, there is no significant difference in distribution of paid loans vs charged off loans w.r.t home ownership.</a:t>
-            </a:r>
-            <a:br>
-              <a:rPr lang="en-US" sz="1600" dirty="0">
-                <a:latin typeface="Arial" panose="020B0604020202020204" pitchFamily="34" charset="0"/>
-                <a:cs typeface="Arial" panose="020B0604020202020204" pitchFamily="34" charset="0"/>
-              </a:rPr>
-            </a:br>
-            <a:endParaRPr lang="en-US" sz="1600" dirty="0">
+              <a:rPr lang="en-US" sz="2000" dirty="0">
+                <a:latin typeface="Arial" panose="020B0604020202020204" pitchFamily="34" charset="0"/>
+                <a:cs typeface="Arial" panose="020B0604020202020204" pitchFamily="34" charset="0"/>
+              </a:rPr>
+              <a:t>- Also, 25% of loans with 60 months term were defaulted</a:t>
+            </a:r>
+            <a:endParaRPr lang="en-US" sz="1800" dirty="0">
               <a:latin typeface="Arial" panose="020B0604020202020204" pitchFamily="34" charset="0"/>
               <a:cs typeface="Arial" panose="020B0604020202020204" pitchFamily="34" charset="0"/>
             </a:endParaRPr>
@@ -3583,10 +3604,10 @@
       </p:sp>
       <p:pic>
         <p:nvPicPr>
-          <p:cNvPr id="3" name="Picture 2">
+          <p:cNvPr id="4" name="Picture 3">
             <a:extLst>
               <a:ext uri="{FF2B5EF4-FFF2-40B4-BE49-F238E27FC236}">
-                <a16:creationId xmlns:a16="http://schemas.microsoft.com/office/drawing/2014/main" id="{063A60D0-5C8A-CF46-BA8B-3958A2C35852}"/>
+                <a16:creationId xmlns:a16="http://schemas.microsoft.com/office/drawing/2014/main" id="{BA630B61-C356-07E1-7AB3-6D2A450EC327}"/>
               </a:ext>
             </a:extLst>
           </p:cNvPr>
@@ -3603,38 +3624,8 @@
         </p:blipFill>
         <p:spPr>
           <a:xfrm>
-            <a:off x="3952875" y="1"/>
-            <a:ext cx="7258050" cy="3253124"/>
-          </a:xfrm>
-          <a:prstGeom prst="rect">
-            <a:avLst/>
-          </a:prstGeom>
-        </p:spPr>
-      </p:pic>
-      <p:pic>
-        <p:nvPicPr>
-          <p:cNvPr id="5" name="Picture 4">
-            <a:extLst>
-              <a:ext uri="{FF2B5EF4-FFF2-40B4-BE49-F238E27FC236}">
-                <a16:creationId xmlns:a16="http://schemas.microsoft.com/office/drawing/2014/main" id="{FD222980-DCB2-526E-15A4-0F95EEB30577}"/>
-              </a:ext>
-            </a:extLst>
-          </p:cNvPr>
-          <p:cNvPicPr>
-            <a:picLocks noChangeAspect="1"/>
-          </p:cNvPicPr>
-          <p:nvPr/>
-        </p:nvPicPr>
-        <p:blipFill>
-          <a:blip r:embed="rId3"/>
-          <a:stretch>
-            <a:fillRect/>
-          </a:stretch>
-        </p:blipFill>
-        <p:spPr>
-          <a:xfrm>
-            <a:off x="3886200" y="3253125"/>
-            <a:ext cx="7410450" cy="3424427"/>
+            <a:off x="4076701" y="587602"/>
+            <a:ext cx="6838042" cy="5685116"/>
           </a:xfrm>
           <a:prstGeom prst="rect">
             <a:avLst/>
@@ -3644,7 +3635,7 @@
     </p:spTree>
     <p:extLst>
       <p:ext uri="{BB962C8B-B14F-4D97-AF65-F5344CB8AC3E}">
-        <p14:creationId xmlns:p14="http://schemas.microsoft.com/office/powerpoint/2010/main" val="2089730891"/>
+        <p14:creationId xmlns:p14="http://schemas.microsoft.com/office/powerpoint/2010/main" val="2246654679"/>
       </p:ext>
     </p:extLst>
   </p:cSld>
@@ -3671,52 +3662,12 @@
           <a:chExt cx="0" cy="0"/>
         </a:xfrm>
       </p:grpSpPr>
-      <p:sp>
-        <p:nvSpPr>
-          <p:cNvPr id="2" name="Title 1">
+      <p:pic>
+        <p:nvPicPr>
+          <p:cNvPr id="2" name="Picture 1">
             <a:extLst>
               <a:ext uri="{FF2B5EF4-FFF2-40B4-BE49-F238E27FC236}">
-                <a16:creationId xmlns:a16="http://schemas.microsoft.com/office/drawing/2014/main" id="{6BBE853D-A09A-92CD-E47A-A570E48E512C}"/>
-              </a:ext>
-            </a:extLst>
-          </p:cNvPr>
-          <p:cNvSpPr>
-            <a:spLocks noGrp="1"/>
-          </p:cNvSpPr>
-          <p:nvPr>
-            <p:ph type="title"/>
-          </p:nvPr>
-        </p:nvSpPr>
-        <p:spPr/>
-        <p:txBody>
-          <a:bodyPr>
-            <a:normAutofit/>
-          </a:bodyPr>
-          <a:lstStyle/>
-          <a:p>
-            <a:r>
-              <a:rPr lang="en-US" dirty="0"/>
-              <a:t>Verification status</a:t>
-            </a:r>
-            <a:br>
-              <a:rPr lang="en-US" dirty="0"/>
-            </a:br>
-            <a:br>
-              <a:rPr lang="en-US" dirty="0"/>
-            </a:br>
-            <a:r>
-              <a:rPr lang="en-US" sz="2000" dirty="0"/>
-              <a:t>- Most of the non-verified loans are paid off hence the nature of loan re-payment is not dependent upon the verification status.</a:t>
-            </a:r>
-          </a:p>
-        </p:txBody>
-      </p:sp>
-      <p:pic>
-        <p:nvPicPr>
-          <p:cNvPr id="4" name="Picture 3">
-            <a:extLst>
-              <a:ext uri="{FF2B5EF4-FFF2-40B4-BE49-F238E27FC236}">
-                <a16:creationId xmlns:a16="http://schemas.microsoft.com/office/drawing/2014/main" id="{AE5B42BD-C622-DC15-424F-0D072190FAAE}"/>
+                <a16:creationId xmlns:a16="http://schemas.microsoft.com/office/drawing/2014/main" id="{CA3133A6-F02D-775F-3822-B3C04A070EFA}"/>
               </a:ext>
             </a:extLst>
           </p:cNvPr>
@@ -3733,552 +3684,20 @@
         </p:blipFill>
         <p:spPr>
           <a:xfrm>
-            <a:off x="3703183" y="697819"/>
-            <a:ext cx="7951788" cy="5431221"/>
+            <a:off x="-1" y="591362"/>
+            <a:ext cx="7243832" cy="2967417"/>
           </a:xfrm>
           <a:prstGeom prst="rect">
             <a:avLst/>
           </a:prstGeom>
         </p:spPr>
       </p:pic>
-    </p:spTree>
-    <p:extLst>
-      <p:ext uri="{BB962C8B-B14F-4D97-AF65-F5344CB8AC3E}">
-        <p14:creationId xmlns:p14="http://schemas.microsoft.com/office/powerpoint/2010/main" val="3047783324"/>
-      </p:ext>
-    </p:extLst>
-  </p:cSld>
-  <p:clrMapOvr>
-    <a:masterClrMapping/>
-  </p:clrMapOvr>
-</p:sld>
-</file>
-
-<file path=ppt/slides/slide12.xml><?xml version="1.0" encoding="utf-8"?>
-<p:sld xmlns:a="http://schemas.openxmlformats.org/drawingml/2006/main" xmlns:r="http://schemas.openxmlformats.org/officeDocument/2006/relationships" xmlns:p="http://schemas.openxmlformats.org/presentationml/2006/main">
-  <p:cSld>
-    <p:spTree>
-      <p:nvGrpSpPr>
-        <p:cNvPr id="1" name=""/>
-        <p:cNvGrpSpPr/>
-        <p:nvPr/>
-      </p:nvGrpSpPr>
-      <p:grpSpPr>
-        <a:xfrm>
-          <a:off x="0" y="0"/>
-          <a:ext cx="0" cy="0"/>
-          <a:chOff x="0" y="0"/>
-          <a:chExt cx="0" cy="0"/>
-        </a:xfrm>
-      </p:grpSpPr>
-      <p:sp>
-        <p:nvSpPr>
-          <p:cNvPr id="2" name="Title 1">
+      <p:pic>
+        <p:nvPicPr>
+          <p:cNvPr id="3" name="Picture 2" descr="A graph of blue bars&#10;&#10;Description automatically generated with medium confidence">
             <a:extLst>
               <a:ext uri="{FF2B5EF4-FFF2-40B4-BE49-F238E27FC236}">
-                <a16:creationId xmlns:a16="http://schemas.microsoft.com/office/drawing/2014/main" id="{47F8F022-54F2-EDCF-809E-B240A6DDDD3D}"/>
-              </a:ext>
-            </a:extLst>
-          </p:cNvPr>
-          <p:cNvSpPr>
-            <a:spLocks noGrp="1"/>
-          </p:cNvSpPr>
-          <p:nvPr>
-            <p:ph type="title"/>
-          </p:nvPr>
-        </p:nvSpPr>
-        <p:spPr>
-          <a:xfrm>
-            <a:off x="252919" y="2092036"/>
-            <a:ext cx="2947482" cy="3632984"/>
-          </a:xfrm>
-        </p:spPr>
-        <p:txBody>
-          <a:bodyPr>
-            <a:normAutofit fontScale="90000"/>
-          </a:bodyPr>
-          <a:lstStyle/>
-          <a:p>
-            <a:r>
-              <a:rPr lang="en-US" dirty="0"/>
-              <a:t>Loan amount &amp; Installment</a:t>
-            </a:r>
-            <a:br>
-              <a:rPr lang="en-US" dirty="0"/>
-            </a:br>
-            <a:br>
-              <a:rPr lang="en-US" dirty="0"/>
-            </a:br>
-            <a:r>
-              <a:rPr lang="en-US" sz="2200" dirty="0"/>
-              <a:t>- There is a very little difference in loan amount and installment among both fully paid and charged off loans.</a:t>
-            </a:r>
-            <a:br>
-              <a:rPr lang="en-US" sz="2200" dirty="0"/>
-            </a:br>
-            <a:br>
-              <a:rPr lang="en-US" sz="2200" dirty="0"/>
-            </a:br>
-            <a:r>
-              <a:rPr lang="en-US" sz="2200" dirty="0"/>
-              <a:t>- Funded amount and installments both seems to be little higher for charged off loans than that for fully paid loans.</a:t>
-            </a:r>
-            <a:br>
-              <a:rPr lang="en-US" dirty="0"/>
-            </a:br>
-            <a:br>
-              <a:rPr lang="en-US" dirty="0"/>
-            </a:br>
-            <a:endParaRPr lang="en-US" dirty="0"/>
-          </a:p>
-        </p:txBody>
-      </p:sp>
-      <p:pic>
-        <p:nvPicPr>
-          <p:cNvPr id="4" name="Picture 3">
-            <a:extLst>
-              <a:ext uri="{FF2B5EF4-FFF2-40B4-BE49-F238E27FC236}">
-                <a16:creationId xmlns:a16="http://schemas.microsoft.com/office/drawing/2014/main" id="{37246262-9009-046B-20F0-3F7C94823F4C}"/>
-              </a:ext>
-            </a:extLst>
-          </p:cNvPr>
-          <p:cNvPicPr>
-            <a:picLocks noChangeAspect="1"/>
-          </p:cNvPicPr>
-          <p:nvPr/>
-        </p:nvPicPr>
-        <p:blipFill>
-          <a:blip r:embed="rId2"/>
-          <a:stretch>
-            <a:fillRect/>
-          </a:stretch>
-        </p:blipFill>
-        <p:spPr>
-          <a:xfrm>
-            <a:off x="3991893" y="674035"/>
-            <a:ext cx="7111536" cy="5469284"/>
-          </a:xfrm>
-          <a:prstGeom prst="rect">
-            <a:avLst/>
-          </a:prstGeom>
-        </p:spPr>
-      </p:pic>
-    </p:spTree>
-    <p:extLst>
-      <p:ext uri="{BB962C8B-B14F-4D97-AF65-F5344CB8AC3E}">
-        <p14:creationId xmlns:p14="http://schemas.microsoft.com/office/powerpoint/2010/main" val="1932319213"/>
-      </p:ext>
-    </p:extLst>
-  </p:cSld>
-  <p:clrMapOvr>
-    <a:masterClrMapping/>
-  </p:clrMapOvr>
-</p:sld>
-</file>
-
-<file path=ppt/slides/slide13.xml><?xml version="1.0" encoding="utf-8"?>
-<p:sld xmlns:a="http://schemas.openxmlformats.org/drawingml/2006/main" xmlns:r="http://schemas.openxmlformats.org/officeDocument/2006/relationships" xmlns:p="http://schemas.openxmlformats.org/presentationml/2006/main">
-  <p:cSld>
-    <p:spTree>
-      <p:nvGrpSpPr>
-        <p:cNvPr id="1" name=""/>
-        <p:cNvGrpSpPr/>
-        <p:nvPr/>
-      </p:nvGrpSpPr>
-      <p:grpSpPr>
-        <a:xfrm>
-          <a:off x="0" y="0"/>
-          <a:ext cx="0" cy="0"/>
-          <a:chOff x="0" y="0"/>
-          <a:chExt cx="0" cy="0"/>
-        </a:xfrm>
-      </p:grpSpPr>
-      <p:sp>
-        <p:nvSpPr>
-          <p:cNvPr id="2" name="Title 1">
-            <a:extLst>
-              <a:ext uri="{FF2B5EF4-FFF2-40B4-BE49-F238E27FC236}">
-                <a16:creationId xmlns:a16="http://schemas.microsoft.com/office/drawing/2014/main" id="{A6A2A908-E607-09AD-4E45-38BF5E8B981C}"/>
-              </a:ext>
-            </a:extLst>
-          </p:cNvPr>
-          <p:cNvSpPr>
-            <a:spLocks noGrp="1"/>
-          </p:cNvSpPr>
-          <p:nvPr>
-            <p:ph type="title"/>
-          </p:nvPr>
-        </p:nvSpPr>
-        <p:spPr>
-          <a:xfrm>
-            <a:off x="110836" y="720436"/>
-            <a:ext cx="3103419" cy="5320146"/>
-          </a:xfrm>
-        </p:spPr>
-        <p:txBody>
-          <a:bodyPr>
-            <a:normAutofit/>
-          </a:bodyPr>
-          <a:lstStyle/>
-          <a:p>
-            <a:r>
-              <a:rPr lang="en-US" sz="2800" dirty="0">
-                <a:latin typeface="Arial" panose="020B0604020202020204" pitchFamily="34" charset="0"/>
-                <a:cs typeface="Arial" panose="020B0604020202020204" pitchFamily="34" charset="0"/>
-              </a:rPr>
-              <a:t>Interest rate and Term</a:t>
-            </a:r>
-            <a:br>
-              <a:rPr lang="en-US" sz="1800" dirty="0">
-                <a:latin typeface="Arial" panose="020B0604020202020204" pitchFamily="34" charset="0"/>
-                <a:cs typeface="Arial" panose="020B0604020202020204" pitchFamily="34" charset="0"/>
-              </a:rPr>
-            </a:br>
-            <a:br>
-              <a:rPr lang="en-US" sz="1800" dirty="0">
-                <a:latin typeface="Arial" panose="020B0604020202020204" pitchFamily="34" charset="0"/>
-                <a:cs typeface="Arial" panose="020B0604020202020204" pitchFamily="34" charset="0"/>
-              </a:rPr>
-            </a:br>
-            <a:br>
-              <a:rPr lang="en-US" sz="1800" dirty="0">
-                <a:latin typeface="Arial" panose="020B0604020202020204" pitchFamily="34" charset="0"/>
-                <a:cs typeface="Arial" panose="020B0604020202020204" pitchFamily="34" charset="0"/>
-              </a:rPr>
-            </a:br>
-            <a:r>
-              <a:rPr lang="en-US" sz="1800" dirty="0">
-                <a:latin typeface="Arial" panose="020B0604020202020204" pitchFamily="34" charset="0"/>
-                <a:cs typeface="Arial" panose="020B0604020202020204" pitchFamily="34" charset="0"/>
-              </a:rPr>
-              <a:t>- Loans charged off typically had higher interest rates, signaling riskier loan terms that increase the likelihood of default.</a:t>
-            </a:r>
-            <a:br>
-              <a:rPr lang="en-US" sz="1800" dirty="0">
-                <a:latin typeface="Arial" panose="020B0604020202020204" pitchFamily="34" charset="0"/>
-                <a:cs typeface="Arial" panose="020B0604020202020204" pitchFamily="34" charset="0"/>
-              </a:rPr>
-            </a:br>
-            <a:br>
-              <a:rPr lang="en-US" sz="1800" dirty="0">
-                <a:latin typeface="Arial" panose="020B0604020202020204" pitchFamily="34" charset="0"/>
-                <a:cs typeface="Arial" panose="020B0604020202020204" pitchFamily="34" charset="0"/>
-              </a:rPr>
-            </a:br>
-            <a:r>
-              <a:rPr lang="en-US" sz="1800" dirty="0">
-                <a:latin typeface="Arial" panose="020B0604020202020204" pitchFamily="34" charset="0"/>
-                <a:cs typeface="Arial" panose="020B0604020202020204" pitchFamily="34" charset="0"/>
-              </a:rPr>
-              <a:t>- A higher proportion of loans with a 3-year (36-month) term were charged off compared to those with a 5-year (60-month) term.</a:t>
-            </a:r>
-            <a:br>
-              <a:rPr lang="en-US" sz="1800" dirty="0">
-                <a:latin typeface="Arial" panose="020B0604020202020204" pitchFamily="34" charset="0"/>
-                <a:cs typeface="Arial" panose="020B0604020202020204" pitchFamily="34" charset="0"/>
-              </a:rPr>
-            </a:br>
-            <a:br>
-              <a:rPr lang="en-US" sz="1800" dirty="0">
-                <a:latin typeface="Arial" panose="020B0604020202020204" pitchFamily="34" charset="0"/>
-                <a:cs typeface="Arial" panose="020B0604020202020204" pitchFamily="34" charset="0"/>
-              </a:rPr>
-            </a:br>
-            <a:r>
-              <a:rPr lang="en-US" sz="1800" dirty="0">
-                <a:latin typeface="Arial" panose="020B0604020202020204" pitchFamily="34" charset="0"/>
-                <a:cs typeface="Arial" panose="020B0604020202020204" pitchFamily="34" charset="0"/>
-              </a:rPr>
-              <a:t>- Also, 25% of loans with 60 months term were defaulted</a:t>
-            </a:r>
-            <a:br>
-              <a:rPr lang="en-US" sz="1800" dirty="0">
-                <a:latin typeface="Arial" panose="020B0604020202020204" pitchFamily="34" charset="0"/>
-                <a:cs typeface="Arial" panose="020B0604020202020204" pitchFamily="34" charset="0"/>
-              </a:rPr>
-            </a:br>
-            <a:br>
-              <a:rPr lang="en-US" sz="1800" dirty="0">
-                <a:latin typeface="Arial" panose="020B0604020202020204" pitchFamily="34" charset="0"/>
-                <a:cs typeface="Arial" panose="020B0604020202020204" pitchFamily="34" charset="0"/>
-              </a:rPr>
-            </a:br>
-            <a:endParaRPr lang="en-US" sz="1800" dirty="0">
-              <a:latin typeface="Arial" panose="020B0604020202020204" pitchFamily="34" charset="0"/>
-              <a:cs typeface="Arial" panose="020B0604020202020204" pitchFamily="34" charset="0"/>
-            </a:endParaRPr>
-          </a:p>
-        </p:txBody>
-      </p:sp>
-      <p:pic>
-        <p:nvPicPr>
-          <p:cNvPr id="4" name="Picture 3">
-            <a:extLst>
-              <a:ext uri="{FF2B5EF4-FFF2-40B4-BE49-F238E27FC236}">
-                <a16:creationId xmlns:a16="http://schemas.microsoft.com/office/drawing/2014/main" id="{BA630B61-C356-07E1-7AB3-6D2A450EC327}"/>
-              </a:ext>
-            </a:extLst>
-          </p:cNvPr>
-          <p:cNvPicPr>
-            <a:picLocks noChangeAspect="1"/>
-          </p:cNvPicPr>
-          <p:nvPr/>
-        </p:nvPicPr>
-        <p:blipFill>
-          <a:blip r:embed="rId2"/>
-          <a:stretch>
-            <a:fillRect/>
-          </a:stretch>
-        </p:blipFill>
-        <p:spPr>
-          <a:xfrm>
-            <a:off x="4076701" y="587602"/>
-            <a:ext cx="6838042" cy="5685116"/>
-          </a:xfrm>
-          <a:prstGeom prst="rect">
-            <a:avLst/>
-          </a:prstGeom>
-        </p:spPr>
-      </p:pic>
-      <p:sp>
-        <p:nvSpPr>
-          <p:cNvPr id="5" name="TextBox 4">
-            <a:extLst>
-              <a:ext uri="{FF2B5EF4-FFF2-40B4-BE49-F238E27FC236}">
-                <a16:creationId xmlns:a16="http://schemas.microsoft.com/office/drawing/2014/main" id="{899A6BD5-141A-9043-B87C-6EA2C57F7AC2}"/>
-              </a:ext>
-            </a:extLst>
-          </p:cNvPr>
-          <p:cNvSpPr txBox="1"/>
-          <p:nvPr/>
-        </p:nvSpPr>
-        <p:spPr>
-          <a:xfrm>
-            <a:off x="3519055" y="235527"/>
-            <a:ext cx="4502727" cy="461665"/>
-          </a:xfrm>
-          <a:prstGeom prst="rect">
-            <a:avLst/>
-          </a:prstGeom>
-          <a:noFill/>
-        </p:spPr>
-        <p:txBody>
-          <a:bodyPr wrap="square" rtlCol="0">
-            <a:spAutoFit/>
-          </a:bodyPr>
-          <a:lstStyle/>
-          <a:p>
-            <a:pPr algn="ctr"/>
-            <a:r>
-              <a:rPr lang="en-US" sz="2400" b="1" dirty="0">
-                <a:solidFill>
-                  <a:schemeClr val="accent1"/>
-                </a:solidFill>
-              </a:rPr>
-              <a:t>Interest rate &amp; Term</a:t>
-            </a:r>
-          </a:p>
-        </p:txBody>
-      </p:sp>
-    </p:spTree>
-    <p:extLst>
-      <p:ext uri="{BB962C8B-B14F-4D97-AF65-F5344CB8AC3E}">
-        <p14:creationId xmlns:p14="http://schemas.microsoft.com/office/powerpoint/2010/main" val="2246654679"/>
-      </p:ext>
-    </p:extLst>
-  </p:cSld>
-  <p:clrMapOvr>
-    <a:masterClrMapping/>
-  </p:clrMapOvr>
-</p:sld>
-</file>
-
-<file path=ppt/slides/slide14.xml><?xml version="1.0" encoding="utf-8"?>
-<p:sld xmlns:a="http://schemas.openxmlformats.org/drawingml/2006/main" xmlns:r="http://schemas.openxmlformats.org/officeDocument/2006/relationships" xmlns:p="http://schemas.openxmlformats.org/presentationml/2006/main">
-  <p:cSld>
-    <p:spTree>
-      <p:nvGrpSpPr>
-        <p:cNvPr id="1" name=""/>
-        <p:cNvGrpSpPr/>
-        <p:nvPr/>
-      </p:nvGrpSpPr>
-      <p:grpSpPr>
-        <a:xfrm>
-          <a:off x="0" y="0"/>
-          <a:ext cx="0" cy="0"/>
-          <a:chOff x="0" y="0"/>
-          <a:chExt cx="0" cy="0"/>
-        </a:xfrm>
-      </p:grpSpPr>
-      <p:sp>
-        <p:nvSpPr>
-          <p:cNvPr id="2" name="Title 1">
-            <a:extLst>
-              <a:ext uri="{FF2B5EF4-FFF2-40B4-BE49-F238E27FC236}">
-                <a16:creationId xmlns:a16="http://schemas.microsoft.com/office/drawing/2014/main" id="{A6A2A908-E607-09AD-4E45-38BF5E8B981C}"/>
-              </a:ext>
-            </a:extLst>
-          </p:cNvPr>
-          <p:cNvSpPr>
-            <a:spLocks noGrp="1"/>
-          </p:cNvSpPr>
-          <p:nvPr>
-            <p:ph type="title"/>
-          </p:nvPr>
-        </p:nvSpPr>
-        <p:spPr>
-          <a:xfrm>
-            <a:off x="110836" y="720436"/>
-            <a:ext cx="3103419" cy="5320146"/>
-          </a:xfrm>
-        </p:spPr>
-        <p:txBody>
-          <a:bodyPr>
-            <a:normAutofit/>
-          </a:bodyPr>
-          <a:lstStyle/>
-          <a:p>
-            <a:r>
-              <a:rPr lang="en-US" sz="2800" dirty="0">
-                <a:latin typeface="Arial" panose="020B0604020202020204" pitchFamily="34" charset="0"/>
-                <a:cs typeface="Arial" panose="020B0604020202020204" pitchFamily="34" charset="0"/>
-              </a:rPr>
-              <a:t>Distribution of Loans by late fees</a:t>
-            </a:r>
-            <a:br>
-              <a:rPr lang="en-US" sz="1800" dirty="0">
-                <a:latin typeface="Arial" panose="020B0604020202020204" pitchFamily="34" charset="0"/>
-                <a:cs typeface="Arial" panose="020B0604020202020204" pitchFamily="34" charset="0"/>
-              </a:rPr>
-            </a:br>
-            <a:br>
-              <a:rPr lang="en-US" sz="1800" dirty="0">
-                <a:latin typeface="Arial" panose="020B0604020202020204" pitchFamily="34" charset="0"/>
-                <a:cs typeface="Arial" panose="020B0604020202020204" pitchFamily="34" charset="0"/>
-              </a:rPr>
-            </a:br>
-            <a:br>
-              <a:rPr lang="en-US" sz="1800" dirty="0">
-                <a:latin typeface="Arial" panose="020B0604020202020204" pitchFamily="34" charset="0"/>
-                <a:cs typeface="Arial" panose="020B0604020202020204" pitchFamily="34" charset="0"/>
-              </a:rPr>
-            </a:br>
-            <a:r>
-              <a:rPr lang="en-US" sz="1800" dirty="0">
-                <a:latin typeface="Arial" panose="020B0604020202020204" pitchFamily="34" charset="0"/>
-                <a:cs typeface="Arial" panose="020B0604020202020204" pitchFamily="34" charset="0"/>
-              </a:rPr>
-              <a:t>- Among the 1995 customers  who paid late fees, 863  of them defaulted.</a:t>
-            </a:r>
-            <a:br>
-              <a:rPr lang="en-US" sz="1050" dirty="0">
-                <a:latin typeface="Arial" panose="020B0604020202020204" pitchFamily="34" charset="0"/>
-                <a:cs typeface="Arial" panose="020B0604020202020204" pitchFamily="34" charset="0"/>
-              </a:rPr>
-            </a:br>
-            <a:br>
-              <a:rPr lang="en-US" sz="1800" dirty="0">
-                <a:latin typeface="Arial" panose="020B0604020202020204" pitchFamily="34" charset="0"/>
-                <a:cs typeface="Arial" panose="020B0604020202020204" pitchFamily="34" charset="0"/>
-              </a:rPr>
-            </a:br>
-            <a:r>
-              <a:rPr lang="en-US" sz="1800" dirty="0">
-                <a:latin typeface="Arial" panose="020B0604020202020204" pitchFamily="34" charset="0"/>
-                <a:cs typeface="Arial" panose="020B0604020202020204" pitchFamily="34" charset="0"/>
-              </a:rPr>
-              <a:t>- </a:t>
-            </a:r>
-            <a:r>
-              <a:rPr lang="en-US" sz="1800" dirty="0"/>
-              <a:t>Hence it can be concluded that , people with history of late fee payment will have 43% chance of becoming a defaulter.</a:t>
-            </a:r>
-            <a:br>
-              <a:rPr lang="en-US" sz="1800" dirty="0"/>
-            </a:br>
-            <a:endParaRPr lang="en-US" sz="1800" dirty="0">
-              <a:latin typeface="Arial" panose="020B0604020202020204" pitchFamily="34" charset="0"/>
-              <a:cs typeface="Arial" panose="020B0604020202020204" pitchFamily="34" charset="0"/>
-            </a:endParaRPr>
-          </a:p>
-        </p:txBody>
-      </p:sp>
-      <p:sp>
-        <p:nvSpPr>
-          <p:cNvPr id="5" name="TextBox 4">
-            <a:extLst>
-              <a:ext uri="{FF2B5EF4-FFF2-40B4-BE49-F238E27FC236}">
-                <a16:creationId xmlns:a16="http://schemas.microsoft.com/office/drawing/2014/main" id="{899A6BD5-141A-9043-B87C-6EA2C57F7AC2}"/>
-              </a:ext>
-            </a:extLst>
-          </p:cNvPr>
-          <p:cNvSpPr txBox="1"/>
-          <p:nvPr/>
-        </p:nvSpPr>
-        <p:spPr>
-          <a:xfrm>
-            <a:off x="3519055" y="235527"/>
-            <a:ext cx="6710795" cy="461665"/>
-          </a:xfrm>
-          <a:prstGeom prst="rect">
-            <a:avLst/>
-          </a:prstGeom>
-          <a:noFill/>
-        </p:spPr>
-        <p:txBody>
-          <a:bodyPr wrap="square" rtlCol="0">
-            <a:spAutoFit/>
-          </a:bodyPr>
-          <a:lstStyle/>
-          <a:p>
-            <a:pPr algn="ctr"/>
-            <a:r>
-              <a:rPr lang="en-US" sz="2400" b="1" dirty="0">
-                <a:solidFill>
-                  <a:schemeClr val="accent1"/>
-                </a:solidFill>
-              </a:rPr>
-              <a:t>Analyzing late fees factor against defaulters</a:t>
-            </a:r>
-          </a:p>
-        </p:txBody>
-      </p:sp>
-      <p:pic>
-        <p:nvPicPr>
-          <p:cNvPr id="3" name="Picture 2">
-            <a:extLst>
-              <a:ext uri="{FF2B5EF4-FFF2-40B4-BE49-F238E27FC236}">
-                <a16:creationId xmlns:a16="http://schemas.microsoft.com/office/drawing/2014/main" id="{403EE928-9E39-BB9A-6B14-0CC88A5274B9}"/>
-              </a:ext>
-            </a:extLst>
-          </p:cNvPr>
-          <p:cNvPicPr>
-            <a:picLocks noChangeAspect="1"/>
-          </p:cNvPicPr>
-          <p:nvPr/>
-        </p:nvPicPr>
-        <p:blipFill>
-          <a:blip r:embed="rId2"/>
-          <a:stretch>
-            <a:fillRect/>
-          </a:stretch>
-        </p:blipFill>
-        <p:spPr>
-          <a:xfrm>
-            <a:off x="4154371" y="720436"/>
-            <a:ext cx="6075479" cy="2805084"/>
-          </a:xfrm>
-          <a:prstGeom prst="rect">
-            <a:avLst/>
-          </a:prstGeom>
-        </p:spPr>
-      </p:pic>
-      <p:pic>
-        <p:nvPicPr>
-          <p:cNvPr id="6" name="Picture 5">
-            <a:extLst>
-              <a:ext uri="{FF2B5EF4-FFF2-40B4-BE49-F238E27FC236}">
-                <a16:creationId xmlns:a16="http://schemas.microsoft.com/office/drawing/2014/main" id="{9ECD0581-A702-D4D6-999E-E032577EF95C}"/>
+                <a16:creationId xmlns:a16="http://schemas.microsoft.com/office/drawing/2014/main" id="{B06386F1-B9E5-04AB-7F98-25795FC020DB}"/>
               </a:ext>
             </a:extLst>
           </p:cNvPr>
@@ -4295,18 +3714,103 @@
         </p:blipFill>
         <p:spPr>
           <a:xfrm>
-            <a:off x="4154371" y="3633603"/>
-            <a:ext cx="6819469" cy="2805084"/>
+            <a:off x="3372677" y="3763045"/>
+            <a:ext cx="8569023" cy="2967418"/>
           </a:xfrm>
           <a:prstGeom prst="rect">
             <a:avLst/>
           </a:prstGeom>
         </p:spPr>
       </p:pic>
+      <p:sp>
+        <p:nvSpPr>
+          <p:cNvPr id="5" name="TextBox 4">
+            <a:extLst>
+              <a:ext uri="{FF2B5EF4-FFF2-40B4-BE49-F238E27FC236}">
+                <a16:creationId xmlns:a16="http://schemas.microsoft.com/office/drawing/2014/main" id="{BCD54DE0-844E-E3E1-3D3D-4B58278CA9CB}"/>
+              </a:ext>
+            </a:extLst>
+          </p:cNvPr>
+          <p:cNvSpPr txBox="1"/>
+          <p:nvPr/>
+        </p:nvSpPr>
+        <p:spPr>
+          <a:xfrm>
+            <a:off x="2782956" y="191252"/>
+            <a:ext cx="6626087" cy="400110"/>
+          </a:xfrm>
+          <a:prstGeom prst="rect">
+            <a:avLst/>
+          </a:prstGeom>
+          <a:noFill/>
+        </p:spPr>
+        <p:txBody>
+          <a:bodyPr wrap="square" rtlCol="0">
+            <a:spAutoFit/>
+          </a:bodyPr>
+          <a:lstStyle/>
+          <a:p>
+            <a:pPr algn="ctr"/>
+            <a:r>
+              <a:rPr lang="en-US" sz="2000" b="1" dirty="0">
+                <a:solidFill>
+                  <a:schemeClr val="accent1"/>
+                </a:solidFill>
+                <a:latin typeface="Arial" panose="020B0604020202020204" pitchFamily="34" charset="0"/>
+                <a:cs typeface="Arial" panose="020B0604020202020204" pitchFamily="34" charset="0"/>
+              </a:rPr>
+              <a:t>Analyzing employment length for charged off loans</a:t>
+            </a:r>
+          </a:p>
+        </p:txBody>
+      </p:sp>
+      <p:sp>
+        <p:nvSpPr>
+          <p:cNvPr id="6" name="TextBox 5">
+            <a:extLst>
+              <a:ext uri="{FF2B5EF4-FFF2-40B4-BE49-F238E27FC236}">
+                <a16:creationId xmlns:a16="http://schemas.microsoft.com/office/drawing/2014/main" id="{EF35F461-9DC1-7CF7-A604-649E40A623B4}"/>
+              </a:ext>
+            </a:extLst>
+          </p:cNvPr>
+          <p:cNvSpPr txBox="1"/>
+          <p:nvPr/>
+        </p:nvSpPr>
+        <p:spPr>
+          <a:xfrm>
+            <a:off x="481150" y="4489126"/>
+            <a:ext cx="3140765" cy="1200329"/>
+          </a:xfrm>
+          <a:prstGeom prst="rect">
+            <a:avLst/>
+          </a:prstGeom>
+          <a:noFill/>
+        </p:spPr>
+        <p:txBody>
+          <a:bodyPr wrap="square" rtlCol="0">
+            <a:spAutoFit/>
+          </a:bodyPr>
+          <a:lstStyle/>
+          <a:p>
+            <a:pPr marL="285750" indent="-285750">
+              <a:buFont typeface="Arial" panose="020B0604020202020204" pitchFamily="34" charset="0"/>
+              <a:buChar char="•"/>
+            </a:pPr>
+            <a:r>
+              <a:rPr lang="en-US" sz="1800" dirty="0">
+                <a:latin typeface="Arial" panose="020B0604020202020204" pitchFamily="34" charset="0"/>
+                <a:cs typeface="Arial" panose="020B0604020202020204" pitchFamily="34" charset="0"/>
+              </a:rPr>
+              <a:t>Majority of charged off loans belonged to clients having 10+ years of experience .</a:t>
+            </a:r>
+            <a:endParaRPr lang="en-US" dirty="0"/>
+          </a:p>
+        </p:txBody>
+      </p:sp>
     </p:spTree>
     <p:extLst>
       <p:ext uri="{BB962C8B-B14F-4D97-AF65-F5344CB8AC3E}">
-        <p14:creationId xmlns:p14="http://schemas.microsoft.com/office/powerpoint/2010/main" val="2002316589"/>
+        <p14:creationId xmlns:p14="http://schemas.microsoft.com/office/powerpoint/2010/main" val="2080783351"/>
       </p:ext>
     </p:extLst>
   </p:cSld>
@@ -4316,1338 +3820,7 @@
 </p:sld>
 </file>
 
-<file path=ppt/slides/slide15.xml><?xml version="1.0" encoding="utf-8"?>
-<p:sld xmlns:a="http://schemas.openxmlformats.org/drawingml/2006/main" xmlns:r="http://schemas.openxmlformats.org/officeDocument/2006/relationships" xmlns:p="http://schemas.openxmlformats.org/presentationml/2006/main">
-  <p:cSld>
-    <p:spTree>
-      <p:nvGrpSpPr>
-        <p:cNvPr id="1" name=""/>
-        <p:cNvGrpSpPr/>
-        <p:nvPr/>
-      </p:nvGrpSpPr>
-      <p:grpSpPr>
-        <a:xfrm>
-          <a:off x="0" y="0"/>
-          <a:ext cx="0" cy="0"/>
-          <a:chOff x="0" y="0"/>
-          <a:chExt cx="0" cy="0"/>
-        </a:xfrm>
-      </p:grpSpPr>
-      <p:sp>
-        <p:nvSpPr>
-          <p:cNvPr id="2" name="Title 1">
-            <a:extLst>
-              <a:ext uri="{FF2B5EF4-FFF2-40B4-BE49-F238E27FC236}">
-                <a16:creationId xmlns:a16="http://schemas.microsoft.com/office/drawing/2014/main" id="{700EF38B-8651-3146-E68C-557BF757C4CC}"/>
-              </a:ext>
-            </a:extLst>
-          </p:cNvPr>
-          <p:cNvSpPr>
-            <a:spLocks noGrp="1"/>
-          </p:cNvSpPr>
-          <p:nvPr>
-            <p:ph type="title"/>
-          </p:nvPr>
-        </p:nvSpPr>
-        <p:spPr>
-          <a:xfrm>
-            <a:off x="252919" y="843153"/>
-            <a:ext cx="2947482" cy="4881867"/>
-          </a:xfrm>
-        </p:spPr>
-        <p:txBody>
-          <a:bodyPr>
-            <a:normAutofit fontScale="90000"/>
-          </a:bodyPr>
-          <a:lstStyle/>
-          <a:p>
-            <a:r>
-              <a:rPr lang="en-US" sz="2600" dirty="0">
-                <a:latin typeface="Arial" panose="020B0604020202020204" pitchFamily="34" charset="0"/>
-                <a:cs typeface="Arial" panose="020B0604020202020204" pitchFamily="34" charset="0"/>
-              </a:rPr>
-              <a:t>Analyzing employment length for charged off loans</a:t>
-            </a:r>
-            <a:br>
-              <a:rPr lang="en-US" sz="2600" dirty="0">
-                <a:latin typeface="Arial" panose="020B0604020202020204" pitchFamily="34" charset="0"/>
-                <a:cs typeface="Arial" panose="020B0604020202020204" pitchFamily="34" charset="0"/>
-              </a:rPr>
-            </a:br>
-            <a:br>
-              <a:rPr lang="en-US" dirty="0">
-                <a:latin typeface="Arial" panose="020B0604020202020204" pitchFamily="34" charset="0"/>
-                <a:cs typeface="Arial" panose="020B0604020202020204" pitchFamily="34" charset="0"/>
-              </a:rPr>
-            </a:br>
-            <a:r>
-              <a:rPr lang="en-US" sz="2000" dirty="0">
-                <a:latin typeface="Arial" panose="020B0604020202020204" pitchFamily="34" charset="0"/>
-                <a:cs typeface="Arial" panose="020B0604020202020204" pitchFamily="34" charset="0"/>
-              </a:rPr>
-              <a:t>- Majority of charged off loans belonged to clients having 10+ years of experience .</a:t>
-            </a:r>
-            <a:br>
-              <a:rPr lang="en-US" sz="2000" dirty="0">
-                <a:latin typeface="Arial" panose="020B0604020202020204" pitchFamily="34" charset="0"/>
-                <a:cs typeface="Arial" panose="020B0604020202020204" pitchFamily="34" charset="0"/>
-              </a:rPr>
-            </a:br>
-            <a:br>
-              <a:rPr lang="en-US" sz="2000" dirty="0">
-                <a:latin typeface="Arial" panose="020B0604020202020204" pitchFamily="34" charset="0"/>
-                <a:cs typeface="Arial" panose="020B0604020202020204" pitchFamily="34" charset="0"/>
-              </a:rPr>
-            </a:br>
-            <a:r>
-              <a:rPr lang="en-US" sz="2000" dirty="0">
-                <a:latin typeface="Arial" panose="020B0604020202020204" pitchFamily="34" charset="0"/>
-                <a:cs typeface="Arial" panose="020B0604020202020204" pitchFamily="34" charset="0"/>
-              </a:rPr>
-              <a:t>However, percentage of loans defaulted by each employment length group is around 15% . So, nothing can be derived w.r.t employment length.</a:t>
-            </a:r>
-          </a:p>
-        </p:txBody>
-      </p:sp>
-      <p:pic>
-        <p:nvPicPr>
-          <p:cNvPr id="4" name="Picture 3">
-            <a:extLst>
-              <a:ext uri="{FF2B5EF4-FFF2-40B4-BE49-F238E27FC236}">
-                <a16:creationId xmlns:a16="http://schemas.microsoft.com/office/drawing/2014/main" id="{51452089-D412-D5AC-5608-CB1A6F1AD9C2}"/>
-              </a:ext>
-            </a:extLst>
-          </p:cNvPr>
-          <p:cNvPicPr>
-            <a:picLocks noChangeAspect="1"/>
-          </p:cNvPicPr>
-          <p:nvPr/>
-        </p:nvPicPr>
-        <p:blipFill>
-          <a:blip r:embed="rId2"/>
-          <a:stretch>
-            <a:fillRect/>
-          </a:stretch>
-        </p:blipFill>
-        <p:spPr>
-          <a:xfrm>
-            <a:off x="3673475" y="843153"/>
-            <a:ext cx="8032999" cy="3290697"/>
-          </a:xfrm>
-          <a:prstGeom prst="rect">
-            <a:avLst/>
-          </a:prstGeom>
-        </p:spPr>
-      </p:pic>
-      <p:pic>
-        <p:nvPicPr>
-          <p:cNvPr id="5" name="Picture 4" descr="A graph of blue bars&#10;&#10;Description automatically generated with medium confidence">
-            <a:extLst>
-              <a:ext uri="{FF2B5EF4-FFF2-40B4-BE49-F238E27FC236}">
-                <a16:creationId xmlns:a16="http://schemas.microsoft.com/office/drawing/2014/main" id="{AE1A40AF-0719-B4CB-D0D6-B70426E8160D}"/>
-              </a:ext>
-            </a:extLst>
-          </p:cNvPr>
-          <p:cNvPicPr>
-            <a:picLocks noChangeAspect="1"/>
-          </p:cNvPicPr>
-          <p:nvPr/>
-        </p:nvPicPr>
-        <p:blipFill>
-          <a:blip r:embed="rId3"/>
-          <a:stretch>
-            <a:fillRect/>
-          </a:stretch>
-        </p:blipFill>
-        <p:spPr>
-          <a:xfrm>
-            <a:off x="3768974" y="4133850"/>
-            <a:ext cx="8032999" cy="2781795"/>
-          </a:xfrm>
-          <a:prstGeom prst="rect">
-            <a:avLst/>
-          </a:prstGeom>
-        </p:spPr>
-      </p:pic>
-    </p:spTree>
-    <p:extLst>
-      <p:ext uri="{BB962C8B-B14F-4D97-AF65-F5344CB8AC3E}">
-        <p14:creationId xmlns:p14="http://schemas.microsoft.com/office/powerpoint/2010/main" val="1103822369"/>
-      </p:ext>
-    </p:extLst>
-  </p:cSld>
-  <p:clrMapOvr>
-    <a:masterClrMapping/>
-  </p:clrMapOvr>
-</p:sld>
-</file>
-
-<file path=ppt/slides/slide16.xml><?xml version="1.0" encoding="utf-8"?>
-<p:sld xmlns:a="http://schemas.openxmlformats.org/drawingml/2006/main" xmlns:r="http://schemas.openxmlformats.org/officeDocument/2006/relationships" xmlns:p="http://schemas.openxmlformats.org/presentationml/2006/main">
-  <p:cSld>
-    <p:spTree>
-      <p:nvGrpSpPr>
-        <p:cNvPr id="1" name=""/>
-        <p:cNvGrpSpPr/>
-        <p:nvPr/>
-      </p:nvGrpSpPr>
-      <p:grpSpPr>
-        <a:xfrm>
-          <a:off x="0" y="0"/>
-          <a:ext cx="0" cy="0"/>
-          <a:chOff x="0" y="0"/>
-          <a:chExt cx="0" cy="0"/>
-        </a:xfrm>
-      </p:grpSpPr>
-      <p:sp>
-        <p:nvSpPr>
-          <p:cNvPr id="2" name="Title 1">
-            <a:extLst>
-              <a:ext uri="{FF2B5EF4-FFF2-40B4-BE49-F238E27FC236}">
-                <a16:creationId xmlns:a16="http://schemas.microsoft.com/office/drawing/2014/main" id="{9CC1BD52-8B6A-14D6-C350-4854DA773BCE}"/>
-              </a:ext>
-            </a:extLst>
-          </p:cNvPr>
-          <p:cNvSpPr>
-            <a:spLocks noGrp="1"/>
-          </p:cNvSpPr>
-          <p:nvPr>
-            <p:ph type="title"/>
-          </p:nvPr>
-        </p:nvSpPr>
-        <p:spPr>
-          <a:xfrm>
-            <a:off x="252919" y="655629"/>
-            <a:ext cx="2947482" cy="5069391"/>
-          </a:xfrm>
-        </p:spPr>
-        <p:txBody>
-          <a:bodyPr>
-            <a:normAutofit/>
-          </a:bodyPr>
-          <a:lstStyle/>
-          <a:p>
-            <a:r>
-              <a:rPr lang="en-US" sz="2800" dirty="0">
-                <a:latin typeface="Arial" panose="020B0604020202020204" pitchFamily="34" charset="0"/>
-                <a:cs typeface="Arial" panose="020B0604020202020204" pitchFamily="34" charset="0"/>
-              </a:rPr>
-              <a:t>Analyzing public recorded bankruptcies for charged off loans</a:t>
-            </a:r>
-            <a:br>
-              <a:rPr lang="en-US" sz="2800" dirty="0">
-                <a:latin typeface="Arial" panose="020B0604020202020204" pitchFamily="34" charset="0"/>
-                <a:cs typeface="Arial" panose="020B0604020202020204" pitchFamily="34" charset="0"/>
-              </a:rPr>
-            </a:br>
-            <a:br>
-              <a:rPr lang="en-US" sz="2800" dirty="0">
-                <a:latin typeface="Arial" panose="020B0604020202020204" pitchFamily="34" charset="0"/>
-                <a:cs typeface="Arial" panose="020B0604020202020204" pitchFamily="34" charset="0"/>
-              </a:rPr>
-            </a:br>
-            <a:r>
-              <a:rPr lang="en-US" sz="1800" dirty="0">
-                <a:latin typeface="Arial" panose="020B0604020202020204" pitchFamily="34" charset="0"/>
-                <a:cs typeface="Arial" panose="020B0604020202020204" pitchFamily="34" charset="0"/>
-              </a:rPr>
-              <a:t>1274 customers had record of bankruptcies and 368 among them defaulted.</a:t>
-            </a:r>
-            <a:br>
-              <a:rPr lang="en-US" sz="1800" dirty="0">
-                <a:latin typeface="Arial" panose="020B0604020202020204" pitchFamily="34" charset="0"/>
-                <a:cs typeface="Arial" panose="020B0604020202020204" pitchFamily="34" charset="0"/>
-              </a:rPr>
-            </a:br>
-            <a:br>
-              <a:rPr lang="en-US" sz="1800" dirty="0">
-                <a:latin typeface="Arial" panose="020B0604020202020204" pitchFamily="34" charset="0"/>
-                <a:cs typeface="Arial" panose="020B0604020202020204" pitchFamily="34" charset="0"/>
-              </a:rPr>
-            </a:br>
-            <a:r>
-              <a:rPr lang="en-US" sz="1800" dirty="0">
-                <a:latin typeface="Arial" panose="020B0604020202020204" pitchFamily="34" charset="0"/>
-                <a:cs typeface="Arial" panose="020B0604020202020204" pitchFamily="34" charset="0"/>
-              </a:rPr>
-              <a:t>28% customers with public record of bankruptcies have defaulted.</a:t>
-            </a:r>
-            <a:br>
-              <a:rPr lang="en-US" dirty="0">
-                <a:latin typeface="Arial" panose="020B0604020202020204" pitchFamily="34" charset="0"/>
-                <a:cs typeface="Arial" panose="020B0604020202020204" pitchFamily="34" charset="0"/>
-              </a:rPr>
-            </a:br>
-            <a:endParaRPr lang="en-US" sz="2000" dirty="0">
-              <a:latin typeface="Arial" panose="020B0604020202020204" pitchFamily="34" charset="0"/>
-              <a:cs typeface="Arial" panose="020B0604020202020204" pitchFamily="34" charset="0"/>
-            </a:endParaRPr>
-          </a:p>
-        </p:txBody>
-      </p:sp>
-      <p:pic>
-        <p:nvPicPr>
-          <p:cNvPr id="6" name="Picture 5" descr="A white and orange rectangular object with a white background&#10;&#10;Description automatically generated with medium confidence">
-            <a:extLst>
-              <a:ext uri="{FF2B5EF4-FFF2-40B4-BE49-F238E27FC236}">
-                <a16:creationId xmlns:a16="http://schemas.microsoft.com/office/drawing/2014/main" id="{DECDD83F-B861-F1C1-5CA1-50082CA9B1E5}"/>
-              </a:ext>
-            </a:extLst>
-          </p:cNvPr>
-          <p:cNvPicPr>
-            <a:picLocks noChangeAspect="1"/>
-          </p:cNvPicPr>
-          <p:nvPr/>
-        </p:nvPicPr>
-        <p:blipFill>
-          <a:blip r:embed="rId2"/>
-          <a:stretch>
-            <a:fillRect/>
-          </a:stretch>
-        </p:blipFill>
-        <p:spPr>
-          <a:xfrm>
-            <a:off x="3698240" y="655629"/>
-            <a:ext cx="7355840" cy="2951171"/>
-          </a:xfrm>
-          <a:prstGeom prst="rect">
-            <a:avLst/>
-          </a:prstGeom>
-        </p:spPr>
-      </p:pic>
-      <p:pic>
-        <p:nvPicPr>
-          <p:cNvPr id="8" name="Picture 7" descr="A graph with blue squares&#10;&#10;Description automatically generated">
-            <a:extLst>
-              <a:ext uri="{FF2B5EF4-FFF2-40B4-BE49-F238E27FC236}">
-                <a16:creationId xmlns:a16="http://schemas.microsoft.com/office/drawing/2014/main" id="{3D5F75AD-2DCD-DB68-43E4-96B0BF453DE9}"/>
-              </a:ext>
-            </a:extLst>
-          </p:cNvPr>
-          <p:cNvPicPr>
-            <a:picLocks noChangeAspect="1"/>
-          </p:cNvPicPr>
-          <p:nvPr/>
-        </p:nvPicPr>
-        <p:blipFill>
-          <a:blip r:embed="rId3"/>
-          <a:stretch>
-            <a:fillRect/>
-          </a:stretch>
-        </p:blipFill>
-        <p:spPr>
-          <a:xfrm>
-            <a:off x="3698240" y="3688080"/>
-            <a:ext cx="7355840" cy="3169920"/>
-          </a:xfrm>
-          <a:prstGeom prst="rect">
-            <a:avLst/>
-          </a:prstGeom>
-        </p:spPr>
-      </p:pic>
-    </p:spTree>
-    <p:extLst>
-      <p:ext uri="{BB962C8B-B14F-4D97-AF65-F5344CB8AC3E}">
-        <p14:creationId xmlns:p14="http://schemas.microsoft.com/office/powerpoint/2010/main" val="251617859"/>
-      </p:ext>
-    </p:extLst>
-  </p:cSld>
-  <p:clrMapOvr>
-    <a:masterClrMapping/>
-  </p:clrMapOvr>
-</p:sld>
-</file>
-
-<file path=ppt/slides/slide17.xml><?xml version="1.0" encoding="utf-8"?>
-<p:sld xmlns:a="http://schemas.openxmlformats.org/drawingml/2006/main" xmlns:r="http://schemas.openxmlformats.org/officeDocument/2006/relationships" xmlns:p="http://schemas.openxmlformats.org/presentationml/2006/main">
-  <p:cSld>
-    <p:spTree>
-      <p:nvGrpSpPr>
-        <p:cNvPr id="1" name=""/>
-        <p:cNvGrpSpPr/>
-        <p:nvPr/>
-      </p:nvGrpSpPr>
-      <p:grpSpPr>
-        <a:xfrm>
-          <a:off x="0" y="0"/>
-          <a:ext cx="0" cy="0"/>
-          <a:chOff x="0" y="0"/>
-          <a:chExt cx="0" cy="0"/>
-        </a:xfrm>
-      </p:grpSpPr>
-      <p:sp>
-        <p:nvSpPr>
-          <p:cNvPr id="2" name="Title 1">
-            <a:extLst>
-              <a:ext uri="{FF2B5EF4-FFF2-40B4-BE49-F238E27FC236}">
-                <a16:creationId xmlns:a16="http://schemas.microsoft.com/office/drawing/2014/main" id="{9CC1BD52-8B6A-14D6-C350-4854DA773BCE}"/>
-              </a:ext>
-            </a:extLst>
-          </p:cNvPr>
-          <p:cNvSpPr>
-            <a:spLocks noGrp="1"/>
-          </p:cNvSpPr>
-          <p:nvPr>
-            <p:ph type="title"/>
-          </p:nvPr>
-        </p:nvSpPr>
-        <p:spPr>
-          <a:xfrm>
-            <a:off x="252919" y="655629"/>
-            <a:ext cx="2947482" cy="5069391"/>
-          </a:xfrm>
-        </p:spPr>
-        <p:txBody>
-          <a:bodyPr>
-            <a:normAutofit/>
-          </a:bodyPr>
-          <a:lstStyle/>
-          <a:p>
-            <a:br>
-              <a:rPr lang="en-US" dirty="0">
-                <a:latin typeface="Arial" panose="020B0604020202020204" pitchFamily="34" charset="0"/>
-                <a:cs typeface="Arial" panose="020B0604020202020204" pitchFamily="34" charset="0"/>
-              </a:rPr>
-            </a:br>
-            <a:r>
-              <a:rPr lang="en-US" sz="2000" b="1" dirty="0">
-                <a:latin typeface="Arial" panose="020B0604020202020204" pitchFamily="34" charset="0"/>
-                <a:cs typeface="Arial" panose="020B0604020202020204" pitchFamily="34" charset="0"/>
-              </a:rPr>
-              <a:t>Analyzing Charged off loans and Fully paid loans in each state </a:t>
-            </a:r>
-            <a:br>
-              <a:rPr lang="en-US" sz="2000" b="1" dirty="0">
-                <a:latin typeface="Arial" panose="020B0604020202020204" pitchFamily="34" charset="0"/>
-                <a:cs typeface="Arial" panose="020B0604020202020204" pitchFamily="34" charset="0"/>
-              </a:rPr>
-            </a:br>
-            <a:br>
-              <a:rPr lang="en-US" sz="2000" dirty="0">
-                <a:latin typeface="Arial" panose="020B0604020202020204" pitchFamily="34" charset="0"/>
-                <a:cs typeface="Arial" panose="020B0604020202020204" pitchFamily="34" charset="0"/>
-              </a:rPr>
-            </a:br>
-            <a:r>
-              <a:rPr lang="en-US" sz="1600" dirty="0">
-                <a:latin typeface="Arial" panose="020B0604020202020204" pitchFamily="34" charset="0"/>
-                <a:cs typeface="Arial" panose="020B0604020202020204" pitchFamily="34" charset="0"/>
-              </a:rPr>
-              <a:t>Higher number of defaulted loans belonged to states CA,FL and NY likely due to economic factors.</a:t>
-            </a:r>
-            <a:br>
-              <a:rPr lang="en-US" sz="1600" dirty="0">
-                <a:latin typeface="Arial" panose="020B0604020202020204" pitchFamily="34" charset="0"/>
-                <a:cs typeface="Arial" panose="020B0604020202020204" pitchFamily="34" charset="0"/>
-              </a:rPr>
-            </a:br>
-            <a:br>
-              <a:rPr lang="en-US" sz="1600" dirty="0">
-                <a:latin typeface="Arial" panose="020B0604020202020204" pitchFamily="34" charset="0"/>
-                <a:cs typeface="Arial" panose="020B0604020202020204" pitchFamily="34" charset="0"/>
-              </a:rPr>
-            </a:br>
-            <a:r>
-              <a:rPr lang="en-US" sz="1600" dirty="0">
-                <a:latin typeface="Arial" panose="020B0604020202020204" pitchFamily="34" charset="0"/>
-                <a:cs typeface="Arial" panose="020B0604020202020204" pitchFamily="34" charset="0"/>
-              </a:rPr>
-              <a:t>Conversely, states with no defaulters such as AK, DC, DE, MT, SD, VT, and WY, though having fewer loans, demonstrate stronger repayment behavior</a:t>
-            </a:r>
-            <a:br>
-              <a:rPr lang="en-US" sz="1600" dirty="0">
-                <a:latin typeface="Arial" panose="020B0604020202020204" pitchFamily="34" charset="0"/>
-                <a:cs typeface="Arial" panose="020B0604020202020204" pitchFamily="34" charset="0"/>
-              </a:rPr>
-            </a:br>
-            <a:br>
-              <a:rPr lang="en-US" sz="1600" dirty="0">
-                <a:latin typeface="Arial" panose="020B0604020202020204" pitchFamily="34" charset="0"/>
-                <a:cs typeface="Arial" panose="020B0604020202020204" pitchFamily="34" charset="0"/>
-              </a:rPr>
-            </a:br>
-            <a:r>
-              <a:rPr lang="en-US" sz="1600" dirty="0">
-                <a:latin typeface="Arial" panose="020B0604020202020204" pitchFamily="34" charset="0"/>
-                <a:cs typeface="Arial" panose="020B0604020202020204" pitchFamily="34" charset="0"/>
-              </a:rPr>
-              <a:t>These insights highlight the importance of regional risk assessment in lending practices.</a:t>
-            </a:r>
-          </a:p>
-        </p:txBody>
-      </p:sp>
-      <p:pic>
-        <p:nvPicPr>
-          <p:cNvPr id="3" name="Picture 2">
-            <a:extLst>
-              <a:ext uri="{FF2B5EF4-FFF2-40B4-BE49-F238E27FC236}">
-                <a16:creationId xmlns:a16="http://schemas.microsoft.com/office/drawing/2014/main" id="{6F041BDC-C269-F5C2-61C2-F7BBC8006881}"/>
-              </a:ext>
-            </a:extLst>
-          </p:cNvPr>
-          <p:cNvPicPr>
-            <a:picLocks noChangeAspect="1"/>
-          </p:cNvPicPr>
-          <p:nvPr/>
-        </p:nvPicPr>
-        <p:blipFill>
-          <a:blip r:embed="rId2"/>
-          <a:stretch>
-            <a:fillRect/>
-          </a:stretch>
-        </p:blipFill>
-        <p:spPr>
-          <a:xfrm>
-            <a:off x="3486149" y="711047"/>
-            <a:ext cx="7845601" cy="5435906"/>
-          </a:xfrm>
-          <a:prstGeom prst="rect">
-            <a:avLst/>
-          </a:prstGeom>
-        </p:spPr>
-      </p:pic>
-    </p:spTree>
-    <p:extLst>
-      <p:ext uri="{BB962C8B-B14F-4D97-AF65-F5344CB8AC3E}">
-        <p14:creationId xmlns:p14="http://schemas.microsoft.com/office/powerpoint/2010/main" val="3125930859"/>
-      </p:ext>
-    </p:extLst>
-  </p:cSld>
-  <p:clrMapOvr>
-    <a:masterClrMapping/>
-  </p:clrMapOvr>
-</p:sld>
-</file>
-
-<file path=ppt/slides/slide18.xml><?xml version="1.0" encoding="utf-8"?>
-<p:sld xmlns:a="http://schemas.openxmlformats.org/drawingml/2006/main" xmlns:r="http://schemas.openxmlformats.org/officeDocument/2006/relationships" xmlns:p="http://schemas.openxmlformats.org/presentationml/2006/main">
-  <p:cSld>
-    <p:spTree>
-      <p:nvGrpSpPr>
-        <p:cNvPr id="1" name=""/>
-        <p:cNvGrpSpPr/>
-        <p:nvPr/>
-      </p:nvGrpSpPr>
-      <p:grpSpPr>
-        <a:xfrm>
-          <a:off x="0" y="0"/>
-          <a:ext cx="0" cy="0"/>
-          <a:chOff x="0" y="0"/>
-          <a:chExt cx="0" cy="0"/>
-        </a:xfrm>
-      </p:grpSpPr>
-      <p:sp>
-        <p:nvSpPr>
-          <p:cNvPr id="2" name="Title 1">
-            <a:extLst>
-              <a:ext uri="{FF2B5EF4-FFF2-40B4-BE49-F238E27FC236}">
-                <a16:creationId xmlns:a16="http://schemas.microsoft.com/office/drawing/2014/main" id="{9CC1BD52-8B6A-14D6-C350-4854DA773BCE}"/>
-              </a:ext>
-            </a:extLst>
-          </p:cNvPr>
-          <p:cNvSpPr>
-            <a:spLocks noGrp="1"/>
-          </p:cNvSpPr>
-          <p:nvPr>
-            <p:ph type="title"/>
-          </p:nvPr>
-        </p:nvSpPr>
-        <p:spPr>
-          <a:xfrm>
-            <a:off x="252919" y="655629"/>
-            <a:ext cx="2947482" cy="5069391"/>
-          </a:xfrm>
-        </p:spPr>
-        <p:txBody>
-          <a:bodyPr>
-            <a:normAutofit/>
-          </a:bodyPr>
-          <a:lstStyle/>
-          <a:p>
-            <a:br>
-              <a:rPr lang="en-US" dirty="0">
-                <a:latin typeface="Arial" panose="020B0604020202020204" pitchFamily="34" charset="0"/>
-                <a:cs typeface="Arial" panose="020B0604020202020204" pitchFamily="34" charset="0"/>
-              </a:rPr>
-            </a:br>
-            <a:r>
-              <a:rPr lang="en-US" sz="2000" b="1" dirty="0">
-                <a:latin typeface="Arial" panose="020B0604020202020204" pitchFamily="34" charset="0"/>
-                <a:cs typeface="Arial" panose="020B0604020202020204" pitchFamily="34" charset="0"/>
-              </a:rPr>
-              <a:t>Analyzing annual income vs loan amount</a:t>
-            </a:r>
-            <a:br>
-              <a:rPr lang="en-US" sz="2000" b="1" dirty="0">
-                <a:latin typeface="Arial" panose="020B0604020202020204" pitchFamily="34" charset="0"/>
-                <a:cs typeface="Arial" panose="020B0604020202020204" pitchFamily="34" charset="0"/>
-              </a:rPr>
-            </a:br>
-            <a:br>
-              <a:rPr lang="en-US" sz="2000" dirty="0">
-                <a:latin typeface="Arial" panose="020B0604020202020204" pitchFamily="34" charset="0"/>
-                <a:cs typeface="Arial" panose="020B0604020202020204" pitchFamily="34" charset="0"/>
-              </a:rPr>
-            </a:br>
-            <a:r>
-              <a:rPr lang="en-US" sz="1800" dirty="0">
-                <a:latin typeface="Arial" panose="020B0604020202020204" pitchFamily="34" charset="0"/>
-                <a:cs typeface="Arial" panose="020B0604020202020204" pitchFamily="34" charset="0"/>
-              </a:rPr>
-              <a:t>when salary, loan is divided into categories of 20k, 5k increments  respectively, and we find the median of loans for defaulted vs paid customers, it is observed that defaulted customer have a higher median.</a:t>
-            </a:r>
-            <a:endParaRPr lang="en-US" sz="1600" dirty="0">
-              <a:latin typeface="Arial" panose="020B0604020202020204" pitchFamily="34" charset="0"/>
-              <a:cs typeface="Arial" panose="020B0604020202020204" pitchFamily="34" charset="0"/>
-            </a:endParaRPr>
-          </a:p>
-        </p:txBody>
-      </p:sp>
-      <p:pic>
-        <p:nvPicPr>
-          <p:cNvPr id="4" name="Picture 3">
-            <a:extLst>
-              <a:ext uri="{FF2B5EF4-FFF2-40B4-BE49-F238E27FC236}">
-                <a16:creationId xmlns:a16="http://schemas.microsoft.com/office/drawing/2014/main" id="{B8B2D724-F556-5AC4-E04F-66DE298519DA}"/>
-              </a:ext>
-            </a:extLst>
-          </p:cNvPr>
-          <p:cNvPicPr>
-            <a:picLocks noChangeAspect="1"/>
-          </p:cNvPicPr>
-          <p:nvPr/>
-        </p:nvPicPr>
-        <p:blipFill>
-          <a:blip r:embed="rId2"/>
-          <a:stretch>
-            <a:fillRect/>
-          </a:stretch>
-        </p:blipFill>
-        <p:spPr>
-          <a:xfrm>
-            <a:off x="3596640" y="3525837"/>
-            <a:ext cx="7559040" cy="3250883"/>
-          </a:xfrm>
-          <a:prstGeom prst="rect">
-            <a:avLst/>
-          </a:prstGeom>
-        </p:spPr>
-      </p:pic>
-      <p:pic>
-        <p:nvPicPr>
-          <p:cNvPr id="5" name="Picture 4">
-            <a:extLst>
-              <a:ext uri="{FF2B5EF4-FFF2-40B4-BE49-F238E27FC236}">
-                <a16:creationId xmlns:a16="http://schemas.microsoft.com/office/drawing/2014/main" id="{DB346CBF-CD32-F81A-8A9F-C859A88A85DC}"/>
-              </a:ext>
-            </a:extLst>
-          </p:cNvPr>
-          <p:cNvPicPr>
-            <a:picLocks noChangeAspect="1"/>
-          </p:cNvPicPr>
-          <p:nvPr/>
-        </p:nvPicPr>
-        <p:blipFill>
-          <a:blip r:embed="rId3"/>
-          <a:stretch>
-            <a:fillRect/>
-          </a:stretch>
-        </p:blipFill>
-        <p:spPr>
-          <a:xfrm>
-            <a:off x="3596640" y="428785"/>
-            <a:ext cx="7792719" cy="2903378"/>
-          </a:xfrm>
-          <a:prstGeom prst="rect">
-            <a:avLst/>
-          </a:prstGeom>
-        </p:spPr>
-      </p:pic>
-    </p:spTree>
-    <p:extLst>
-      <p:ext uri="{BB962C8B-B14F-4D97-AF65-F5344CB8AC3E}">
-        <p14:creationId xmlns:p14="http://schemas.microsoft.com/office/powerpoint/2010/main" val="4151450094"/>
-      </p:ext>
-    </p:extLst>
-  </p:cSld>
-  <p:clrMapOvr>
-    <a:masterClrMapping/>
-  </p:clrMapOvr>
-</p:sld>
-</file>
-
-<file path=ppt/slides/slide19.xml><?xml version="1.0" encoding="utf-8"?>
-<p:sld xmlns:a="http://schemas.openxmlformats.org/drawingml/2006/main" xmlns:r="http://schemas.openxmlformats.org/officeDocument/2006/relationships" xmlns:p="http://schemas.openxmlformats.org/presentationml/2006/main">
-  <p:cSld>
-    <p:spTree>
-      <p:nvGrpSpPr>
-        <p:cNvPr id="1" name=""/>
-        <p:cNvGrpSpPr/>
-        <p:nvPr/>
-      </p:nvGrpSpPr>
-      <p:grpSpPr>
-        <a:xfrm>
-          <a:off x="0" y="0"/>
-          <a:ext cx="0" cy="0"/>
-          <a:chOff x="0" y="0"/>
-          <a:chExt cx="0" cy="0"/>
-        </a:xfrm>
-      </p:grpSpPr>
-      <p:sp>
-        <p:nvSpPr>
-          <p:cNvPr id="2" name="Title 1">
-            <a:extLst>
-              <a:ext uri="{FF2B5EF4-FFF2-40B4-BE49-F238E27FC236}">
-                <a16:creationId xmlns:a16="http://schemas.microsoft.com/office/drawing/2014/main" id="{9CC1BD52-8B6A-14D6-C350-4854DA773BCE}"/>
-              </a:ext>
-            </a:extLst>
-          </p:cNvPr>
-          <p:cNvSpPr>
-            <a:spLocks noGrp="1"/>
-          </p:cNvSpPr>
-          <p:nvPr>
-            <p:ph type="title"/>
-          </p:nvPr>
-        </p:nvSpPr>
-        <p:spPr>
-          <a:xfrm>
-            <a:off x="252919" y="655629"/>
-            <a:ext cx="2947482" cy="5069391"/>
-          </a:xfrm>
-        </p:spPr>
-        <p:txBody>
-          <a:bodyPr>
-            <a:normAutofit fontScale="90000"/>
-          </a:bodyPr>
-          <a:lstStyle/>
-          <a:p>
-            <a:br>
-              <a:rPr lang="en-US" dirty="0">
-                <a:latin typeface="Arial" panose="020B0604020202020204" pitchFamily="34" charset="0"/>
-                <a:cs typeface="Arial" panose="020B0604020202020204" pitchFamily="34" charset="0"/>
-              </a:rPr>
-            </a:br>
-            <a:r>
-              <a:rPr lang="en-US" sz="2000" b="1" dirty="0">
-                <a:latin typeface="Arial" panose="020B0604020202020204" pitchFamily="34" charset="0"/>
-                <a:cs typeface="Arial" panose="020B0604020202020204" pitchFamily="34" charset="0"/>
-              </a:rPr>
-              <a:t>Analyzing annual income vs loan amount</a:t>
-            </a:r>
-            <a:br>
-              <a:rPr lang="en-US" sz="2000" b="1" dirty="0">
-                <a:latin typeface="Arial" panose="020B0604020202020204" pitchFamily="34" charset="0"/>
-                <a:cs typeface="Arial" panose="020B0604020202020204" pitchFamily="34" charset="0"/>
-              </a:rPr>
-            </a:br>
-            <a:br>
-              <a:rPr lang="en-US" sz="1800" b="1" dirty="0">
-                <a:latin typeface="Arial" panose="020B0604020202020204" pitchFamily="34" charset="0"/>
-                <a:cs typeface="Arial" panose="020B0604020202020204" pitchFamily="34" charset="0"/>
-              </a:rPr>
-            </a:br>
-            <a:r>
-              <a:rPr lang="en-US" sz="1600" dirty="0">
-                <a:latin typeface="Arial" panose="020B0604020202020204" pitchFamily="34" charset="0"/>
-                <a:cs typeface="Arial" panose="020B0604020202020204" pitchFamily="34" charset="0"/>
-              </a:rPr>
-              <a:t>Figure shows the heat map of percentage of defaulted customers in each salary and loan category.</a:t>
-            </a:r>
-            <a:br>
-              <a:rPr lang="en-US" sz="1600" dirty="0">
-                <a:latin typeface="Arial" panose="020B0604020202020204" pitchFamily="34" charset="0"/>
-                <a:cs typeface="Arial" panose="020B0604020202020204" pitchFamily="34" charset="0"/>
-              </a:rPr>
-            </a:br>
-            <a:r>
-              <a:rPr lang="en-US" sz="1600" dirty="0">
-                <a:latin typeface="Arial" panose="020B0604020202020204" pitchFamily="34" charset="0"/>
-                <a:cs typeface="Arial" panose="020B0604020202020204" pitchFamily="34" charset="0"/>
-              </a:rPr>
-              <a:t>Here, salary and loan are divided into categories of 6500k, 1.5k increments  respectively (considering salary range 15k to 95k)</a:t>
-            </a:r>
-            <a:br>
-              <a:rPr lang="en-US" sz="1800" dirty="0">
-                <a:latin typeface="Arial" panose="020B0604020202020204" pitchFamily="34" charset="0"/>
-                <a:cs typeface="Arial" panose="020B0604020202020204" pitchFamily="34" charset="0"/>
-              </a:rPr>
-            </a:br>
-            <a:br>
-              <a:rPr lang="en-US" sz="1800" dirty="0">
-                <a:latin typeface="Arial" panose="020B0604020202020204" pitchFamily="34" charset="0"/>
-                <a:cs typeface="Arial" panose="020B0604020202020204" pitchFamily="34" charset="0"/>
-              </a:rPr>
-            </a:br>
-            <a:r>
-              <a:rPr lang="en-US" sz="1600" dirty="0">
-                <a:latin typeface="Arial" panose="020B0604020202020204" pitchFamily="34" charset="0"/>
-                <a:cs typeface="Arial" panose="020B0604020202020204" pitchFamily="34" charset="0"/>
-              </a:rPr>
-              <a:t>It can be observed that  defaulted percentage is maximum in highest loan category in each salary category. It indicates that customers who defaulted took highest loans w.r.t their salary category and could not pay back the loans.</a:t>
-            </a:r>
-            <a:br>
-              <a:rPr lang="en-US" sz="1600" dirty="0">
-                <a:latin typeface="Arial" panose="020B0604020202020204" pitchFamily="34" charset="0"/>
-                <a:cs typeface="Arial" panose="020B0604020202020204" pitchFamily="34" charset="0"/>
-              </a:rPr>
-            </a:br>
-            <a:br>
-              <a:rPr lang="en-US" sz="1600" dirty="0">
-                <a:latin typeface="Arial" panose="020B0604020202020204" pitchFamily="34" charset="0"/>
-                <a:cs typeface="Arial" panose="020B0604020202020204" pitchFamily="34" charset="0"/>
-              </a:rPr>
-            </a:br>
-            <a:r>
-              <a:rPr lang="en-US" sz="1600" dirty="0">
-                <a:latin typeface="Arial" panose="020B0604020202020204" pitchFamily="34" charset="0"/>
-                <a:cs typeface="Arial" panose="020B0604020202020204" pitchFamily="34" charset="0"/>
-              </a:rPr>
-              <a:t>Max loan to a customer needs to be reduced to avoid such scenarios.</a:t>
-            </a:r>
-          </a:p>
-        </p:txBody>
-      </p:sp>
-      <p:pic>
-        <p:nvPicPr>
-          <p:cNvPr id="3" name="Picture 2">
-            <a:extLst>
-              <a:ext uri="{FF2B5EF4-FFF2-40B4-BE49-F238E27FC236}">
-                <a16:creationId xmlns:a16="http://schemas.microsoft.com/office/drawing/2014/main" id="{A7DF5AB2-66E2-1F19-4A28-6CA927E0E5BD}"/>
-              </a:ext>
-            </a:extLst>
-          </p:cNvPr>
-          <p:cNvPicPr>
-            <a:picLocks noChangeAspect="1"/>
-          </p:cNvPicPr>
-          <p:nvPr/>
-        </p:nvPicPr>
-        <p:blipFill>
-          <a:blip r:embed="rId2"/>
-          <a:stretch>
-            <a:fillRect/>
-          </a:stretch>
-        </p:blipFill>
-        <p:spPr>
-          <a:xfrm>
-            <a:off x="3916939" y="757237"/>
-            <a:ext cx="7014297" cy="5712168"/>
-          </a:xfrm>
-          <a:prstGeom prst="rect">
-            <a:avLst/>
-          </a:prstGeom>
-        </p:spPr>
-      </p:pic>
-    </p:spTree>
-    <p:extLst>
-      <p:ext uri="{BB962C8B-B14F-4D97-AF65-F5344CB8AC3E}">
-        <p14:creationId xmlns:p14="http://schemas.microsoft.com/office/powerpoint/2010/main" val="1712664404"/>
-      </p:ext>
-    </p:extLst>
-  </p:cSld>
-  <p:clrMapOvr>
-    <a:masterClrMapping/>
-  </p:clrMapOvr>
-</p:sld>
-</file>
-
-<file path=ppt/slides/slide2.xml><?xml version="1.0" encoding="utf-8"?>
-<p:sld xmlns:a="http://schemas.openxmlformats.org/drawingml/2006/main" xmlns:r="http://schemas.openxmlformats.org/officeDocument/2006/relationships" xmlns:p="http://schemas.openxmlformats.org/presentationml/2006/main">
-  <p:cSld>
-    <p:spTree>
-      <p:nvGrpSpPr>
-        <p:cNvPr id="1" name=""/>
-        <p:cNvGrpSpPr/>
-        <p:nvPr/>
-      </p:nvGrpSpPr>
-      <p:grpSpPr>
-        <a:xfrm>
-          <a:off x="0" y="0"/>
-          <a:ext cx="0" cy="0"/>
-          <a:chOff x="0" y="0"/>
-          <a:chExt cx="0" cy="0"/>
-        </a:xfrm>
-      </p:grpSpPr>
-      <p:sp>
-        <p:nvSpPr>
-          <p:cNvPr id="2" name="Title 1">
-            <a:extLst>
-              <a:ext uri="{FF2B5EF4-FFF2-40B4-BE49-F238E27FC236}">
-                <a16:creationId xmlns:a16="http://schemas.microsoft.com/office/drawing/2014/main" id="{CC0CE8AD-D50C-4222-3A38-BCD9499FEC07}"/>
-              </a:ext>
-            </a:extLst>
-          </p:cNvPr>
-          <p:cNvSpPr>
-            <a:spLocks noGrp="1"/>
-          </p:cNvSpPr>
-          <p:nvPr>
-            <p:ph type="title"/>
-          </p:nvPr>
-        </p:nvSpPr>
-        <p:spPr/>
-        <p:txBody>
-          <a:bodyPr/>
-          <a:lstStyle/>
-          <a:p>
-            <a:r>
-              <a:rPr lang="en-US" dirty="0"/>
-              <a:t>Purpose</a:t>
-            </a:r>
-          </a:p>
-        </p:txBody>
-      </p:sp>
-      <p:sp>
-        <p:nvSpPr>
-          <p:cNvPr id="3" name="Content Placeholder 2">
-            <a:extLst>
-              <a:ext uri="{FF2B5EF4-FFF2-40B4-BE49-F238E27FC236}">
-                <a16:creationId xmlns:a16="http://schemas.microsoft.com/office/drawing/2014/main" id="{141E9980-880A-CC10-8306-9721F674887F}"/>
-              </a:ext>
-            </a:extLst>
-          </p:cNvPr>
-          <p:cNvSpPr>
-            <a:spLocks noGrp="1"/>
-          </p:cNvSpPr>
-          <p:nvPr>
-            <p:ph idx="1"/>
-          </p:nvPr>
-        </p:nvSpPr>
-        <p:spPr/>
-        <p:txBody>
-          <a:bodyPr>
-            <a:normAutofit/>
-          </a:bodyPr>
-          <a:lstStyle/>
-          <a:p>
-            <a:r>
-              <a:rPr lang="en-US" sz="2400" dirty="0"/>
-              <a:t>This case study analyzes a consumer finance company specializing in lending diverse types of loans to urban customers. </a:t>
-            </a:r>
-          </a:p>
-          <a:p>
-            <a:r>
-              <a:rPr lang="en-US" sz="2400" dirty="0"/>
-              <a:t>The primary objective is to identify predictive patterns and factors that indicate the likelihood of loan default. </a:t>
-            </a:r>
-          </a:p>
-          <a:p>
-            <a:r>
-              <a:rPr lang="en-US" sz="2400" dirty="0"/>
-              <a:t>These insights will help form strategic decisions such as denying loans, reducing loan amounts, or adjusting interest rates for higher-risk applicants.</a:t>
-            </a:r>
-            <a:endParaRPr lang="en-US" sz="2400" dirty="0">
-              <a:solidFill>
-                <a:schemeClr val="tx1"/>
-              </a:solidFill>
-            </a:endParaRPr>
-          </a:p>
-        </p:txBody>
-      </p:sp>
-    </p:spTree>
-    <p:extLst>
-      <p:ext uri="{BB962C8B-B14F-4D97-AF65-F5344CB8AC3E}">
-        <p14:creationId xmlns:p14="http://schemas.microsoft.com/office/powerpoint/2010/main" val="3349575075"/>
-      </p:ext>
-    </p:extLst>
-  </p:cSld>
-  <p:clrMapOvr>
-    <a:masterClrMapping/>
-  </p:clrMapOvr>
-</p:sld>
-</file>
-
-<file path=ppt/slides/slide20.xml><?xml version="1.0" encoding="utf-8"?>
-<p:sld xmlns:a="http://schemas.openxmlformats.org/drawingml/2006/main" xmlns:r="http://schemas.openxmlformats.org/officeDocument/2006/relationships" xmlns:p="http://schemas.openxmlformats.org/presentationml/2006/main">
-  <p:cSld>
-    <p:spTree>
-      <p:nvGrpSpPr>
-        <p:cNvPr id="1" name=""/>
-        <p:cNvGrpSpPr/>
-        <p:nvPr/>
-      </p:nvGrpSpPr>
-      <p:grpSpPr>
-        <a:xfrm>
-          <a:off x="0" y="0"/>
-          <a:ext cx="0" cy="0"/>
-          <a:chOff x="0" y="0"/>
-          <a:chExt cx="0" cy="0"/>
-        </a:xfrm>
-      </p:grpSpPr>
-      <p:sp>
-        <p:nvSpPr>
-          <p:cNvPr id="2" name="Title 1">
-            <a:extLst>
-              <a:ext uri="{FF2B5EF4-FFF2-40B4-BE49-F238E27FC236}">
-                <a16:creationId xmlns:a16="http://schemas.microsoft.com/office/drawing/2014/main" id="{F8ECFD7E-066C-4D7A-A507-027A18B1EE24}"/>
-              </a:ext>
-            </a:extLst>
-          </p:cNvPr>
-          <p:cNvSpPr>
-            <a:spLocks noGrp="1"/>
-          </p:cNvSpPr>
-          <p:nvPr>
-            <p:ph type="ctrTitle"/>
-          </p:nvPr>
-        </p:nvSpPr>
-        <p:spPr>
-          <a:xfrm>
-            <a:off x="946023" y="841248"/>
-            <a:ext cx="7315200" cy="724316"/>
-          </a:xfrm>
-        </p:spPr>
-        <p:txBody>
-          <a:bodyPr>
-            <a:normAutofit/>
-          </a:bodyPr>
-          <a:lstStyle/>
-          <a:p>
-            <a:r>
-              <a:rPr lang="en-US" sz="4000" dirty="0">
-                <a:latin typeface="Arial" panose="020B0604020202020204" pitchFamily="34" charset="0"/>
-                <a:cs typeface="Arial" panose="020B0604020202020204" pitchFamily="34" charset="0"/>
-              </a:rPr>
-              <a:t>Conclusions</a:t>
-            </a:r>
-          </a:p>
-        </p:txBody>
-      </p:sp>
-      <p:sp>
-        <p:nvSpPr>
-          <p:cNvPr id="3" name="Subtitle 2">
-            <a:extLst>
-              <a:ext uri="{FF2B5EF4-FFF2-40B4-BE49-F238E27FC236}">
-                <a16:creationId xmlns:a16="http://schemas.microsoft.com/office/drawing/2014/main" id="{70AB4496-A763-33A1-78F2-8686CA34CEBA}"/>
-              </a:ext>
-            </a:extLst>
-          </p:cNvPr>
-          <p:cNvSpPr>
-            <a:spLocks noGrp="1"/>
-          </p:cNvSpPr>
-          <p:nvPr>
-            <p:ph type="subTitle" idx="1"/>
-          </p:nvPr>
-        </p:nvSpPr>
-        <p:spPr>
-          <a:xfrm>
-            <a:off x="633290" y="1648059"/>
-            <a:ext cx="8091610" cy="3561882"/>
-          </a:xfrm>
-        </p:spPr>
-        <p:txBody>
-          <a:bodyPr>
-            <a:normAutofit fontScale="77500" lnSpcReduction="20000"/>
-          </a:bodyPr>
-          <a:lstStyle/>
-          <a:p>
-            <a:r>
-              <a:rPr lang="en-US" dirty="0">
-                <a:latin typeface="Arial" panose="020B0604020202020204" pitchFamily="34" charset="0"/>
-                <a:cs typeface="Arial" panose="020B0604020202020204" pitchFamily="34" charset="0"/>
-              </a:rPr>
-              <a:t>Lender should be aware of below customer trends to avoid/reduce lending to loan defaulters,</a:t>
-            </a:r>
-          </a:p>
-          <a:p>
-            <a:pPr marL="457200" indent="-457200">
-              <a:buFont typeface="Wingdings" panose="05000000000000000000" pitchFamily="2" charset="2"/>
-              <a:buChar char="Ø"/>
-            </a:pPr>
-            <a:r>
-              <a:rPr lang="en-US" dirty="0">
-                <a:latin typeface="Arial" panose="020B0604020202020204" pitchFamily="34" charset="0"/>
-                <a:cs typeface="Arial" panose="020B0604020202020204" pitchFamily="34" charset="0"/>
-              </a:rPr>
-              <a:t>Customers with late fee payments have 43% of being a defaulter.</a:t>
-            </a:r>
-          </a:p>
-          <a:p>
-            <a:pPr marL="457200" indent="-457200">
-              <a:buFont typeface="Wingdings" panose="05000000000000000000" pitchFamily="2" charset="2"/>
-              <a:buChar char="Ø"/>
-            </a:pPr>
-            <a:r>
-              <a:rPr lang="en-US" dirty="0">
-                <a:latin typeface="Arial" panose="020B0604020202020204" pitchFamily="34" charset="0"/>
-                <a:cs typeface="Arial" panose="020B0604020202020204" pitchFamily="34" charset="0"/>
-              </a:rPr>
-              <a:t>Customers belonging to grade D,E,F default by more than  25%. Its 47%,42%,36%,35%,32%,30% for F5, G3, G2, F4, G1, F2 sub-grade customers, respectively.</a:t>
-            </a:r>
-          </a:p>
-          <a:p>
-            <a:pPr marL="457200" indent="-457200">
-              <a:buFont typeface="Wingdings" panose="05000000000000000000" pitchFamily="2" charset="2"/>
-              <a:buChar char="Ø"/>
-            </a:pPr>
-            <a:r>
-              <a:rPr lang="en-US" dirty="0">
-                <a:latin typeface="Arial" panose="020B0604020202020204" pitchFamily="34" charset="0"/>
-                <a:cs typeface="Arial" panose="020B0604020202020204" pitchFamily="34" charset="0"/>
-              </a:rPr>
-              <a:t>Loans given for the purpose of small business get defaulted by 25%</a:t>
-            </a:r>
-          </a:p>
-          <a:p>
-            <a:pPr marL="457200" indent="-457200">
-              <a:buFont typeface="Wingdings" panose="05000000000000000000" pitchFamily="2" charset="2"/>
-              <a:buChar char="Ø"/>
-            </a:pPr>
-            <a:r>
-              <a:rPr lang="en-US" dirty="0">
-                <a:latin typeface="Arial" panose="020B0604020202020204" pitchFamily="34" charset="0"/>
-                <a:cs typeface="Arial" panose="020B0604020202020204" pitchFamily="34" charset="0"/>
-              </a:rPr>
-              <a:t>Customer with public record of bankruptcies default by 29%.</a:t>
-            </a:r>
-          </a:p>
-          <a:p>
-            <a:pPr marL="457200" indent="-457200">
-              <a:buFont typeface="Wingdings" panose="05000000000000000000" pitchFamily="2" charset="2"/>
-              <a:buChar char="Ø"/>
-            </a:pPr>
-            <a:r>
-              <a:rPr lang="en-US" dirty="0">
-                <a:latin typeface="Arial" panose="020B0604020202020204" pitchFamily="34" charset="0"/>
-                <a:cs typeface="Arial" panose="020B0604020202020204" pitchFamily="34" charset="0"/>
-              </a:rPr>
-              <a:t>Customers who defaulted had higher DTI ratio and by categorizing of salary and loan it was observed that defaulters took high category loans compared to their annual income. Maximum loan provided for a given salary can be reduced further.</a:t>
-            </a:r>
-          </a:p>
-          <a:p>
-            <a:pPr marL="457200" indent="-457200">
-              <a:buFont typeface="Wingdings" panose="05000000000000000000" pitchFamily="2" charset="2"/>
-              <a:buChar char="Ø"/>
-            </a:pPr>
-            <a:r>
-              <a:rPr lang="en-US" dirty="0">
-                <a:latin typeface="Arial" panose="020B0604020202020204" pitchFamily="34" charset="0"/>
-                <a:cs typeface="Arial" panose="020B0604020202020204" pitchFamily="34" charset="0"/>
-              </a:rPr>
-              <a:t>Loans with 60 months term had 25% defaulters.</a:t>
-            </a:r>
-          </a:p>
-          <a:p>
-            <a:pPr marL="457200" indent="-457200">
-              <a:buFont typeface="Wingdings" panose="05000000000000000000" pitchFamily="2" charset="2"/>
-              <a:buChar char="Ø"/>
-            </a:pPr>
-            <a:endParaRPr lang="en-US" dirty="0">
-              <a:latin typeface="Arial" panose="020B0604020202020204" pitchFamily="34" charset="0"/>
-              <a:cs typeface="Arial" panose="020B0604020202020204" pitchFamily="34" charset="0"/>
-            </a:endParaRPr>
-          </a:p>
-          <a:p>
-            <a:pPr marL="457200" indent="-457200">
-              <a:buFont typeface="Wingdings" panose="05000000000000000000" pitchFamily="2" charset="2"/>
-              <a:buChar char="Ø"/>
-            </a:pPr>
-            <a:endParaRPr lang="en-US" dirty="0">
-              <a:latin typeface="Arial" panose="020B0604020202020204" pitchFamily="34" charset="0"/>
-              <a:cs typeface="Arial" panose="020B0604020202020204" pitchFamily="34" charset="0"/>
-            </a:endParaRPr>
-          </a:p>
-          <a:p>
-            <a:pPr marL="457200" indent="-457200">
-              <a:buAutoNum type="arabicPeriod"/>
-            </a:pPr>
-            <a:endParaRPr lang="en-US" dirty="0">
-              <a:latin typeface="Arial" panose="020B0604020202020204" pitchFamily="34" charset="0"/>
-              <a:cs typeface="Arial" panose="020B0604020202020204" pitchFamily="34" charset="0"/>
-            </a:endParaRPr>
-          </a:p>
-        </p:txBody>
-      </p:sp>
-    </p:spTree>
-    <p:extLst>
-      <p:ext uri="{BB962C8B-B14F-4D97-AF65-F5344CB8AC3E}">
-        <p14:creationId xmlns:p14="http://schemas.microsoft.com/office/powerpoint/2010/main" val="3195305034"/>
-      </p:ext>
-    </p:extLst>
-  </p:cSld>
-  <p:clrMapOvr>
-    <a:masterClrMapping/>
-  </p:clrMapOvr>
-</p:sld>
-</file>
-
-<file path=ppt/slides/slide21.xml><?xml version="1.0" encoding="utf-8"?>
-<p:sld xmlns:a="http://schemas.openxmlformats.org/drawingml/2006/main" xmlns:r="http://schemas.openxmlformats.org/officeDocument/2006/relationships" xmlns:p="http://schemas.openxmlformats.org/presentationml/2006/main">
-  <p:cSld>
-    <p:spTree>
-      <p:nvGrpSpPr>
-        <p:cNvPr id="1" name=""/>
-        <p:cNvGrpSpPr/>
-        <p:nvPr/>
-      </p:nvGrpSpPr>
-      <p:grpSpPr>
-        <a:xfrm>
-          <a:off x="0" y="0"/>
-          <a:ext cx="0" cy="0"/>
-          <a:chOff x="0" y="0"/>
-          <a:chExt cx="0" cy="0"/>
-        </a:xfrm>
-      </p:grpSpPr>
-      <p:sp>
-        <p:nvSpPr>
-          <p:cNvPr id="4" name="TextBox 3">
-            <a:extLst>
-              <a:ext uri="{FF2B5EF4-FFF2-40B4-BE49-F238E27FC236}">
-                <a16:creationId xmlns:a16="http://schemas.microsoft.com/office/drawing/2014/main" id="{10F05342-4447-FD6F-B234-E0C499BDDCC8}"/>
-              </a:ext>
-            </a:extLst>
-          </p:cNvPr>
-          <p:cNvSpPr txBox="1"/>
-          <p:nvPr/>
-        </p:nvSpPr>
-        <p:spPr>
-          <a:xfrm>
-            <a:off x="3222171" y="311242"/>
-            <a:ext cx="5568472" cy="461665"/>
-          </a:xfrm>
-          <a:prstGeom prst="rect">
-            <a:avLst/>
-          </a:prstGeom>
-          <a:noFill/>
-        </p:spPr>
-        <p:txBody>
-          <a:bodyPr wrap="square" rtlCol="0">
-            <a:spAutoFit/>
-          </a:bodyPr>
-          <a:lstStyle/>
-          <a:p>
-            <a:pPr algn="ctr"/>
-            <a:r>
-              <a:rPr lang="en-US" sz="2400" b="1" dirty="0">
-                <a:solidFill>
-                  <a:schemeClr val="accent1"/>
-                </a:solidFill>
-              </a:rPr>
-              <a:t>Distribution of loans by Purpose</a:t>
-            </a:r>
-          </a:p>
-        </p:txBody>
-      </p:sp>
-      <p:pic>
-        <p:nvPicPr>
-          <p:cNvPr id="6" name="Picture 5">
-            <a:extLst>
-              <a:ext uri="{FF2B5EF4-FFF2-40B4-BE49-F238E27FC236}">
-                <a16:creationId xmlns:a16="http://schemas.microsoft.com/office/drawing/2014/main" id="{58F22C9A-29AD-FE9D-2FBC-EF75A8686F77}"/>
-              </a:ext>
-            </a:extLst>
-          </p:cNvPr>
-          <p:cNvPicPr>
-            <a:picLocks noChangeAspect="1"/>
-          </p:cNvPicPr>
-          <p:nvPr/>
-        </p:nvPicPr>
-        <p:blipFill>
-          <a:blip r:embed="rId2"/>
-          <a:stretch>
-            <a:fillRect/>
-          </a:stretch>
-        </p:blipFill>
-        <p:spPr>
-          <a:xfrm>
-            <a:off x="248783" y="1109662"/>
-            <a:ext cx="5324703" cy="4029075"/>
-          </a:xfrm>
-          <a:prstGeom prst="rect">
-            <a:avLst/>
-          </a:prstGeom>
-        </p:spPr>
-      </p:pic>
-      <p:pic>
-        <p:nvPicPr>
-          <p:cNvPr id="8" name="Picture 7">
-            <a:extLst>
-              <a:ext uri="{FF2B5EF4-FFF2-40B4-BE49-F238E27FC236}">
-                <a16:creationId xmlns:a16="http://schemas.microsoft.com/office/drawing/2014/main" id="{F92D865E-FBEF-A8CC-F7E7-54614F77BC44}"/>
-              </a:ext>
-            </a:extLst>
-          </p:cNvPr>
-          <p:cNvPicPr>
-            <a:picLocks noChangeAspect="1"/>
-          </p:cNvPicPr>
-          <p:nvPr/>
-        </p:nvPicPr>
-        <p:blipFill>
-          <a:blip r:embed="rId3"/>
-          <a:stretch>
-            <a:fillRect/>
-          </a:stretch>
-        </p:blipFill>
-        <p:spPr>
-          <a:xfrm>
-            <a:off x="6096000" y="1090612"/>
-            <a:ext cx="5675086" cy="4048125"/>
-          </a:xfrm>
-          <a:prstGeom prst="rect">
-            <a:avLst/>
-          </a:prstGeom>
-        </p:spPr>
-      </p:pic>
-      <p:sp>
-        <p:nvSpPr>
-          <p:cNvPr id="10" name="TextBox 9">
-            <a:extLst>
-              <a:ext uri="{FF2B5EF4-FFF2-40B4-BE49-F238E27FC236}">
-                <a16:creationId xmlns:a16="http://schemas.microsoft.com/office/drawing/2014/main" id="{78E202B0-61BC-DF59-5E6A-81AA8354AC16}"/>
-              </a:ext>
-            </a:extLst>
-          </p:cNvPr>
-          <p:cNvSpPr txBox="1"/>
-          <p:nvPr/>
-        </p:nvSpPr>
-        <p:spPr>
-          <a:xfrm>
-            <a:off x="638629" y="5115596"/>
-            <a:ext cx="10735557" cy="1200329"/>
-          </a:xfrm>
-          <a:prstGeom prst="rect">
-            <a:avLst/>
-          </a:prstGeom>
-          <a:noFill/>
-        </p:spPr>
-        <p:txBody>
-          <a:bodyPr wrap="square" rtlCol="0">
-            <a:spAutoFit/>
-          </a:bodyPr>
-          <a:lstStyle/>
-          <a:p>
-            <a:pPr marL="285750" indent="-285750">
-              <a:buFont typeface="Arial" panose="020B0604020202020204" pitchFamily="34" charset="0"/>
-              <a:buChar char="•"/>
-            </a:pPr>
-            <a:r>
-              <a:rPr lang="en-US" dirty="0"/>
-              <a:t>More loans are taken by people for debt consolidations and repaying credit card bills</a:t>
-            </a:r>
-          </a:p>
-          <a:p>
-            <a:pPr marL="285750" indent="-285750">
-              <a:buFont typeface="Arial" panose="020B0604020202020204" pitchFamily="34" charset="0"/>
-              <a:buChar char="•"/>
-            </a:pPr>
-            <a:r>
-              <a:rPr lang="en-US" dirty="0"/>
-              <a:t>People often take out loans for debt consolidation to streamline payments and manage various debts like credit cards and medical bills. However, if their financial situation worsens or they misjudge their repayment capability, these consolidation loans can become challenging to handle, potentially resulting in defaults.</a:t>
-            </a:r>
-          </a:p>
-        </p:txBody>
-      </p:sp>
-    </p:spTree>
-    <p:extLst>
-      <p:ext uri="{BB962C8B-B14F-4D97-AF65-F5344CB8AC3E}">
-        <p14:creationId xmlns:p14="http://schemas.microsoft.com/office/powerpoint/2010/main" val="3547502142"/>
-      </p:ext>
-    </p:extLst>
-  </p:cSld>
-  <p:clrMapOvr>
-    <a:masterClrMapping/>
-  </p:clrMapOvr>
-</p:sld>
-</file>
-
-<file path=ppt/slides/slide22.xml><?xml version="1.0" encoding="utf-8"?>
+<file path=ppt/slides/slide12.xml><?xml version="1.0" encoding="utf-8"?>
 <p:sld xmlns:a="http://schemas.openxmlformats.org/drawingml/2006/main" xmlns:r="http://schemas.openxmlformats.org/officeDocument/2006/relationships" xmlns:p="http://schemas.openxmlformats.org/presentationml/2006/main">
   <p:cSld>
     <p:spTree>
@@ -5738,8 +3911,8 @@
         </p:nvSpPr>
         <p:spPr>
           <a:xfrm>
-            <a:off x="3222171" y="420255"/>
-            <a:ext cx="5568472" cy="461665"/>
+            <a:off x="2956181" y="420255"/>
+            <a:ext cx="6279638" cy="461665"/>
           </a:xfrm>
           <a:prstGeom prst="rect">
             <a:avLst/>
@@ -5758,6 +3931,8 @@
                 <a:solidFill>
                   <a:schemeClr val="accent1"/>
                 </a:solidFill>
+                <a:latin typeface="Arial" panose="020B0604020202020204" pitchFamily="34" charset="0"/>
+                <a:cs typeface="Arial" panose="020B0604020202020204" pitchFamily="34" charset="0"/>
               </a:rPr>
               <a:t>Distribution of loans by Home ownership</a:t>
             </a:r>
@@ -5778,8 +3953,8 @@
         </p:nvSpPr>
         <p:spPr>
           <a:xfrm>
-            <a:off x="638629" y="5115596"/>
-            <a:ext cx="10735557" cy="1477328"/>
+            <a:off x="638629" y="4977764"/>
+            <a:ext cx="10735557" cy="1754326"/>
           </a:xfrm>
           <a:prstGeom prst="rect">
             <a:avLst/>
@@ -5797,7 +3972,10 @@
               <a:buChar char="•"/>
             </a:pPr>
             <a:r>
-              <a:rPr lang="en-US" dirty="0"/>
+              <a:rPr lang="en-US" dirty="0">
+                <a:latin typeface="Arial" panose="020B0604020202020204" pitchFamily="34" charset="0"/>
+                <a:cs typeface="Arial" panose="020B0604020202020204" pitchFamily="34" charset="0"/>
+              </a:rPr>
               <a:t>More loans are taken by people who are on rent or mortgage and also have higher chances of defaulting.</a:t>
             </a:r>
           </a:p>
@@ -5807,7 +3985,10 @@
               <a:buChar char="•"/>
             </a:pPr>
             <a:r>
-              <a:rPr lang="en-US" dirty="0"/>
+              <a:rPr lang="en-US" dirty="0">
+                <a:latin typeface="Arial" panose="020B0604020202020204" pitchFamily="34" charset="0"/>
+                <a:cs typeface="Arial" panose="020B0604020202020204" pitchFamily="34" charset="0"/>
+              </a:rPr>
               <a:t>Renters or homeowners with mortgages may already have significant monthly financial commitments, such as rent or mortgage payments, utilities, insurance, housing expenses, etc. Taking on additional loans can lead to a higher debt-to-income ratio, making it harder to manage repayments, especially if their income fluctuates or decreases.</a:t>
             </a:r>
           </a:p>
@@ -5826,7 +4007,7 @@
 </p:sld>
 </file>
 
-<file path=ppt/slides/slide23.xml><?xml version="1.0" encoding="utf-8"?>
+<file path=ppt/slides/slide13.xml><?xml version="1.0" encoding="utf-8"?>
 <p:sld xmlns:a="http://schemas.openxmlformats.org/drawingml/2006/main" xmlns:r="http://schemas.openxmlformats.org/officeDocument/2006/relationships" xmlns:p="http://schemas.openxmlformats.org/presentationml/2006/main">
   <p:cSld>
     <p:spTree>
@@ -5877,6 +4058,8 @@
                 <a:solidFill>
                   <a:schemeClr val="accent1"/>
                 </a:solidFill>
+                <a:latin typeface="Arial" panose="020B0604020202020204" pitchFamily="34" charset="0"/>
+                <a:cs typeface="Arial" panose="020B0604020202020204" pitchFamily="34" charset="0"/>
               </a:rPr>
               <a:t>Analyzing late fees factor against defaulters</a:t>
             </a:r>
@@ -5958,7 +4141,7 @@
         <p:spPr>
           <a:xfrm>
             <a:off x="409343" y="4989853"/>
-            <a:ext cx="11068513" cy="1200329"/>
+            <a:ext cx="11068513" cy="1477328"/>
           </a:xfrm>
           <a:prstGeom prst="rect">
             <a:avLst/>
@@ -5976,7 +4159,10 @@
               <a:buChar char="•"/>
             </a:pPr>
             <a:r>
-              <a:rPr lang="en-US" dirty="0"/>
+              <a:rPr lang="en-US" dirty="0">
+                <a:latin typeface="Arial" panose="020B0604020202020204" pitchFamily="34" charset="0"/>
+                <a:cs typeface="Arial" panose="020B0604020202020204" pitchFamily="34" charset="0"/>
+              </a:rPr>
               <a:t>Number of people who paid late fees and defaulted were 863 out of total defaulted people of count 5627</a:t>
             </a:r>
           </a:p>
@@ -5986,7 +4172,10 @@
               <a:buChar char="•"/>
             </a:pPr>
             <a:r>
-              <a:rPr lang="en-US" dirty="0"/>
+              <a:rPr lang="en-US" dirty="0">
+                <a:latin typeface="Arial" panose="020B0604020202020204" pitchFamily="34" charset="0"/>
+                <a:cs typeface="Arial" panose="020B0604020202020204" pitchFamily="34" charset="0"/>
+              </a:rPr>
               <a:t>However , total no. of people who paid late fees where 1995 out of which 863 defaulted and 1132 paid the loan.</a:t>
             </a:r>
           </a:p>
@@ -5996,7 +4185,10 @@
               <a:buChar char="•"/>
             </a:pPr>
             <a:r>
-              <a:rPr lang="en-US" dirty="0"/>
+              <a:rPr lang="en-US" dirty="0">
+                <a:latin typeface="Arial" panose="020B0604020202020204" pitchFamily="34" charset="0"/>
+                <a:cs typeface="Arial" panose="020B0604020202020204" pitchFamily="34" charset="0"/>
+              </a:rPr>
               <a:t>Hence it can be concluded that , people with history of late fee payment will have 43% chance of becoming a defaulter.</a:t>
             </a:r>
           </a:p>
@@ -6015,7 +4207,7 @@
 </p:sld>
 </file>
 
-<file path=ppt/slides/slide24.xml><?xml version="1.0" encoding="utf-8"?>
+<file path=ppt/slides/slide14.xml><?xml version="1.0" encoding="utf-8"?>
 <p:sld xmlns:a="http://schemas.openxmlformats.org/drawingml/2006/main" xmlns:r="http://schemas.openxmlformats.org/officeDocument/2006/relationships" xmlns:p="http://schemas.openxmlformats.org/presentationml/2006/main">
   <p:cSld>
     <p:spTree>
@@ -6076,8 +4268,8 @@
         </p:nvSpPr>
         <p:spPr>
           <a:xfrm>
-            <a:off x="2220686" y="304800"/>
-            <a:ext cx="8548914" cy="461665"/>
+            <a:off x="1282329" y="257526"/>
+            <a:ext cx="9627339" cy="461665"/>
           </a:xfrm>
           <a:prstGeom prst="rect">
             <a:avLst/>
@@ -6092,7 +4284,13 @@
           <a:p>
             <a:pPr algn="ctr"/>
             <a:r>
-              <a:rPr lang="en-US" sz="2400" b="1" dirty="0"/>
+              <a:rPr lang="en-US" sz="2400" b="1" dirty="0">
+                <a:solidFill>
+                  <a:schemeClr val="accent1"/>
+                </a:solidFill>
+                <a:latin typeface="Arial" panose="020B0604020202020204" pitchFamily="34" charset="0"/>
+                <a:cs typeface="Arial" panose="020B0604020202020204" pitchFamily="34" charset="0"/>
+              </a:rPr>
               <a:t>Analyzing Charged off loans and Fully paid loans in each state </a:t>
             </a:r>
           </a:p>
@@ -6131,7 +4329,10 @@
               <a:buChar char="•"/>
             </a:pPr>
             <a:r>
-              <a:rPr lang="en-US" dirty="0"/>
+              <a:rPr lang="en-US" dirty="0">
+                <a:latin typeface="Arial" panose="020B0604020202020204" pitchFamily="34" charset="0"/>
+                <a:cs typeface="Arial" panose="020B0604020202020204" pitchFamily="34" charset="0"/>
+              </a:rPr>
               <a:t>Higher number of defaulted loans belonged to states CA,FL and NY likely due to economic factors.</a:t>
             </a:r>
           </a:p>
@@ -6141,7 +4342,10 @@
               <a:buChar char="•"/>
             </a:pPr>
             <a:r>
-              <a:rPr lang="en-US" dirty="0"/>
+              <a:rPr lang="en-US" dirty="0">
+                <a:latin typeface="Arial" panose="020B0604020202020204" pitchFamily="34" charset="0"/>
+                <a:cs typeface="Arial" panose="020B0604020202020204" pitchFamily="34" charset="0"/>
+              </a:rPr>
               <a:t>Conversely, states with no defaulters such as AK, DC, DE, MT, SD, VT, and WY, though having fewer loans, demonstrate stronger repayment behavior.</a:t>
             </a:r>
           </a:p>
@@ -6151,7 +4355,10 @@
               <a:buChar char="•"/>
             </a:pPr>
             <a:r>
-              <a:rPr lang="en-US" dirty="0"/>
+              <a:rPr lang="en-US" dirty="0">
+                <a:latin typeface="Arial" panose="020B0604020202020204" pitchFamily="34" charset="0"/>
+                <a:cs typeface="Arial" panose="020B0604020202020204" pitchFamily="34" charset="0"/>
+              </a:rPr>
               <a:t>These insights highlight the importance of regional risk assessment in lending practices.</a:t>
             </a:r>
           </a:p>
@@ -6170,7 +4377,7 @@
 </p:sld>
 </file>
 
-<file path=ppt/slides/slide25.xml><?xml version="1.0" encoding="utf-8"?>
+<file path=ppt/slides/slide15.xml><?xml version="1.0" encoding="utf-8"?>
 <p:sld xmlns:a="http://schemas.openxmlformats.org/drawingml/2006/main" xmlns:r="http://schemas.openxmlformats.org/officeDocument/2006/relationships" xmlns:p="http://schemas.openxmlformats.org/presentationml/2006/main">
   <p:cSld>
     <p:spTree>
@@ -6201,7 +4408,7 @@
         </p:nvSpPr>
         <p:spPr>
           <a:xfrm>
-            <a:off x="1868394" y="346364"/>
+            <a:off x="1821543" y="234892"/>
             <a:ext cx="8548914" cy="461665"/>
           </a:xfrm>
           <a:prstGeom prst="rect">
@@ -6221,6 +4428,8 @@
                 <a:solidFill>
                   <a:schemeClr val="accent1"/>
                 </a:solidFill>
+                <a:latin typeface="Arial" panose="020B0604020202020204" pitchFamily="34" charset="0"/>
+                <a:cs typeface="Arial" panose="020B0604020202020204" pitchFamily="34" charset="0"/>
               </a:rPr>
               <a:t>Analyzing Annual income vs loan amount</a:t>
             </a:r>
@@ -6301,8 +4510,8 @@
         </p:nvSpPr>
         <p:spPr>
           <a:xfrm>
-            <a:off x="789709" y="5500255"/>
-            <a:ext cx="10706285" cy="369332"/>
+            <a:off x="590927" y="5468945"/>
+            <a:ext cx="10706285" cy="923330"/>
           </a:xfrm>
           <a:prstGeom prst="rect">
             <a:avLst/>
@@ -6320,9 +4529,13 @@
               <a:buChar char="•"/>
             </a:pPr>
             <a:r>
-              <a:rPr lang="en-US" dirty="0"/>
-              <a:t> Need to conclude</a:t>
-            </a:r>
+              <a:rPr lang="en-US" sz="1800" dirty="0">
+                <a:latin typeface="Arial" panose="020B0604020202020204" pitchFamily="34" charset="0"/>
+                <a:cs typeface="Arial" panose="020B0604020202020204" pitchFamily="34" charset="0"/>
+              </a:rPr>
+              <a:t>When salary and loan is divided into categories of 20k, 5k increments respectively, and we find the median of loans for defaulted vs paid customers, it is observed that defaulted customer have a higher median.</a:t>
+            </a:r>
+            <a:endParaRPr lang="en-US" dirty="0"/>
           </a:p>
         </p:txBody>
       </p:sp>
@@ -6339,92 +4552,7 @@
 </p:sld>
 </file>
 
-<file path=ppt/slides/slide26.xml><?xml version="1.0" encoding="utf-8"?>
-<p:sld xmlns:a="http://schemas.openxmlformats.org/drawingml/2006/main" xmlns:r="http://schemas.openxmlformats.org/officeDocument/2006/relationships" xmlns:p="http://schemas.openxmlformats.org/presentationml/2006/main">
-  <p:cSld>
-    <p:spTree>
-      <p:nvGrpSpPr>
-        <p:cNvPr id="1" name=""/>
-        <p:cNvGrpSpPr/>
-        <p:nvPr/>
-      </p:nvGrpSpPr>
-      <p:grpSpPr>
-        <a:xfrm>
-          <a:off x="0" y="0"/>
-          <a:ext cx="0" cy="0"/>
-          <a:chOff x="0" y="0"/>
-          <a:chExt cx="0" cy="0"/>
-        </a:xfrm>
-      </p:grpSpPr>
-      <p:sp>
-        <p:nvSpPr>
-          <p:cNvPr id="2" name="Title 1">
-            <a:extLst>
-              <a:ext uri="{FF2B5EF4-FFF2-40B4-BE49-F238E27FC236}">
-                <a16:creationId xmlns:a16="http://schemas.microsoft.com/office/drawing/2014/main" id="{4ABAEFEA-19CA-6B0F-B728-B8B36CC13253}"/>
-              </a:ext>
-            </a:extLst>
-          </p:cNvPr>
-          <p:cNvSpPr>
-            <a:spLocks noGrp="1"/>
-          </p:cNvSpPr>
-          <p:nvPr>
-            <p:ph type="title"/>
-          </p:nvPr>
-        </p:nvSpPr>
-        <p:spPr/>
-        <p:txBody>
-          <a:bodyPr/>
-          <a:lstStyle/>
-          <a:p>
-            <a:endParaRPr lang="en-US" dirty="0"/>
-          </a:p>
-        </p:txBody>
-      </p:sp>
-      <p:pic>
-        <p:nvPicPr>
-          <p:cNvPr id="4" name="Picture 3">
-            <a:extLst>
-              <a:ext uri="{FF2B5EF4-FFF2-40B4-BE49-F238E27FC236}">
-                <a16:creationId xmlns:a16="http://schemas.microsoft.com/office/drawing/2014/main" id="{28EE25F3-12B1-4CEA-2CDF-197824A83AA2}"/>
-              </a:ext>
-            </a:extLst>
-          </p:cNvPr>
-          <p:cNvPicPr>
-            <a:picLocks noChangeAspect="1"/>
-          </p:cNvPicPr>
-          <p:nvPr/>
-        </p:nvPicPr>
-        <p:blipFill>
-          <a:blip r:embed="rId2"/>
-          <a:stretch>
-            <a:fillRect/>
-          </a:stretch>
-        </p:blipFill>
-        <p:spPr>
-          <a:xfrm>
-            <a:off x="3916939" y="757237"/>
-            <a:ext cx="7014297" cy="5712168"/>
-          </a:xfrm>
-          <a:prstGeom prst="rect">
-            <a:avLst/>
-          </a:prstGeom>
-        </p:spPr>
-      </p:pic>
-    </p:spTree>
-    <p:extLst>
-      <p:ext uri="{BB962C8B-B14F-4D97-AF65-F5344CB8AC3E}">
-        <p14:creationId xmlns:p14="http://schemas.microsoft.com/office/powerpoint/2010/main" val="3130431307"/>
-      </p:ext>
-    </p:extLst>
-  </p:cSld>
-  <p:clrMapOvr>
-    <a:masterClrMapping/>
-  </p:clrMapOvr>
-</p:sld>
-</file>
-
-<file path=ppt/slides/slide27.xml><?xml version="1.0" encoding="utf-8"?>
+<file path=ppt/slides/slide16.xml><?xml version="1.0" encoding="utf-8"?>
 <p:sld xmlns:a="http://schemas.openxmlformats.org/drawingml/2006/main" xmlns:r="http://schemas.openxmlformats.org/officeDocument/2006/relationships" xmlns:p="http://schemas.openxmlformats.org/presentationml/2006/main">
   <p:cSld>
     <p:spTree>
@@ -6443,10 +4571,10 @@
       </p:grpSpPr>
       <p:pic>
         <p:nvPicPr>
-          <p:cNvPr id="3" name="Picture 2">
+          <p:cNvPr id="2" name="Picture 1">
             <a:extLst>
               <a:ext uri="{FF2B5EF4-FFF2-40B4-BE49-F238E27FC236}">
-                <a16:creationId xmlns:a16="http://schemas.microsoft.com/office/drawing/2014/main" id="{499C9696-DC36-D08D-2189-D333C7A10B53}"/>
+                <a16:creationId xmlns:a16="http://schemas.microsoft.com/office/drawing/2014/main" id="{3623D0E9-0243-2C6B-73D8-86C470D0E9EF}"/>
               </a:ext>
             </a:extLst>
           </p:cNvPr>
@@ -6463,20 +4591,251 @@
         </p:blipFill>
         <p:spPr>
           <a:xfrm>
-            <a:off x="420914" y="1360489"/>
-            <a:ext cx="5152572" cy="3858617"/>
+            <a:off x="4672313" y="788023"/>
+            <a:ext cx="7014297" cy="5712168"/>
           </a:xfrm>
           <a:prstGeom prst="rect">
             <a:avLst/>
           </a:prstGeom>
         </p:spPr>
       </p:pic>
+      <p:sp>
+        <p:nvSpPr>
+          <p:cNvPr id="3" name="TextBox 2">
+            <a:extLst>
+              <a:ext uri="{FF2B5EF4-FFF2-40B4-BE49-F238E27FC236}">
+                <a16:creationId xmlns:a16="http://schemas.microsoft.com/office/drawing/2014/main" id="{05E4CA12-CBD7-5638-EA9E-E0A54CD6ECB3}"/>
+              </a:ext>
+            </a:extLst>
+          </p:cNvPr>
+          <p:cNvSpPr txBox="1"/>
+          <p:nvPr/>
+        </p:nvSpPr>
+        <p:spPr>
+          <a:xfrm>
+            <a:off x="2462052" y="140059"/>
+            <a:ext cx="6639339" cy="400110"/>
+          </a:xfrm>
+          <a:prstGeom prst="rect">
+            <a:avLst/>
+          </a:prstGeom>
+          <a:noFill/>
+        </p:spPr>
+        <p:txBody>
+          <a:bodyPr wrap="square" rtlCol="0">
+            <a:spAutoFit/>
+          </a:bodyPr>
+          <a:lstStyle/>
+          <a:p>
+            <a:pPr algn="ctr"/>
+            <a:r>
+              <a:rPr lang="en-US" sz="2000" b="1" dirty="0">
+                <a:solidFill>
+                  <a:schemeClr val="accent1"/>
+                </a:solidFill>
+                <a:latin typeface="Arial" panose="020B0604020202020204" pitchFamily="34" charset="0"/>
+                <a:cs typeface="Arial" panose="020B0604020202020204" pitchFamily="34" charset="0"/>
+              </a:rPr>
+              <a:t>Analyzing annual income vs loan amount</a:t>
+            </a:r>
+            <a:endParaRPr lang="en-US" sz="2000" dirty="0">
+              <a:solidFill>
+                <a:schemeClr val="accent1"/>
+              </a:solidFill>
+              <a:latin typeface="Arial" panose="020B0604020202020204" pitchFamily="34" charset="0"/>
+              <a:cs typeface="Arial" panose="020B0604020202020204" pitchFamily="34" charset="0"/>
+            </a:endParaRPr>
+          </a:p>
+        </p:txBody>
+      </p:sp>
+      <p:sp>
+        <p:nvSpPr>
+          <p:cNvPr id="4" name="TextBox 3">
+            <a:extLst>
+              <a:ext uri="{FF2B5EF4-FFF2-40B4-BE49-F238E27FC236}">
+                <a16:creationId xmlns:a16="http://schemas.microsoft.com/office/drawing/2014/main" id="{4A317C03-F4CA-3CC2-6438-D24785ED269E}"/>
+              </a:ext>
+            </a:extLst>
+          </p:cNvPr>
+          <p:cNvSpPr txBox="1"/>
+          <p:nvPr/>
+        </p:nvSpPr>
+        <p:spPr>
+          <a:xfrm>
+            <a:off x="251791" y="1283732"/>
+            <a:ext cx="4420522" cy="4555093"/>
+          </a:xfrm>
+          <a:prstGeom prst="rect">
+            <a:avLst/>
+          </a:prstGeom>
+          <a:noFill/>
+        </p:spPr>
+        <p:txBody>
+          <a:bodyPr wrap="square" rtlCol="0">
+            <a:spAutoFit/>
+          </a:bodyPr>
+          <a:lstStyle/>
+          <a:p>
+            <a:pPr marL="285750" indent="-285750">
+              <a:buFont typeface="Arial" panose="020B0604020202020204" pitchFamily="34" charset="0"/>
+              <a:buChar char="•"/>
+            </a:pPr>
+            <a:r>
+              <a:rPr lang="en-US" sz="1800" dirty="0">
+                <a:latin typeface="Arial" panose="020B0604020202020204" pitchFamily="34" charset="0"/>
+                <a:cs typeface="Arial" panose="020B0604020202020204" pitchFamily="34" charset="0"/>
+              </a:rPr>
+              <a:t>Figure shows the heat map of percentage of defaulted customers in each salary and loan category.</a:t>
+            </a:r>
+          </a:p>
+          <a:p>
+            <a:pPr marL="285750" indent="-285750">
+              <a:buFont typeface="Arial" panose="020B0604020202020204" pitchFamily="34" charset="0"/>
+              <a:buChar char="•"/>
+            </a:pPr>
+            <a:r>
+              <a:rPr lang="en-US" sz="1800" dirty="0">
+                <a:latin typeface="Arial" panose="020B0604020202020204" pitchFamily="34" charset="0"/>
+                <a:cs typeface="Arial" panose="020B0604020202020204" pitchFamily="34" charset="0"/>
+              </a:rPr>
+              <a:t>Here, salary and loan are divided into categories of 6500k, 1.5k increments  respectively (considering salary range 15k to 95k)</a:t>
+            </a:r>
+            <a:r>
+              <a:rPr lang="en-US" sz="2000" dirty="0">
+                <a:latin typeface="Arial" panose="020B0604020202020204" pitchFamily="34" charset="0"/>
+                <a:cs typeface="Arial" panose="020B0604020202020204" pitchFamily="34" charset="0"/>
+              </a:rPr>
+              <a:t>.</a:t>
+            </a:r>
+          </a:p>
+          <a:p>
+            <a:pPr marL="285750" indent="-285750">
+              <a:buFont typeface="Arial" panose="020B0604020202020204" pitchFamily="34" charset="0"/>
+              <a:buChar char="•"/>
+            </a:pPr>
+            <a:r>
+              <a:rPr lang="en-US" sz="1800" dirty="0">
+                <a:latin typeface="Arial" panose="020B0604020202020204" pitchFamily="34" charset="0"/>
+                <a:cs typeface="Arial" panose="020B0604020202020204" pitchFamily="34" charset="0"/>
+              </a:rPr>
+              <a:t>It can be observed that  defaulted percentage is maximum in highest loan category in each salary category. </a:t>
+            </a:r>
+          </a:p>
+          <a:p>
+            <a:pPr marL="285750" indent="-285750">
+              <a:buFont typeface="Arial" panose="020B0604020202020204" pitchFamily="34" charset="0"/>
+              <a:buChar char="•"/>
+            </a:pPr>
+            <a:r>
+              <a:rPr lang="en-US" sz="1800" dirty="0">
+                <a:latin typeface="Arial" panose="020B0604020202020204" pitchFamily="34" charset="0"/>
+                <a:cs typeface="Arial" panose="020B0604020202020204" pitchFamily="34" charset="0"/>
+              </a:rPr>
+              <a:t>It indicates that customers who defaulted took highest loans w.r.t their salary category and could not pay back the loans.</a:t>
+            </a:r>
+          </a:p>
+          <a:p>
+            <a:pPr marL="285750" indent="-285750">
+              <a:buFont typeface="Arial" panose="020B0604020202020204" pitchFamily="34" charset="0"/>
+              <a:buChar char="•"/>
+            </a:pPr>
+            <a:r>
+              <a:rPr lang="en-US" sz="1800" dirty="0">
+                <a:latin typeface="Arial" panose="020B0604020202020204" pitchFamily="34" charset="0"/>
+                <a:cs typeface="Arial" panose="020B0604020202020204" pitchFamily="34" charset="0"/>
+              </a:rPr>
+              <a:t>Max loan to a customer needs to be reduced to avoid such scenarios.</a:t>
+            </a:r>
+            <a:endParaRPr lang="en-US" dirty="0">
+              <a:latin typeface="Arial" panose="020B0604020202020204" pitchFamily="34" charset="0"/>
+              <a:cs typeface="Arial" panose="020B0604020202020204" pitchFamily="34" charset="0"/>
+            </a:endParaRPr>
+          </a:p>
+        </p:txBody>
+      </p:sp>
+    </p:spTree>
+    <p:extLst>
+      <p:ext uri="{BB962C8B-B14F-4D97-AF65-F5344CB8AC3E}">
+        <p14:creationId xmlns:p14="http://schemas.microsoft.com/office/powerpoint/2010/main" val="1379970204"/>
+      </p:ext>
+    </p:extLst>
+  </p:cSld>
+  <p:clrMapOvr>
+    <a:masterClrMapping/>
+  </p:clrMapOvr>
+</p:sld>
+</file>
+
+<file path=ppt/slides/slide17.xml><?xml version="1.0" encoding="utf-8"?>
+<p:sld xmlns:a="http://schemas.openxmlformats.org/drawingml/2006/main" xmlns:r="http://schemas.openxmlformats.org/officeDocument/2006/relationships" xmlns:p="http://schemas.openxmlformats.org/presentationml/2006/main">
+  <p:cSld>
+    <p:spTree>
+      <p:nvGrpSpPr>
+        <p:cNvPr id="1" name=""/>
+        <p:cNvGrpSpPr/>
+        <p:nvPr/>
+      </p:nvGrpSpPr>
+      <p:grpSpPr>
+        <a:xfrm>
+          <a:off x="0" y="0"/>
+          <a:ext cx="0" cy="0"/>
+          <a:chOff x="0" y="0"/>
+          <a:chExt cx="0" cy="0"/>
+        </a:xfrm>
+      </p:grpSpPr>
+      <p:sp>
+        <p:nvSpPr>
+          <p:cNvPr id="3" name="TextBox 2">
+            <a:extLst>
+              <a:ext uri="{FF2B5EF4-FFF2-40B4-BE49-F238E27FC236}">
+                <a16:creationId xmlns:a16="http://schemas.microsoft.com/office/drawing/2014/main" id="{118FA65D-D394-09CC-4096-B3932C6D8B73}"/>
+              </a:ext>
+            </a:extLst>
+          </p:cNvPr>
+          <p:cNvSpPr txBox="1"/>
+          <p:nvPr/>
+        </p:nvSpPr>
+        <p:spPr>
+          <a:xfrm>
+            <a:off x="1842052" y="282377"/>
+            <a:ext cx="8507896" cy="400110"/>
+          </a:xfrm>
+          <a:prstGeom prst="rect">
+            <a:avLst/>
+          </a:prstGeom>
+          <a:noFill/>
+        </p:spPr>
+        <p:txBody>
+          <a:bodyPr wrap="square" rtlCol="0">
+            <a:spAutoFit/>
+          </a:bodyPr>
+          <a:lstStyle/>
+          <a:p>
+            <a:pPr algn="ctr"/>
+            <a:r>
+              <a:rPr lang="en-US" sz="2000" b="1" dirty="0">
+                <a:solidFill>
+                  <a:schemeClr val="accent1"/>
+                </a:solidFill>
+                <a:latin typeface="Arial" panose="020B0604020202020204" pitchFamily="34" charset="0"/>
+                <a:cs typeface="Arial" panose="020B0604020202020204" pitchFamily="34" charset="0"/>
+              </a:rPr>
+              <a:t>Analyzing public recorded bankruptcies for charged off loans</a:t>
+            </a:r>
+            <a:endParaRPr lang="en-US" sz="2000" b="1" dirty="0">
+              <a:solidFill>
+                <a:schemeClr val="accent1"/>
+              </a:solidFill>
+            </a:endParaRPr>
+          </a:p>
+        </p:txBody>
+      </p:sp>
       <p:pic>
         <p:nvPicPr>
           <p:cNvPr id="5" name="Picture 4">
             <a:extLst>
               <a:ext uri="{FF2B5EF4-FFF2-40B4-BE49-F238E27FC236}">
-                <a16:creationId xmlns:a16="http://schemas.microsoft.com/office/drawing/2014/main" id="{40D415A6-C8CB-DC2B-DDE8-6CCFACDE50A5}"/>
+                <a16:creationId xmlns:a16="http://schemas.microsoft.com/office/drawing/2014/main" id="{2D7086BC-8BC0-B95E-9415-F6A726F68DD4}"/>
               </a:ext>
             </a:extLst>
           </p:cNvPr>
@@ -6486,27 +4845,87 @@
           <p:nvPr/>
         </p:nvPicPr>
         <p:blipFill>
-          <a:blip r:embed="rId3"/>
+          <a:blip r:embed="rId2"/>
           <a:stretch>
             <a:fillRect/>
           </a:stretch>
         </p:blipFill>
         <p:spPr>
           <a:xfrm>
-            <a:off x="6096000" y="1401139"/>
-            <a:ext cx="5399994" cy="3817967"/>
+            <a:off x="149916" y="1043897"/>
+            <a:ext cx="11638210" cy="5131616"/>
           </a:xfrm>
           <a:prstGeom prst="rect">
             <a:avLst/>
           </a:prstGeom>
         </p:spPr>
       </p:pic>
-      <p:sp>
-        <p:nvSpPr>
-          <p:cNvPr id="6" name="TextBox 5">
+    </p:spTree>
+    <p:extLst>
+      <p:ext uri="{BB962C8B-B14F-4D97-AF65-F5344CB8AC3E}">
+        <p14:creationId xmlns:p14="http://schemas.microsoft.com/office/powerpoint/2010/main" val="3984089890"/>
+      </p:ext>
+    </p:extLst>
+  </p:cSld>
+  <p:clrMapOvr>
+    <a:masterClrMapping/>
+  </p:clrMapOvr>
+</p:sld>
+</file>
+
+<file path=ppt/slides/slide18.xml><?xml version="1.0" encoding="utf-8"?>
+<p:sld xmlns:a="http://schemas.openxmlformats.org/drawingml/2006/main" xmlns:r="http://schemas.openxmlformats.org/officeDocument/2006/relationships" xmlns:p="http://schemas.openxmlformats.org/presentationml/2006/main">
+  <p:cSld>
+    <p:spTree>
+      <p:nvGrpSpPr>
+        <p:cNvPr id="1" name=""/>
+        <p:cNvGrpSpPr/>
+        <p:nvPr/>
+      </p:nvGrpSpPr>
+      <p:grpSpPr>
+        <a:xfrm>
+          <a:off x="0" y="0"/>
+          <a:ext cx="0" cy="0"/>
+          <a:chOff x="0" y="0"/>
+          <a:chExt cx="0" cy="0"/>
+        </a:xfrm>
+      </p:grpSpPr>
+      <p:pic>
+        <p:nvPicPr>
+          <p:cNvPr id="2" name="Picture 1" descr="A graph with blue squares&#10;&#10;Description automatically generated">
             <a:extLst>
               <a:ext uri="{FF2B5EF4-FFF2-40B4-BE49-F238E27FC236}">
-                <a16:creationId xmlns:a16="http://schemas.microsoft.com/office/drawing/2014/main" id="{38EFBD9F-A458-7991-6B65-0B4402320738}"/>
+                <a16:creationId xmlns:a16="http://schemas.microsoft.com/office/drawing/2014/main" id="{1115C997-6CF7-4081-DFA0-1314320844FF}"/>
+              </a:ext>
+            </a:extLst>
+          </p:cNvPr>
+          <p:cNvPicPr>
+            <a:picLocks noChangeAspect="1"/>
+          </p:cNvPicPr>
+          <p:nvPr/>
+        </p:nvPicPr>
+        <p:blipFill>
+          <a:blip r:embed="rId2"/>
+          <a:stretch>
+            <a:fillRect/>
+          </a:stretch>
+        </p:blipFill>
+        <p:spPr>
+          <a:xfrm>
+            <a:off x="451457" y="259080"/>
+            <a:ext cx="10733378" cy="4625434"/>
+          </a:xfrm>
+          <a:prstGeom prst="rect">
+            <a:avLst/>
+          </a:prstGeom>
+        </p:spPr>
+      </p:pic>
+      <p:sp>
+        <p:nvSpPr>
+          <p:cNvPr id="3" name="TextBox 2">
+            <a:extLst>
+              <a:ext uri="{FF2B5EF4-FFF2-40B4-BE49-F238E27FC236}">
+                <a16:creationId xmlns:a16="http://schemas.microsoft.com/office/drawing/2014/main" id="{173760E0-0532-F06A-797F-58C326A33E2F}"/>
               </a:ext>
             </a:extLst>
           </p:cNvPr>
@@ -6515,8 +4934,8 @@
         </p:nvSpPr>
         <p:spPr>
           <a:xfrm>
-            <a:off x="1868394" y="346364"/>
-            <a:ext cx="8548914" cy="461665"/>
+            <a:off x="1166191" y="5141843"/>
+            <a:ext cx="9462052" cy="646331"/>
           </a:xfrm>
           <a:prstGeom prst="rect">
             <a:avLst/>
@@ -6529,53 +4948,33 @@
           </a:bodyPr>
           <a:lstStyle/>
           <a:p>
-            <a:pPr algn="ctr"/>
-            <a:r>
-              <a:rPr lang="en-US" sz="2400" b="1" dirty="0">
-                <a:solidFill>
-                  <a:schemeClr val="accent1"/>
-                </a:solidFill>
-              </a:rPr>
-              <a:t>Analyzing Monthly income vs Installment</a:t>
-            </a:r>
-          </a:p>
-        </p:txBody>
-      </p:sp>
-      <p:sp>
-        <p:nvSpPr>
-          <p:cNvPr id="7" name="TextBox 6">
-            <a:extLst>
-              <a:ext uri="{FF2B5EF4-FFF2-40B4-BE49-F238E27FC236}">
-                <a16:creationId xmlns:a16="http://schemas.microsoft.com/office/drawing/2014/main" id="{DB034931-3EB5-7A92-7F62-88C139E98DCF}"/>
-              </a:ext>
-            </a:extLst>
-          </p:cNvPr>
-          <p:cNvSpPr txBox="1"/>
-          <p:nvPr/>
-        </p:nvSpPr>
-        <p:spPr>
-          <a:xfrm>
-            <a:off x="789709" y="5500255"/>
-            <a:ext cx="10706285" cy="369332"/>
-          </a:xfrm>
-          <a:prstGeom prst="rect">
-            <a:avLst/>
-          </a:prstGeom>
-          <a:noFill/>
-        </p:spPr>
-        <p:txBody>
-          <a:bodyPr wrap="square" rtlCol="0">
-            <a:spAutoFit/>
-          </a:bodyPr>
-          <a:lstStyle/>
-          <a:p>
             <a:pPr marL="285750" indent="-285750">
               <a:buFont typeface="Arial" panose="020B0604020202020204" pitchFamily="34" charset="0"/>
               <a:buChar char="•"/>
             </a:pPr>
             <a:r>
-              <a:rPr lang="en-US" dirty="0"/>
-              <a:t> Need to conclude</a:t>
+              <a:rPr lang="en-US" sz="1800" dirty="0">
+                <a:latin typeface="Arial" panose="020B0604020202020204" pitchFamily="34" charset="0"/>
+                <a:cs typeface="Arial" panose="020B0604020202020204" pitchFamily="34" charset="0"/>
+              </a:rPr>
+              <a:t>1274 customers had record of bankruptcies and 368 among them defaulted.</a:t>
+            </a:r>
+            <a:endParaRPr lang="en-US" dirty="0">
+              <a:latin typeface="Arial" panose="020B0604020202020204" pitchFamily="34" charset="0"/>
+              <a:cs typeface="Arial" panose="020B0604020202020204" pitchFamily="34" charset="0"/>
+            </a:endParaRPr>
+          </a:p>
+          <a:p>
+            <a:pPr marL="285750" indent="-285750">
+              <a:buFont typeface="Arial" panose="020B0604020202020204" pitchFamily="34" charset="0"/>
+              <a:buChar char="•"/>
+            </a:pPr>
+            <a:r>
+              <a:rPr lang="en-US" sz="1800" dirty="0">
+                <a:latin typeface="Arial" panose="020B0604020202020204" pitchFamily="34" charset="0"/>
+                <a:cs typeface="Arial" panose="020B0604020202020204" pitchFamily="34" charset="0"/>
+              </a:rPr>
+              <a:t>29% customers with public record of bankruptcies have defaulted.</a:t>
             </a:r>
           </a:p>
         </p:txBody>
@@ -6583,7 +4982,370 @@
     </p:spTree>
     <p:extLst>
       <p:ext uri="{BB962C8B-B14F-4D97-AF65-F5344CB8AC3E}">
-        <p14:creationId xmlns:p14="http://schemas.microsoft.com/office/powerpoint/2010/main" val="2264019784"/>
+        <p14:creationId xmlns:p14="http://schemas.microsoft.com/office/powerpoint/2010/main" val="3956915960"/>
+      </p:ext>
+    </p:extLst>
+  </p:cSld>
+  <p:clrMapOvr>
+    <a:masterClrMapping/>
+  </p:clrMapOvr>
+</p:sld>
+</file>
+
+<file path=ppt/slides/slide19.xml><?xml version="1.0" encoding="utf-8"?>
+<p:sld xmlns:a="http://schemas.openxmlformats.org/drawingml/2006/main" xmlns:r="http://schemas.openxmlformats.org/officeDocument/2006/relationships" xmlns:p="http://schemas.openxmlformats.org/presentationml/2006/main">
+  <p:cSld>
+    <p:spTree>
+      <p:nvGrpSpPr>
+        <p:cNvPr id="1" name=""/>
+        <p:cNvGrpSpPr/>
+        <p:nvPr/>
+      </p:nvGrpSpPr>
+      <p:grpSpPr>
+        <a:xfrm>
+          <a:off x="0" y="0"/>
+          <a:ext cx="0" cy="0"/>
+          <a:chOff x="0" y="0"/>
+          <a:chExt cx="0" cy="0"/>
+        </a:xfrm>
+      </p:grpSpPr>
+      <p:sp>
+        <p:nvSpPr>
+          <p:cNvPr id="2" name="Title 1">
+            <a:extLst>
+              <a:ext uri="{FF2B5EF4-FFF2-40B4-BE49-F238E27FC236}">
+                <a16:creationId xmlns:a16="http://schemas.microsoft.com/office/drawing/2014/main" id="{F8ECFD7E-066C-4D7A-A507-027A18B1EE24}"/>
+              </a:ext>
+            </a:extLst>
+          </p:cNvPr>
+          <p:cNvSpPr>
+            <a:spLocks noGrp="1"/>
+          </p:cNvSpPr>
+          <p:nvPr>
+            <p:ph type="ctrTitle"/>
+          </p:nvPr>
+        </p:nvSpPr>
+        <p:spPr>
+          <a:xfrm>
+            <a:off x="633290" y="841248"/>
+            <a:ext cx="7627933" cy="724316"/>
+          </a:xfrm>
+        </p:spPr>
+        <p:txBody>
+          <a:bodyPr>
+            <a:normAutofit/>
+          </a:bodyPr>
+          <a:lstStyle/>
+          <a:p>
+            <a:r>
+              <a:rPr lang="en-US" sz="4000" dirty="0">
+                <a:latin typeface="Arial" panose="020B0604020202020204" pitchFamily="34" charset="0"/>
+                <a:cs typeface="Arial" panose="020B0604020202020204" pitchFamily="34" charset="0"/>
+              </a:rPr>
+              <a:t>Conclusions</a:t>
+            </a:r>
+          </a:p>
+        </p:txBody>
+      </p:sp>
+      <p:sp>
+        <p:nvSpPr>
+          <p:cNvPr id="3" name="Subtitle 2">
+            <a:extLst>
+              <a:ext uri="{FF2B5EF4-FFF2-40B4-BE49-F238E27FC236}">
+                <a16:creationId xmlns:a16="http://schemas.microsoft.com/office/drawing/2014/main" id="{70AB4496-A763-33A1-78F2-8686CA34CEBA}"/>
+              </a:ext>
+            </a:extLst>
+          </p:cNvPr>
+          <p:cNvSpPr>
+            <a:spLocks noGrp="1"/>
+          </p:cNvSpPr>
+          <p:nvPr>
+            <p:ph type="subTitle" idx="1"/>
+          </p:nvPr>
+        </p:nvSpPr>
+        <p:spPr>
+          <a:xfrm>
+            <a:off x="633290" y="1648058"/>
+            <a:ext cx="8091610" cy="4262411"/>
+          </a:xfrm>
+        </p:spPr>
+        <p:txBody>
+          <a:bodyPr>
+            <a:normAutofit fontScale="77500" lnSpcReduction="20000"/>
+          </a:bodyPr>
+          <a:lstStyle/>
+          <a:p>
+            <a:pPr>
+              <a:lnSpc>
+                <a:spcPct val="120000"/>
+              </a:lnSpc>
+            </a:pPr>
+            <a:r>
+              <a:rPr lang="en-US" sz="2100" dirty="0">
+                <a:latin typeface="Arial" panose="020B0604020202020204" pitchFamily="34" charset="0"/>
+                <a:cs typeface="Arial" panose="020B0604020202020204" pitchFamily="34" charset="0"/>
+              </a:rPr>
+              <a:t>Lender should be aware of below customer trends to avoid/reduce lending to loan defaulters:</a:t>
+            </a:r>
+          </a:p>
+          <a:p>
+            <a:pPr>
+              <a:lnSpc>
+                <a:spcPct val="120000"/>
+              </a:lnSpc>
+            </a:pPr>
+            <a:r>
+              <a:rPr lang="en-US" sz="2100" dirty="0">
+                <a:latin typeface="Arial" panose="020B0604020202020204" pitchFamily="34" charset="0"/>
+                <a:cs typeface="Arial" panose="020B0604020202020204" pitchFamily="34" charset="0"/>
+              </a:rPr>
+              <a:t>- Customers with late fee payments have 43% of being a defaulter.</a:t>
+            </a:r>
+          </a:p>
+          <a:p>
+            <a:pPr>
+              <a:lnSpc>
+                <a:spcPct val="120000"/>
+              </a:lnSpc>
+            </a:pPr>
+            <a:r>
+              <a:rPr lang="en-US" sz="2100" dirty="0">
+                <a:latin typeface="Arial" panose="020B0604020202020204" pitchFamily="34" charset="0"/>
+                <a:cs typeface="Arial" panose="020B0604020202020204" pitchFamily="34" charset="0"/>
+              </a:rPr>
+              <a:t>- Customers belonging to grades G,F,E,D defaulted by more than  25%. Its 47%,42%,36%,35% for F5, G3, G2, F4 sub-grade customers, respectively.</a:t>
+            </a:r>
+          </a:p>
+          <a:p>
+            <a:pPr>
+              <a:lnSpc>
+                <a:spcPct val="120000"/>
+              </a:lnSpc>
+            </a:pPr>
+            <a:r>
+              <a:rPr lang="en-US" sz="2100" dirty="0">
+                <a:latin typeface="Arial" panose="020B0604020202020204" pitchFamily="34" charset="0"/>
+                <a:cs typeface="Arial" panose="020B0604020202020204" pitchFamily="34" charset="0"/>
+              </a:rPr>
+              <a:t> - Loans given for the purpose of small business get defaulted by 25%</a:t>
+            </a:r>
+          </a:p>
+          <a:p>
+            <a:pPr>
+              <a:lnSpc>
+                <a:spcPct val="120000"/>
+              </a:lnSpc>
+            </a:pPr>
+            <a:r>
+              <a:rPr lang="en-US" sz="2100" dirty="0">
+                <a:latin typeface="Arial" panose="020B0604020202020204" pitchFamily="34" charset="0"/>
+                <a:cs typeface="Arial" panose="020B0604020202020204" pitchFamily="34" charset="0"/>
+              </a:rPr>
+              <a:t>- Customer with public record of bankruptcies default by 29%.</a:t>
+            </a:r>
+          </a:p>
+          <a:p>
+            <a:pPr>
+              <a:lnSpc>
+                <a:spcPct val="120000"/>
+              </a:lnSpc>
+            </a:pPr>
+            <a:r>
+              <a:rPr lang="en-US" sz="2100" dirty="0">
+                <a:latin typeface="Arial" panose="020B0604020202020204" pitchFamily="34" charset="0"/>
+                <a:cs typeface="Arial" panose="020B0604020202020204" pitchFamily="34" charset="0"/>
+              </a:rPr>
+              <a:t>- Customers who defaulted had higher DTI ratio and by categorizing of salary and loan it was observed that defaulters took high category loans compared to their annual income. Maximum loan provided for a given salary can be reduced further.</a:t>
+            </a:r>
+          </a:p>
+          <a:p>
+            <a:pPr>
+              <a:lnSpc>
+                <a:spcPct val="120000"/>
+              </a:lnSpc>
+            </a:pPr>
+            <a:r>
+              <a:rPr lang="en-US" sz="2100" dirty="0">
+                <a:latin typeface="Arial" panose="020B0604020202020204" pitchFamily="34" charset="0"/>
+                <a:cs typeface="Arial" panose="020B0604020202020204" pitchFamily="34" charset="0"/>
+              </a:rPr>
+              <a:t>- Total loans with 60 months term had 25% defaulters. A greater percentage of loans with a 3-year (36-month) term defaulted compared to those with a 5-year (60-month) term</a:t>
+            </a:r>
+          </a:p>
+          <a:p>
+            <a:endParaRPr lang="en-US" sz="2600" dirty="0">
+              <a:cs typeface="Arial" panose="020B0604020202020204" pitchFamily="34" charset="0"/>
+            </a:endParaRPr>
+          </a:p>
+          <a:p>
+            <a:pPr marL="457200" indent="-457200">
+              <a:buFont typeface="Wingdings" panose="05000000000000000000" pitchFamily="2" charset="2"/>
+              <a:buChar char="Ø"/>
+            </a:pPr>
+            <a:endParaRPr lang="en-US" dirty="0">
+              <a:latin typeface="Arial" panose="020B0604020202020204" pitchFamily="34" charset="0"/>
+              <a:cs typeface="Arial" panose="020B0604020202020204" pitchFamily="34" charset="0"/>
+            </a:endParaRPr>
+          </a:p>
+          <a:p>
+            <a:pPr marL="457200" indent="-457200">
+              <a:buFont typeface="Wingdings" panose="05000000000000000000" pitchFamily="2" charset="2"/>
+              <a:buChar char="Ø"/>
+            </a:pPr>
+            <a:endParaRPr lang="en-US" dirty="0">
+              <a:latin typeface="Arial" panose="020B0604020202020204" pitchFamily="34" charset="0"/>
+              <a:cs typeface="Arial" panose="020B0604020202020204" pitchFamily="34" charset="0"/>
+            </a:endParaRPr>
+          </a:p>
+          <a:p>
+            <a:pPr marL="457200" indent="-457200">
+              <a:buAutoNum type="arabicPeriod"/>
+            </a:pPr>
+            <a:endParaRPr lang="en-US" dirty="0">
+              <a:latin typeface="Arial" panose="020B0604020202020204" pitchFamily="34" charset="0"/>
+              <a:cs typeface="Arial" panose="020B0604020202020204" pitchFamily="34" charset="0"/>
+            </a:endParaRPr>
+          </a:p>
+        </p:txBody>
+      </p:sp>
+    </p:spTree>
+    <p:extLst>
+      <p:ext uri="{BB962C8B-B14F-4D97-AF65-F5344CB8AC3E}">
+        <p14:creationId xmlns:p14="http://schemas.microsoft.com/office/powerpoint/2010/main" val="3195305034"/>
+      </p:ext>
+    </p:extLst>
+  </p:cSld>
+  <p:clrMapOvr>
+    <a:masterClrMapping/>
+  </p:clrMapOvr>
+</p:sld>
+</file>
+
+<file path=ppt/slides/slide2.xml><?xml version="1.0" encoding="utf-8"?>
+<p:sld xmlns:a="http://schemas.openxmlformats.org/drawingml/2006/main" xmlns:r="http://schemas.openxmlformats.org/officeDocument/2006/relationships" xmlns:p="http://schemas.openxmlformats.org/presentationml/2006/main">
+  <p:cSld>
+    <p:spTree>
+      <p:nvGrpSpPr>
+        <p:cNvPr id="1" name=""/>
+        <p:cNvGrpSpPr/>
+        <p:nvPr/>
+      </p:nvGrpSpPr>
+      <p:grpSpPr>
+        <a:xfrm>
+          <a:off x="0" y="0"/>
+          <a:ext cx="0" cy="0"/>
+          <a:chOff x="0" y="0"/>
+          <a:chExt cx="0" cy="0"/>
+        </a:xfrm>
+      </p:grpSpPr>
+      <p:sp>
+        <p:nvSpPr>
+          <p:cNvPr id="2" name="Title 1">
+            <a:extLst>
+              <a:ext uri="{FF2B5EF4-FFF2-40B4-BE49-F238E27FC236}">
+                <a16:creationId xmlns:a16="http://schemas.microsoft.com/office/drawing/2014/main" id="{CC0CE8AD-D50C-4222-3A38-BCD9499FEC07}"/>
+              </a:ext>
+            </a:extLst>
+          </p:cNvPr>
+          <p:cNvSpPr>
+            <a:spLocks noGrp="1"/>
+          </p:cNvSpPr>
+          <p:nvPr>
+            <p:ph type="title"/>
+          </p:nvPr>
+        </p:nvSpPr>
+        <p:spPr/>
+        <p:txBody>
+          <a:bodyPr/>
+          <a:lstStyle/>
+          <a:p>
+            <a:r>
+              <a:rPr lang="en-US" dirty="0">
+                <a:latin typeface="Arial" panose="020B0604020202020204" pitchFamily="34" charset="0"/>
+                <a:cs typeface="Arial" panose="020B0604020202020204" pitchFamily="34" charset="0"/>
+              </a:rPr>
+              <a:t>Purpose</a:t>
+            </a:r>
+          </a:p>
+        </p:txBody>
+      </p:sp>
+      <p:sp>
+        <p:nvSpPr>
+          <p:cNvPr id="3" name="Content Placeholder 2">
+            <a:extLst>
+              <a:ext uri="{FF2B5EF4-FFF2-40B4-BE49-F238E27FC236}">
+                <a16:creationId xmlns:a16="http://schemas.microsoft.com/office/drawing/2014/main" id="{141E9980-880A-CC10-8306-9721F674887F}"/>
+              </a:ext>
+            </a:extLst>
+          </p:cNvPr>
+          <p:cNvSpPr>
+            <a:spLocks noGrp="1"/>
+          </p:cNvSpPr>
+          <p:nvPr>
+            <p:ph idx="1"/>
+          </p:nvPr>
+        </p:nvSpPr>
+        <p:spPr/>
+        <p:txBody>
+          <a:bodyPr>
+            <a:normAutofit/>
+          </a:bodyPr>
+          <a:lstStyle/>
+          <a:p>
+            <a:pPr>
+              <a:lnSpc>
+                <a:spcPct val="100000"/>
+              </a:lnSpc>
+            </a:pPr>
+            <a:r>
+              <a:rPr lang="en-US" sz="2400" dirty="0">
+                <a:latin typeface="Arial" panose="020B0604020202020204" pitchFamily="34" charset="0"/>
+                <a:cs typeface="Arial" panose="020B0604020202020204" pitchFamily="34" charset="0"/>
+              </a:rPr>
+              <a:t>This case study analyzes a consumer finance company specializing in lending diverse types of loans to urban customers. </a:t>
+            </a:r>
+          </a:p>
+          <a:p>
+            <a:pPr>
+              <a:lnSpc>
+                <a:spcPct val="100000"/>
+              </a:lnSpc>
+            </a:pPr>
+            <a:r>
+              <a:rPr lang="en-US" sz="2400" dirty="0">
+                <a:latin typeface="Arial" panose="020B0604020202020204" pitchFamily="34" charset="0"/>
+                <a:cs typeface="Arial" panose="020B0604020202020204" pitchFamily="34" charset="0"/>
+              </a:rPr>
+              <a:t>The primary objective is to identify predictive patterns and factors that indicate the likelihood of loan default. </a:t>
+            </a:r>
+          </a:p>
+          <a:p>
+            <a:pPr>
+              <a:lnSpc>
+                <a:spcPct val="100000"/>
+              </a:lnSpc>
+            </a:pPr>
+            <a:r>
+              <a:rPr lang="en-US" sz="2400" dirty="0">
+                <a:latin typeface="Arial" panose="020B0604020202020204" pitchFamily="34" charset="0"/>
+                <a:cs typeface="Arial" panose="020B0604020202020204" pitchFamily="34" charset="0"/>
+              </a:rPr>
+              <a:t>These insights will help form strategic decisions such as denying loans, reducing loan amounts, or adjusting interest rates for higher-risk applicants.</a:t>
+            </a:r>
+            <a:endParaRPr lang="en-US" sz="2400" dirty="0">
+              <a:solidFill>
+                <a:schemeClr val="tx1"/>
+              </a:solidFill>
+              <a:latin typeface="Arial" panose="020B0604020202020204" pitchFamily="34" charset="0"/>
+              <a:cs typeface="Arial" panose="020B0604020202020204" pitchFamily="34" charset="0"/>
+            </a:endParaRPr>
+          </a:p>
+        </p:txBody>
+      </p:sp>
+    </p:spTree>
+    <p:extLst>
+      <p:ext uri="{BB962C8B-B14F-4D97-AF65-F5344CB8AC3E}">
+        <p14:creationId xmlns:p14="http://schemas.microsoft.com/office/powerpoint/2010/main" val="3349575075"/>
       </p:ext>
     </p:extLst>
   </p:cSld>
@@ -6632,7 +5394,10 @@
           <a:lstStyle/>
           <a:p>
             <a:r>
-              <a:rPr lang="en-US" dirty="0"/>
+              <a:rPr lang="en-US" dirty="0">
+                <a:latin typeface="Arial" panose="020B0604020202020204" pitchFamily="34" charset="0"/>
+                <a:cs typeface="Arial" panose="020B0604020202020204" pitchFamily="34" charset="0"/>
+              </a:rPr>
               <a:t>Steps</a:t>
             </a:r>
           </a:p>
@@ -6679,7 +5444,10 @@
           <a:p>
             <a:pPr algn="ctr"/>
             <a:r>
-              <a:rPr lang="en-US" dirty="0"/>
+              <a:rPr lang="en-US" dirty="0">
+                <a:latin typeface="Arial" panose="020B0604020202020204" pitchFamily="34" charset="0"/>
+                <a:cs typeface="Arial" panose="020B0604020202020204" pitchFamily="34" charset="0"/>
+              </a:rPr>
               <a:t>Importing the data</a:t>
             </a:r>
           </a:p>
@@ -6726,7 +5494,10 @@
           <a:p>
             <a:pPr algn="ctr"/>
             <a:r>
-              <a:rPr lang="en-US" dirty="0"/>
+              <a:rPr lang="en-US" dirty="0">
+                <a:latin typeface="Arial" panose="020B0604020202020204" pitchFamily="34" charset="0"/>
+                <a:cs typeface="Arial" panose="020B0604020202020204" pitchFamily="34" charset="0"/>
+              </a:rPr>
               <a:t>Removing the attributes with null values</a:t>
             </a:r>
           </a:p>
@@ -6773,7 +5544,10 @@
           <a:p>
             <a:pPr algn="ctr"/>
             <a:r>
-              <a:rPr lang="en-US" dirty="0"/>
+              <a:rPr lang="en-US" dirty="0">
+                <a:latin typeface="Arial" panose="020B0604020202020204" pitchFamily="34" charset="0"/>
+                <a:cs typeface="Arial" panose="020B0604020202020204" pitchFamily="34" charset="0"/>
+              </a:rPr>
               <a:t>Removing the attributes with only single value</a:t>
             </a:r>
           </a:p>
@@ -6820,7 +5594,10 @@
           <a:p>
             <a:pPr algn="ctr"/>
             <a:r>
-              <a:rPr lang="en-US" dirty="0"/>
+              <a:rPr lang="en-US" dirty="0">
+                <a:latin typeface="Arial" panose="020B0604020202020204" pitchFamily="34" charset="0"/>
+                <a:cs typeface="Arial" panose="020B0604020202020204" pitchFamily="34" charset="0"/>
+              </a:rPr>
               <a:t>Removing the attributes that are not relevant</a:t>
             </a:r>
           </a:p>
@@ -6867,7 +5644,10 @@
           <a:p>
             <a:pPr algn="ctr"/>
             <a:r>
-              <a:rPr lang="en-US" dirty="0"/>
+              <a:rPr lang="en-US" dirty="0">
+                <a:latin typeface="Arial" panose="020B0604020202020204" pitchFamily="34" charset="0"/>
+                <a:cs typeface="Arial" panose="020B0604020202020204" pitchFamily="34" charset="0"/>
+              </a:rPr>
               <a:t>Fixing attributes with null values</a:t>
             </a:r>
           </a:p>
@@ -6914,7 +5694,10 @@
           <a:p>
             <a:pPr algn="ctr"/>
             <a:r>
-              <a:rPr lang="en-US" dirty="0"/>
+              <a:rPr lang="en-US" dirty="0">
+                <a:latin typeface="Arial" panose="020B0604020202020204" pitchFamily="34" charset="0"/>
+                <a:cs typeface="Arial" panose="020B0604020202020204" pitchFamily="34" charset="0"/>
+              </a:rPr>
               <a:t>Correcting the data types and value formats</a:t>
             </a:r>
           </a:p>
@@ -6961,7 +5744,10 @@
           <a:p>
             <a:pPr algn="ctr"/>
             <a:r>
-              <a:rPr lang="en-US" dirty="0"/>
+              <a:rPr lang="en-US" dirty="0">
+                <a:latin typeface="Arial" panose="020B0604020202020204" pitchFamily="34" charset="0"/>
+                <a:cs typeface="Arial" panose="020B0604020202020204" pitchFamily="34" charset="0"/>
+              </a:rPr>
               <a:t>Deriving new columns as needed</a:t>
             </a:r>
           </a:p>
@@ -7008,7 +5794,10 @@
           <a:p>
             <a:pPr algn="ctr"/>
             <a:r>
-              <a:rPr lang="en-US" dirty="0"/>
+              <a:rPr lang="en-US" dirty="0">
+                <a:latin typeface="Arial" panose="020B0604020202020204" pitchFamily="34" charset="0"/>
+                <a:cs typeface="Arial" panose="020B0604020202020204" pitchFamily="34" charset="0"/>
+              </a:rPr>
               <a:t>Removing outliers if any</a:t>
             </a:r>
           </a:p>
@@ -7055,7 +5844,10 @@
           <a:p>
             <a:pPr algn="ctr"/>
             <a:r>
-              <a:rPr lang="en-US" dirty="0"/>
+              <a:rPr lang="en-US" dirty="0">
+                <a:latin typeface="Arial" panose="020B0604020202020204" pitchFamily="34" charset="0"/>
+                <a:cs typeface="Arial" panose="020B0604020202020204" pitchFamily="34" charset="0"/>
+              </a:rPr>
               <a:t>Univariate, Bivariate and multivariate analysis</a:t>
             </a:r>
           </a:p>
@@ -7430,8 +6222,8 @@
         </p:nvSpPr>
         <p:spPr>
           <a:xfrm>
-            <a:off x="252919" y="1972638"/>
-            <a:ext cx="2947482" cy="3752382"/>
+            <a:off x="226415" y="2332383"/>
+            <a:ext cx="2947482" cy="3710690"/>
           </a:xfrm>
         </p:spPr>
         <p:txBody>
@@ -7440,40 +6232,78 @@
           </a:bodyPr>
           <a:lstStyle/>
           <a:p>
-            <a:r>
-              <a:rPr lang="en-US" dirty="0"/>
+            <a:pPr>
+              <a:lnSpc>
+                <a:spcPct val="100000"/>
+              </a:lnSpc>
+            </a:pPr>
+            <a:r>
+              <a:rPr lang="en-US" dirty="0">
+                <a:latin typeface="Arial" panose="020B0604020202020204" pitchFamily="34" charset="0"/>
+                <a:cs typeface="Arial" panose="020B0604020202020204" pitchFamily="34" charset="0"/>
+              </a:rPr>
               <a:t>Distribution of loans by status</a:t>
             </a:r>
             <a:br>
-              <a:rPr lang="en-US" dirty="0"/>
+              <a:rPr lang="en-US" dirty="0">
+                <a:latin typeface="Arial" panose="020B0604020202020204" pitchFamily="34" charset="0"/>
+                <a:cs typeface="Arial" panose="020B0604020202020204" pitchFamily="34" charset="0"/>
+              </a:rPr>
             </a:br>
             <a:br>
-              <a:rPr lang="en-US" dirty="0"/>
+              <a:rPr lang="en-US" dirty="0">
+                <a:latin typeface="Arial" panose="020B0604020202020204" pitchFamily="34" charset="0"/>
+                <a:cs typeface="Arial" panose="020B0604020202020204" pitchFamily="34" charset="0"/>
+              </a:rPr>
             </a:br>
             <a:r>
-              <a:rPr lang="en-US" sz="2200" dirty="0"/>
+              <a:rPr lang="en-US" sz="2000" dirty="0">
+                <a:latin typeface="Arial" panose="020B0604020202020204" pitchFamily="34" charset="0"/>
+                <a:cs typeface="Arial" panose="020B0604020202020204" pitchFamily="34" charset="0"/>
+              </a:rPr>
               <a:t>- Among the 39717 loans given by the lender, 32950 loans are fully paid and 5627 loans  are charged off and remaining  1140 loans are in current running state.</a:t>
             </a:r>
             <a:br>
-              <a:rPr lang="en-US" sz="2200" dirty="0"/>
+              <a:rPr lang="en-US" sz="2000" dirty="0">
+                <a:latin typeface="Arial" panose="020B0604020202020204" pitchFamily="34" charset="0"/>
+                <a:cs typeface="Arial" panose="020B0604020202020204" pitchFamily="34" charset="0"/>
+              </a:rPr>
             </a:br>
             <a:br>
-              <a:rPr lang="en-US" sz="2200" dirty="0"/>
+              <a:rPr lang="en-US" sz="2000" dirty="0">
+                <a:latin typeface="Arial" panose="020B0604020202020204" pitchFamily="34" charset="0"/>
+                <a:cs typeface="Arial" panose="020B0604020202020204" pitchFamily="34" charset="0"/>
+              </a:rPr>
             </a:br>
             <a:r>
-              <a:rPr lang="en-US" sz="2200" dirty="0"/>
+              <a:rPr lang="en-US" sz="2000" dirty="0">
+                <a:latin typeface="Arial" panose="020B0604020202020204" pitchFamily="34" charset="0"/>
+                <a:cs typeface="Arial" panose="020B0604020202020204" pitchFamily="34" charset="0"/>
+              </a:rPr>
               <a:t>- Considering loans which are not in progress, 14.58% of loans were charged off causing loss to the lenders.</a:t>
             </a:r>
             <a:br>
-              <a:rPr lang="en-US" dirty="0"/>
+              <a:rPr lang="en-US" dirty="0">
+                <a:latin typeface="Arial" panose="020B0604020202020204" pitchFamily="34" charset="0"/>
+                <a:cs typeface="Arial" panose="020B0604020202020204" pitchFamily="34" charset="0"/>
+              </a:rPr>
             </a:br>
             <a:br>
-              <a:rPr lang="en-US" dirty="0"/>
+              <a:rPr lang="en-US" dirty="0">
+                <a:latin typeface="Arial" panose="020B0604020202020204" pitchFamily="34" charset="0"/>
+                <a:cs typeface="Arial" panose="020B0604020202020204" pitchFamily="34" charset="0"/>
+              </a:rPr>
             </a:br>
             <a:br>
-              <a:rPr lang="en-US" dirty="0"/>
+              <a:rPr lang="en-US" dirty="0">
+                <a:latin typeface="Arial" panose="020B0604020202020204" pitchFamily="34" charset="0"/>
+                <a:cs typeface="Arial" panose="020B0604020202020204" pitchFamily="34" charset="0"/>
+              </a:rPr>
             </a:br>
-            <a:endParaRPr lang="en-US" dirty="0"/>
+            <a:endParaRPr lang="en-US" dirty="0">
+              <a:latin typeface="Arial" panose="020B0604020202020204" pitchFamily="34" charset="0"/>
+              <a:cs typeface="Arial" panose="020B0604020202020204" pitchFamily="34" charset="0"/>
+            </a:endParaRPr>
           </a:p>
         </p:txBody>
       </p:sp>
@@ -7626,7 +6456,7 @@
           <p:cNvPr id="2" name="Title 1">
             <a:extLst>
               <a:ext uri="{FF2B5EF4-FFF2-40B4-BE49-F238E27FC236}">
-                <a16:creationId xmlns:a16="http://schemas.microsoft.com/office/drawing/2014/main" id="{DCC25E67-3D51-9548-2582-9622FF291510}"/>
+                <a16:creationId xmlns:a16="http://schemas.microsoft.com/office/drawing/2014/main" id="{47810A15-3F2B-58B9-214D-E223B41D7352}"/>
               </a:ext>
             </a:extLst>
           </p:cNvPr>
@@ -7640,62 +6470,50 @@
         <p:spPr/>
         <p:txBody>
           <a:bodyPr>
-            <a:normAutofit fontScale="90000"/>
+            <a:normAutofit/>
           </a:bodyPr>
           <a:lstStyle/>
           <a:p>
-            <a:r>
-              <a:rPr lang="en-US" dirty="0"/>
+            <a:pPr>
+              <a:lnSpc>
+                <a:spcPct val="100000"/>
+              </a:lnSpc>
+            </a:pPr>
+            <a:r>
+              <a:rPr lang="en-US" sz="3200" dirty="0">
+                <a:latin typeface="Arial" panose="020B0604020202020204" pitchFamily="34" charset="0"/>
+                <a:cs typeface="Arial" panose="020B0604020202020204" pitchFamily="34" charset="0"/>
+              </a:rPr>
               <a:t>Distribution of loans by Grades</a:t>
             </a:r>
             <a:br>
-              <a:rPr lang="en-US" dirty="0"/>
+              <a:rPr lang="en-US" dirty="0">
+                <a:latin typeface="Arial" panose="020B0604020202020204" pitchFamily="34" charset="0"/>
+                <a:cs typeface="Arial" panose="020B0604020202020204" pitchFamily="34" charset="0"/>
+              </a:rPr>
             </a:br>
             <a:br>
-              <a:rPr lang="en-US" dirty="0"/>
+              <a:rPr lang="en-US" dirty="0">
+                <a:latin typeface="Arial" panose="020B0604020202020204" pitchFamily="34" charset="0"/>
+                <a:cs typeface="Arial" panose="020B0604020202020204" pitchFamily="34" charset="0"/>
+              </a:rPr>
             </a:br>
             <a:r>
-              <a:rPr lang="en-US" sz="2200" dirty="0"/>
-              <a:t>- Overall , more loans were given to grades A,B and C.</a:t>
-            </a:r>
-            <a:br>
-              <a:rPr lang="en-US" sz="2200" dirty="0"/>
-            </a:br>
-            <a:br>
-              <a:rPr lang="en-US" sz="2200" dirty="0"/>
-            </a:br>
-            <a:r>
-              <a:rPr lang="en-US" sz="2200" dirty="0"/>
-              <a:t>- Out of which, maximum number of charged off loans belongs to grades B and C.</a:t>
-            </a:r>
-            <a:br>
-              <a:rPr lang="en-US" b="0" dirty="0">
-                <a:solidFill>
-                  <a:srgbClr val="CCCCCC"/>
-                </a:solidFill>
-                <a:effectLst/>
-                <a:highlight>
-                  <a:srgbClr val="1F1F1F"/>
-                </a:highlight>
-                <a:latin typeface="Consolas" panose="020B0609020204030204" pitchFamily="49" charset="0"/>
-              </a:rPr>
-            </a:br>
-            <a:br>
-              <a:rPr lang="en-US" dirty="0"/>
-            </a:br>
-            <a:br>
-              <a:rPr lang="en-US" dirty="0"/>
-            </a:br>
-            <a:endParaRPr lang="en-US" dirty="0"/>
+              <a:rPr lang="en-US" sz="2000" dirty="0">
+                <a:latin typeface="Arial" panose="020B0604020202020204" pitchFamily="34" charset="0"/>
+                <a:cs typeface="Arial" panose="020B0604020202020204" pitchFamily="34" charset="0"/>
+              </a:rPr>
+              <a:t>- It can be observed from the plots that though a greater number of defaulters where from group B and C, percentage of defaulters is above 20% in grades D, E, F and G</a:t>
+            </a:r>
           </a:p>
         </p:txBody>
       </p:sp>
       <p:pic>
         <p:nvPicPr>
-          <p:cNvPr id="6" name="Picture 5">
+          <p:cNvPr id="4" name="Picture 3" descr="A graph of a graph showing the amount of loan defaulted and paid">
             <a:extLst>
               <a:ext uri="{FF2B5EF4-FFF2-40B4-BE49-F238E27FC236}">
-                <a16:creationId xmlns:a16="http://schemas.microsoft.com/office/drawing/2014/main" id="{14173BC0-324E-D8F3-70E3-2992783EE9AE}"/>
+                <a16:creationId xmlns:a16="http://schemas.microsoft.com/office/drawing/2014/main" id="{3551EF35-1FA4-B5C6-ACD4-B274704BCCE1}"/>
               </a:ext>
             </a:extLst>
           </p:cNvPr>
@@ -7712,8 +6530,38 @@
         </p:blipFill>
         <p:spPr>
           <a:xfrm>
-            <a:off x="4174671" y="691181"/>
-            <a:ext cx="6348187" cy="5466494"/>
+            <a:off x="4168569" y="414813"/>
+            <a:ext cx="5982597" cy="2874215"/>
+          </a:xfrm>
+          <a:prstGeom prst="rect">
+            <a:avLst/>
+          </a:prstGeom>
+        </p:spPr>
+      </p:pic>
+      <p:pic>
+        <p:nvPicPr>
+          <p:cNvPr id="6" name="Picture 5" descr="A graph of a long line&#10;&#10;Description automatically generated with medium confidence">
+            <a:extLst>
+              <a:ext uri="{FF2B5EF4-FFF2-40B4-BE49-F238E27FC236}">
+                <a16:creationId xmlns:a16="http://schemas.microsoft.com/office/drawing/2014/main" id="{34F931F9-965E-7CEC-602A-65262748C55F}"/>
+              </a:ext>
+            </a:extLst>
+          </p:cNvPr>
+          <p:cNvPicPr>
+            <a:picLocks noChangeAspect="1"/>
+          </p:cNvPicPr>
+          <p:nvPr/>
+        </p:nvPicPr>
+        <p:blipFill>
+          <a:blip r:embed="rId3"/>
+          <a:stretch>
+            <a:fillRect/>
+          </a:stretch>
+        </p:blipFill>
+        <p:spPr>
+          <a:xfrm>
+            <a:off x="4048454" y="3424428"/>
+            <a:ext cx="6630057" cy="3358433"/>
           </a:xfrm>
           <a:prstGeom prst="rect">
             <a:avLst/>
@@ -7723,7 +6571,7 @@
     </p:spTree>
     <p:extLst>
       <p:ext uri="{BB962C8B-B14F-4D97-AF65-F5344CB8AC3E}">
-        <p14:creationId xmlns:p14="http://schemas.microsoft.com/office/powerpoint/2010/main" val="1530881817"/>
+        <p14:creationId xmlns:p14="http://schemas.microsoft.com/office/powerpoint/2010/main" val="2455612045"/>
       </p:ext>
     </p:extLst>
   </p:cSld>
@@ -7769,44 +6617,57 @@
         <p:spPr/>
         <p:txBody>
           <a:bodyPr>
-            <a:normAutofit/>
+            <a:normAutofit fontScale="90000"/>
           </a:bodyPr>
           <a:lstStyle/>
           <a:p>
-            <a:r>
-              <a:rPr lang="en-US" sz="3200" dirty="0"/>
-              <a:t>Distribution of loans by Grades</a:t>
+            <a:pPr>
+              <a:lnSpc>
+                <a:spcPct val="100000"/>
+              </a:lnSpc>
+            </a:pPr>
+            <a:r>
+              <a:rPr lang="en-US" sz="3200" dirty="0">
+                <a:latin typeface="Arial" panose="020B0604020202020204" pitchFamily="34" charset="0"/>
+                <a:cs typeface="Arial" panose="020B0604020202020204" pitchFamily="34" charset="0"/>
+              </a:rPr>
+              <a:t>Distribution of loans by Sub-grades</a:t>
             </a:r>
             <a:br>
-              <a:rPr lang="en-US" dirty="0"/>
+              <a:rPr lang="en-US" dirty="0">
+                <a:latin typeface="Arial" panose="020B0604020202020204" pitchFamily="34" charset="0"/>
+                <a:cs typeface="Arial" panose="020B0604020202020204" pitchFamily="34" charset="0"/>
+              </a:rPr>
             </a:br>
             <a:br>
-              <a:rPr lang="en-US" dirty="0"/>
+              <a:rPr lang="en-US" dirty="0">
+                <a:latin typeface="Arial" panose="020B0604020202020204" pitchFamily="34" charset="0"/>
+                <a:cs typeface="Arial" panose="020B0604020202020204" pitchFamily="34" charset="0"/>
+              </a:rPr>
             </a:br>
             <a:r>
-              <a:rPr lang="en-US" sz="2200" dirty="0"/>
-              <a:t>It can be observed from the plots that though a greater number of defaulters where from group B and C, percentage of defaulters is above </a:t>
+              <a:rPr lang="en-US" dirty="0">
+                <a:latin typeface="Arial" panose="020B0604020202020204" pitchFamily="34" charset="0"/>
+                <a:cs typeface="Arial" panose="020B0604020202020204" pitchFamily="34" charset="0"/>
+              </a:rPr>
+              <a:t>- </a:t>
             </a:r>
             <a:r>
               <a:rPr lang="en-US" sz="2200" dirty="0">
                 <a:latin typeface="Arial" panose="020B0604020202020204" pitchFamily="34" charset="0"/>
                 <a:cs typeface="Arial" panose="020B0604020202020204" pitchFamily="34" charset="0"/>
               </a:rPr>
-              <a:t>20% </a:t>
-            </a:r>
-            <a:r>
-              <a:rPr lang="en-US" sz="2200" dirty="0"/>
-              <a:t>in grades D, E, F and G</a:t>
+              <a:t>It can be observed from the plots that though a greater number of defaulters where from sub grades A4, A5, B3, B5, percentage of defaulters is above 20% from sub-grades D2 to G and highest in F5.</a:t>
             </a:r>
           </a:p>
         </p:txBody>
       </p:sp>
       <p:pic>
         <p:nvPicPr>
-          <p:cNvPr id="4" name="Picture 3" descr="A graph of a graph showing the amount of loan defaulted and paid">
+          <p:cNvPr id="5" name="Picture 4" descr="A graph of a graph showing the amount of paid loans&#10;&#10;Description automatically generated">
             <a:extLst>
               <a:ext uri="{FF2B5EF4-FFF2-40B4-BE49-F238E27FC236}">
-                <a16:creationId xmlns:a16="http://schemas.microsoft.com/office/drawing/2014/main" id="{3551EF35-1FA4-B5C6-ACD4-B274704BCCE1}"/>
+                <a16:creationId xmlns:a16="http://schemas.microsoft.com/office/drawing/2014/main" id="{C1903CAA-5386-BF9D-A40A-EDB84E936DCB}"/>
               </a:ext>
             </a:extLst>
           </p:cNvPr>
@@ -7823,8 +6684,8 @@
         </p:blipFill>
         <p:spPr>
           <a:xfrm>
-            <a:off x="3588247" y="-147145"/>
-            <a:ext cx="8075756" cy="3415997"/>
+            <a:off x="3573516" y="320593"/>
+            <a:ext cx="7558310" cy="3103835"/>
           </a:xfrm>
           <a:prstGeom prst="rect">
             <a:avLst/>
@@ -7833,10 +6694,10 @@
       </p:pic>
       <p:pic>
         <p:nvPicPr>
-          <p:cNvPr id="6" name="Picture 5" descr="A graph of a long line&#10;&#10;Description automatically generated with medium confidence">
+          <p:cNvPr id="8" name="Picture 7" descr="A graph of blue bars">
             <a:extLst>
               <a:ext uri="{FF2B5EF4-FFF2-40B4-BE49-F238E27FC236}">
-                <a16:creationId xmlns:a16="http://schemas.microsoft.com/office/drawing/2014/main" id="{34F931F9-965E-7CEC-602A-65262748C55F}"/>
+                <a16:creationId xmlns:a16="http://schemas.microsoft.com/office/drawing/2014/main" id="{FAB6A893-4A0F-0C96-B95F-7F1B133F3440}"/>
               </a:ext>
             </a:extLst>
           </p:cNvPr>
@@ -7853,8 +6714,8 @@
         </p:blipFill>
         <p:spPr>
           <a:xfrm>
-            <a:off x="4048454" y="3424428"/>
-            <a:ext cx="6630057" cy="3358433"/>
+            <a:off x="3679533" y="3433573"/>
+            <a:ext cx="7346275" cy="3150288"/>
           </a:xfrm>
           <a:prstGeom prst="rect">
             <a:avLst/>
@@ -7864,7 +6725,7 @@
     </p:spTree>
     <p:extLst>
       <p:ext uri="{BB962C8B-B14F-4D97-AF65-F5344CB8AC3E}">
-        <p14:creationId xmlns:p14="http://schemas.microsoft.com/office/powerpoint/2010/main" val="2455612045"/>
+        <p14:creationId xmlns:p14="http://schemas.microsoft.com/office/powerpoint/2010/main" val="782691381"/>
       </p:ext>
     </p:extLst>
   </p:cSld>
@@ -7896,7 +6757,7 @@
           <p:cNvPr id="2" name="Title 1">
             <a:extLst>
               <a:ext uri="{FF2B5EF4-FFF2-40B4-BE49-F238E27FC236}">
-                <a16:creationId xmlns:a16="http://schemas.microsoft.com/office/drawing/2014/main" id="{184893F5-F804-A02F-6D4E-302F600391DC}"/>
+                <a16:creationId xmlns:a16="http://schemas.microsoft.com/office/drawing/2014/main" id="{47810A15-3F2B-58B9-214D-E223B41D7352}"/>
               </a:ext>
             </a:extLst>
           </p:cNvPr>
@@ -7910,40 +6771,79 @@
         <p:spPr/>
         <p:txBody>
           <a:bodyPr>
-            <a:normAutofit/>
+            <a:normAutofit fontScale="90000"/>
           </a:bodyPr>
           <a:lstStyle/>
           <a:p>
-            <a:r>
-              <a:rPr lang="en-US" dirty="0"/>
-              <a:t>Distribution of loans by Sub-grades</a:t>
+            <a:pPr>
+              <a:lnSpc>
+                <a:spcPct val="100000"/>
+              </a:lnSpc>
+            </a:pPr>
+            <a:r>
+              <a:rPr lang="en-US" sz="3200" dirty="0">
+                <a:latin typeface="Arial" panose="020B0604020202020204" pitchFamily="34" charset="0"/>
+                <a:cs typeface="Arial" panose="020B0604020202020204" pitchFamily="34" charset="0"/>
+              </a:rPr>
+              <a:t>Distribution of loans by Purpose</a:t>
             </a:r>
             <a:br>
-              <a:rPr lang="en-US" dirty="0"/>
+              <a:rPr lang="en-US" dirty="0">
+                <a:latin typeface="Arial" panose="020B0604020202020204" pitchFamily="34" charset="0"/>
+                <a:cs typeface="Arial" panose="020B0604020202020204" pitchFamily="34" charset="0"/>
+              </a:rPr>
             </a:br>
             <a:br>
-              <a:rPr lang="en-US" sz="2200" dirty="0"/>
+              <a:rPr lang="en-US" dirty="0">
+                <a:latin typeface="Arial" panose="020B0604020202020204" pitchFamily="34" charset="0"/>
+                <a:cs typeface="Arial" panose="020B0604020202020204" pitchFamily="34" charset="0"/>
+              </a:rPr>
             </a:br>
             <a:r>
-              <a:rPr lang="en-US" sz="2000" dirty="0"/>
-              <a:t>- Out of which, a greater number of charged off loans belongs to sub-grades B5,B3,B4 followed by C1 and C2.</a:t>
+              <a:rPr lang="en-US" sz="2000" dirty="0">
+                <a:latin typeface="Arial" panose="020B0604020202020204" pitchFamily="34" charset="0"/>
+                <a:cs typeface="Arial" panose="020B0604020202020204" pitchFamily="34" charset="0"/>
+              </a:rPr>
+              <a:t>- More loans are taken by people for debt consolidations and repaying credit card bills.</a:t>
             </a:r>
             <a:br>
-              <a:rPr lang="en-US" dirty="0"/>
+              <a:rPr lang="en-US" sz="2000" dirty="0">
+                <a:latin typeface="Arial" panose="020B0604020202020204" pitchFamily="34" charset="0"/>
+                <a:cs typeface="Arial" panose="020B0604020202020204" pitchFamily="34" charset="0"/>
+              </a:rPr>
             </a:br>
             <a:br>
-              <a:rPr lang="en-US" dirty="0"/>
+              <a:rPr lang="en-US" sz="2000" dirty="0">
+                <a:latin typeface="Arial" panose="020B0604020202020204" pitchFamily="34" charset="0"/>
+                <a:cs typeface="Arial" panose="020B0604020202020204" pitchFamily="34" charset="0"/>
+              </a:rPr>
             </a:br>
-            <a:endParaRPr lang="en-US" dirty="0"/>
+            <a:r>
+              <a:rPr lang="en-US" sz="2000" dirty="0">
+                <a:latin typeface="Arial" panose="020B0604020202020204" pitchFamily="34" charset="0"/>
+                <a:cs typeface="Arial" panose="020B0604020202020204" pitchFamily="34" charset="0"/>
+              </a:rPr>
+              <a:t>- It can be deduced from the below plots that more than 25% of small business customers default loans.  </a:t>
+            </a:r>
+            <a:br>
+              <a:rPr lang="en-US" sz="1600" dirty="0">
+                <a:latin typeface="Arial" panose="020B0604020202020204" pitchFamily="34" charset="0"/>
+                <a:cs typeface="Arial" panose="020B0604020202020204" pitchFamily="34" charset="0"/>
+              </a:rPr>
+            </a:br>
+            <a:endParaRPr lang="en-US" sz="1600" dirty="0">
+              <a:latin typeface="Arial" panose="020B0604020202020204" pitchFamily="34" charset="0"/>
+              <a:cs typeface="Arial" panose="020B0604020202020204" pitchFamily="34" charset="0"/>
+            </a:endParaRPr>
           </a:p>
         </p:txBody>
       </p:sp>
       <p:pic>
         <p:nvPicPr>
-          <p:cNvPr id="4" name="Picture 3">
+          <p:cNvPr id="4" name="Picture 3" descr="A graph of different colored bars&#10;&#10;Description automatically generated">
             <a:extLst>
               <a:ext uri="{FF2B5EF4-FFF2-40B4-BE49-F238E27FC236}">
-                <a16:creationId xmlns:a16="http://schemas.microsoft.com/office/drawing/2014/main" id="{E7731B43-1412-6865-0FC8-817DA1FF208D}"/>
+                <a16:creationId xmlns:a16="http://schemas.microsoft.com/office/drawing/2014/main" id="{DB30AF1A-7609-F04E-D454-2F372B1A207B}"/>
               </a:ext>
             </a:extLst>
           </p:cNvPr>
@@ -7960,8 +6860,38 @@
         </p:blipFill>
         <p:spPr>
           <a:xfrm>
-            <a:off x="4217308" y="686400"/>
-            <a:ext cx="6203950" cy="5485200"/>
+            <a:off x="3573516" y="154863"/>
+            <a:ext cx="8156029" cy="3130465"/>
+          </a:xfrm>
+          <a:prstGeom prst="rect">
+            <a:avLst/>
+          </a:prstGeom>
+        </p:spPr>
+      </p:pic>
+      <p:pic>
+        <p:nvPicPr>
+          <p:cNvPr id="7" name="Picture 6" descr="A graph of blue bars with white text">
+            <a:extLst>
+              <a:ext uri="{FF2B5EF4-FFF2-40B4-BE49-F238E27FC236}">
+                <a16:creationId xmlns:a16="http://schemas.microsoft.com/office/drawing/2014/main" id="{FC069149-D5CD-DA01-0AAE-8F39D55B05BD}"/>
+              </a:ext>
+            </a:extLst>
+          </p:cNvPr>
+          <p:cNvPicPr>
+            <a:picLocks noChangeAspect="1"/>
+          </p:cNvPicPr>
+          <p:nvPr/>
+        </p:nvPicPr>
+        <p:blipFill>
+          <a:blip r:embed="rId3"/>
+          <a:stretch>
+            <a:fillRect/>
+          </a:stretch>
+        </p:blipFill>
+        <p:spPr>
+          <a:xfrm>
+            <a:off x="3576145" y="3285328"/>
+            <a:ext cx="8153400" cy="3253124"/>
           </a:xfrm>
           <a:prstGeom prst="rect">
             <a:avLst/>
@@ -7971,7 +6901,7 @@
     </p:spTree>
     <p:extLst>
       <p:ext uri="{BB962C8B-B14F-4D97-AF65-F5344CB8AC3E}">
-        <p14:creationId xmlns:p14="http://schemas.microsoft.com/office/powerpoint/2010/main" val="1717684740"/>
+        <p14:creationId xmlns:p14="http://schemas.microsoft.com/office/powerpoint/2010/main" val="980354686"/>
       </p:ext>
     </p:extLst>
   </p:cSld>
@@ -8003,7 +6933,7 @@
           <p:cNvPr id="2" name="Title 1">
             <a:extLst>
               <a:ext uri="{FF2B5EF4-FFF2-40B4-BE49-F238E27FC236}">
-                <a16:creationId xmlns:a16="http://schemas.microsoft.com/office/drawing/2014/main" id="{47810A15-3F2B-58B9-214D-E223B41D7352}"/>
+                <a16:creationId xmlns:a16="http://schemas.microsoft.com/office/drawing/2014/main" id="{6BBE853D-A09A-92CD-E47A-A570E48E512C}"/>
               </a:ext>
             </a:extLst>
           </p:cNvPr>
@@ -8017,16 +6947,21 @@
         <p:spPr/>
         <p:txBody>
           <a:bodyPr>
-            <a:normAutofit fontScale="90000"/>
+            <a:normAutofit/>
           </a:bodyPr>
           <a:lstStyle/>
           <a:p>
-            <a:r>
-              <a:rPr lang="en-US" sz="3200" dirty="0">
-                <a:latin typeface="Arial" panose="020B0604020202020204" pitchFamily="34" charset="0"/>
-                <a:cs typeface="Arial" panose="020B0604020202020204" pitchFamily="34" charset="0"/>
-              </a:rPr>
-              <a:t>Distribution of loans by Sub-grades</a:t>
+            <a:pPr>
+              <a:lnSpc>
+                <a:spcPct val="100000"/>
+              </a:lnSpc>
+            </a:pPr>
+            <a:r>
+              <a:rPr lang="en-US" dirty="0">
+                <a:latin typeface="Arial" panose="020B0604020202020204" pitchFamily="34" charset="0"/>
+                <a:cs typeface="Arial" panose="020B0604020202020204" pitchFamily="34" charset="0"/>
+              </a:rPr>
+              <a:t>Verification status</a:t>
             </a:r>
             <a:br>
               <a:rPr lang="en-US" dirty="0">
@@ -8041,21 +6976,21 @@
               </a:rPr>
             </a:br>
             <a:r>
-              <a:rPr lang="en-US" sz="2200" dirty="0">
-                <a:latin typeface="Arial" panose="020B0604020202020204" pitchFamily="34" charset="0"/>
-                <a:cs typeface="Arial" panose="020B0604020202020204" pitchFamily="34" charset="0"/>
-              </a:rPr>
-              <a:t>It can be observed from the plots that though a greater number of defaulters where from sub grades A4, A5, B3, B5, percentage of defaulters is above 20% from sub-grades D2 to G and highest in F5.</a:t>
+              <a:rPr lang="en-US" sz="2000" dirty="0">
+                <a:latin typeface="Arial" panose="020B0604020202020204" pitchFamily="34" charset="0"/>
+                <a:cs typeface="Arial" panose="020B0604020202020204" pitchFamily="34" charset="0"/>
+              </a:rPr>
+              <a:t>- Most of the non-verified loans are paid off hence the nature of loan re-payment is not dependent upon the verification status.</a:t>
             </a:r>
           </a:p>
         </p:txBody>
       </p:sp>
       <p:pic>
         <p:nvPicPr>
-          <p:cNvPr id="5" name="Picture 4" descr="A graph of a graph showing the amount of paid loans&#10;&#10;Description automatically generated">
+          <p:cNvPr id="4" name="Picture 3">
             <a:extLst>
               <a:ext uri="{FF2B5EF4-FFF2-40B4-BE49-F238E27FC236}">
-                <a16:creationId xmlns:a16="http://schemas.microsoft.com/office/drawing/2014/main" id="{C1903CAA-5386-BF9D-A40A-EDB84E936DCB}"/>
+                <a16:creationId xmlns:a16="http://schemas.microsoft.com/office/drawing/2014/main" id="{AE5B42BD-C622-DC15-424F-0D072190FAAE}"/>
               </a:ext>
             </a:extLst>
           </p:cNvPr>
@@ -8072,38 +7007,8 @@
         </p:blipFill>
         <p:spPr>
           <a:xfrm>
-            <a:off x="3573516" y="75139"/>
-            <a:ext cx="8156029" cy="3349289"/>
-          </a:xfrm>
-          <a:prstGeom prst="rect">
-            <a:avLst/>
-          </a:prstGeom>
-        </p:spPr>
-      </p:pic>
-      <p:pic>
-        <p:nvPicPr>
-          <p:cNvPr id="8" name="Picture 7" descr="A graph of blue bars">
-            <a:extLst>
-              <a:ext uri="{FF2B5EF4-FFF2-40B4-BE49-F238E27FC236}">
-                <a16:creationId xmlns:a16="http://schemas.microsoft.com/office/drawing/2014/main" id="{FAB6A893-4A0F-0C96-B95F-7F1B133F3440}"/>
-              </a:ext>
-            </a:extLst>
-          </p:cNvPr>
-          <p:cNvPicPr>
-            <a:picLocks noChangeAspect="1"/>
-          </p:cNvPicPr>
-          <p:nvPr/>
-        </p:nvPicPr>
-        <p:blipFill>
-          <a:blip r:embed="rId3"/>
-          <a:stretch>
-            <a:fillRect/>
-          </a:stretch>
-        </p:blipFill>
-        <p:spPr>
-          <a:xfrm>
-            <a:off x="3573516" y="3285328"/>
-            <a:ext cx="8156029" cy="3497533"/>
+            <a:off x="3703183" y="697819"/>
+            <a:ext cx="7951788" cy="5431221"/>
           </a:xfrm>
           <a:prstGeom prst="rect">
             <a:avLst/>
@@ -8113,7 +7018,7 @@
     </p:spTree>
     <p:extLst>
       <p:ext uri="{BB962C8B-B14F-4D97-AF65-F5344CB8AC3E}">
-        <p14:creationId xmlns:p14="http://schemas.microsoft.com/office/powerpoint/2010/main" val="782691381"/>
+        <p14:creationId xmlns:p14="http://schemas.microsoft.com/office/powerpoint/2010/main" val="3047783324"/>
       </p:ext>
     </p:extLst>
   </p:cSld>
@@ -8145,7 +7050,7 @@
           <p:cNvPr id="2" name="Title 1">
             <a:extLst>
               <a:ext uri="{FF2B5EF4-FFF2-40B4-BE49-F238E27FC236}">
-                <a16:creationId xmlns:a16="http://schemas.microsoft.com/office/drawing/2014/main" id="{47810A15-3F2B-58B9-214D-E223B41D7352}"/>
+                <a16:creationId xmlns:a16="http://schemas.microsoft.com/office/drawing/2014/main" id="{47F8F022-54F2-EDCF-809E-B240A6DDDD3D}"/>
               </a:ext>
             </a:extLst>
           </p:cNvPr>
@@ -8156,19 +7061,29 @@
             <p:ph type="title"/>
           </p:nvPr>
         </p:nvSpPr>
-        <p:spPr/>
+        <p:spPr>
+          <a:xfrm>
+            <a:off x="252919" y="2092036"/>
+            <a:ext cx="2947482" cy="3632984"/>
+          </a:xfrm>
+        </p:spPr>
         <p:txBody>
           <a:bodyPr>
-            <a:normAutofit/>
+            <a:normAutofit fontScale="90000"/>
           </a:bodyPr>
           <a:lstStyle/>
           <a:p>
-            <a:r>
-              <a:rPr lang="en-US" sz="3200" dirty="0">
-                <a:latin typeface="Arial" panose="020B0604020202020204" pitchFamily="34" charset="0"/>
-                <a:cs typeface="Arial" panose="020B0604020202020204" pitchFamily="34" charset="0"/>
-              </a:rPr>
-              <a:t>Distribution of loans by Purpose</a:t>
+            <a:pPr>
+              <a:lnSpc>
+                <a:spcPct val="100000"/>
+              </a:lnSpc>
+            </a:pPr>
+            <a:r>
+              <a:rPr lang="en-US" dirty="0">
+                <a:latin typeface="Arial" panose="020B0604020202020204" pitchFamily="34" charset="0"/>
+                <a:cs typeface="Arial" panose="020B0604020202020204" pitchFamily="34" charset="0"/>
+              </a:rPr>
+              <a:t>Loan amount &amp; Installment</a:t>
             </a:r>
             <a:br>
               <a:rPr lang="en-US" dirty="0">
@@ -8183,38 +7098,44 @@
               </a:rPr>
             </a:br>
             <a:r>
-              <a:rPr lang="en-US" sz="1600" dirty="0">
-                <a:latin typeface="Arial" panose="020B0604020202020204" pitchFamily="34" charset="0"/>
-                <a:cs typeface="Arial" panose="020B0604020202020204" pitchFamily="34" charset="0"/>
-              </a:rPr>
-              <a:t>More loans are taken by people for debt consolidations and repaying credit card bills.</a:t>
+              <a:rPr lang="en-US" sz="2200" dirty="0">
+                <a:latin typeface="Arial" panose="020B0604020202020204" pitchFamily="34" charset="0"/>
+                <a:cs typeface="Arial" panose="020B0604020202020204" pitchFamily="34" charset="0"/>
+              </a:rPr>
+              <a:t>- There is a very little difference in loan amount and installment among both fully paid and charged off loans.</a:t>
             </a:r>
             <a:br>
-              <a:rPr lang="en-US" sz="1600" dirty="0">
+              <a:rPr lang="en-US" sz="2200" dirty="0">
                 <a:latin typeface="Arial" panose="020B0604020202020204" pitchFamily="34" charset="0"/>
                 <a:cs typeface="Arial" panose="020B0604020202020204" pitchFamily="34" charset="0"/>
               </a:rPr>
             </a:br>
             <a:br>
-              <a:rPr lang="en-US" sz="1600" dirty="0">
+              <a:rPr lang="en-US" sz="2200" dirty="0">
                 <a:latin typeface="Arial" panose="020B0604020202020204" pitchFamily="34" charset="0"/>
                 <a:cs typeface="Arial" panose="020B0604020202020204" pitchFamily="34" charset="0"/>
               </a:rPr>
             </a:br>
             <a:r>
-              <a:rPr lang="en-US" sz="1600" dirty="0">
-                <a:latin typeface="Arial" panose="020B0604020202020204" pitchFamily="34" charset="0"/>
-                <a:cs typeface="Arial" panose="020B0604020202020204" pitchFamily="34" charset="0"/>
-              </a:rPr>
-              <a:t>It can be deduced from the below plots that more than 25% of small business customers default loans.  </a:t>
+              <a:rPr lang="en-US" sz="2200" dirty="0">
+                <a:latin typeface="Arial" panose="020B0604020202020204" pitchFamily="34" charset="0"/>
+                <a:cs typeface="Arial" panose="020B0604020202020204" pitchFamily="34" charset="0"/>
+              </a:rPr>
+              <a:t>- Funded amount and installments both seems to be little higher for charged off loans than that for fully paid loans.</a:t>
             </a:r>
             <a:br>
-              <a:rPr lang="en-US" sz="1600" dirty="0">
+              <a:rPr lang="en-US" dirty="0">
                 <a:latin typeface="Arial" panose="020B0604020202020204" pitchFamily="34" charset="0"/>
                 <a:cs typeface="Arial" panose="020B0604020202020204" pitchFamily="34" charset="0"/>
               </a:rPr>
             </a:br>
-            <a:endParaRPr lang="en-US" sz="1600" dirty="0">
+            <a:br>
+              <a:rPr lang="en-US" dirty="0">
+                <a:latin typeface="Arial" panose="020B0604020202020204" pitchFamily="34" charset="0"/>
+                <a:cs typeface="Arial" panose="020B0604020202020204" pitchFamily="34" charset="0"/>
+              </a:rPr>
+            </a:br>
+            <a:endParaRPr lang="en-US" dirty="0">
               <a:latin typeface="Arial" panose="020B0604020202020204" pitchFamily="34" charset="0"/>
               <a:cs typeface="Arial" panose="020B0604020202020204" pitchFamily="34" charset="0"/>
             </a:endParaRPr>
@@ -8223,10 +7144,10 @@
       </p:sp>
       <p:pic>
         <p:nvPicPr>
-          <p:cNvPr id="4" name="Picture 3" descr="A graph of different colored bars&#10;&#10;Description automatically generated">
+          <p:cNvPr id="4" name="Picture 3">
             <a:extLst>
               <a:ext uri="{FF2B5EF4-FFF2-40B4-BE49-F238E27FC236}">
-                <a16:creationId xmlns:a16="http://schemas.microsoft.com/office/drawing/2014/main" id="{DB30AF1A-7609-F04E-D454-2F372B1A207B}"/>
+                <a16:creationId xmlns:a16="http://schemas.microsoft.com/office/drawing/2014/main" id="{37246262-9009-046B-20F0-3F7C94823F4C}"/>
               </a:ext>
             </a:extLst>
           </p:cNvPr>
@@ -8243,38 +7164,8 @@
         </p:blipFill>
         <p:spPr>
           <a:xfrm>
-            <a:off x="3573516" y="154863"/>
-            <a:ext cx="8156029" cy="3130465"/>
-          </a:xfrm>
-          <a:prstGeom prst="rect">
-            <a:avLst/>
-          </a:prstGeom>
-        </p:spPr>
-      </p:pic>
-      <p:pic>
-        <p:nvPicPr>
-          <p:cNvPr id="7" name="Picture 6" descr="A graph of blue bars with white text">
-            <a:extLst>
-              <a:ext uri="{FF2B5EF4-FFF2-40B4-BE49-F238E27FC236}">
-                <a16:creationId xmlns:a16="http://schemas.microsoft.com/office/drawing/2014/main" id="{FC069149-D5CD-DA01-0AAE-8F39D55B05BD}"/>
-              </a:ext>
-            </a:extLst>
-          </p:cNvPr>
-          <p:cNvPicPr>
-            <a:picLocks noChangeAspect="1"/>
-          </p:cNvPicPr>
-          <p:nvPr/>
-        </p:nvPicPr>
-        <p:blipFill>
-          <a:blip r:embed="rId3"/>
-          <a:stretch>
-            <a:fillRect/>
-          </a:stretch>
-        </p:blipFill>
-        <p:spPr>
-          <a:xfrm>
-            <a:off x="3576145" y="3285328"/>
-            <a:ext cx="8153400" cy="3253124"/>
+            <a:off x="3991893" y="674035"/>
+            <a:ext cx="7111536" cy="5469284"/>
           </a:xfrm>
           <a:prstGeom prst="rect">
             <a:avLst/>
@@ -8284,7 +7175,7 @@
     </p:spTree>
     <p:extLst>
       <p:ext uri="{BB962C8B-B14F-4D97-AF65-F5344CB8AC3E}">
-        <p14:creationId xmlns:p14="http://schemas.microsoft.com/office/powerpoint/2010/main" val="980354686"/>
+        <p14:creationId xmlns:p14="http://schemas.microsoft.com/office/powerpoint/2010/main" val="1932319213"/>
       </p:ext>
     </p:extLst>
   </p:cSld>
